--- a/figures/figure.pptx
+++ b/figures/figure.pptx
@@ -5,7 +5,11 @@
     <p:sldMasterId id="2147483648" r:id="rId1"/>
   </p:sldMasterIdLst>
   <p:sldIdLst>
-    <p:sldId id="256" r:id="rId2"/>
+    <p:sldId id="257" r:id="rId2"/>
+    <p:sldId id="259" r:id="rId3"/>
+    <p:sldId id="256" r:id="rId4"/>
+    <p:sldId id="260" r:id="rId5"/>
+    <p:sldId id="262" r:id="rId6"/>
   </p:sldIdLst>
   <p:sldSz cx="12192000" cy="6858000"/>
   <p:notesSz cx="6858000" cy="9144000"/>
@@ -270,7 +274,7 @@
           <a:p>
             <a:fld id="{FC3AF298-5AD6-4092-9E7D-F0C87CF9397A}" type="datetimeFigureOut">
               <a:rPr lang="en-US" smtClean="0"/>
-              <a:t>5/14/2020</a:t>
+              <a:t>5/15/2020</a:t>
             </a:fld>
             <a:endParaRPr lang="en-US"/>
           </a:p>
@@ -468,7 +472,7 @@
           <a:p>
             <a:fld id="{FC3AF298-5AD6-4092-9E7D-F0C87CF9397A}" type="datetimeFigureOut">
               <a:rPr lang="en-US" smtClean="0"/>
-              <a:t>5/14/2020</a:t>
+              <a:t>5/15/2020</a:t>
             </a:fld>
             <a:endParaRPr lang="en-US"/>
           </a:p>
@@ -676,7 +680,7 @@
           <a:p>
             <a:fld id="{FC3AF298-5AD6-4092-9E7D-F0C87CF9397A}" type="datetimeFigureOut">
               <a:rPr lang="en-US" smtClean="0"/>
-              <a:t>5/14/2020</a:t>
+              <a:t>5/15/2020</a:t>
             </a:fld>
             <a:endParaRPr lang="en-US"/>
           </a:p>
@@ -874,7 +878,7 @@
           <a:p>
             <a:fld id="{FC3AF298-5AD6-4092-9E7D-F0C87CF9397A}" type="datetimeFigureOut">
               <a:rPr lang="en-US" smtClean="0"/>
-              <a:t>5/14/2020</a:t>
+              <a:t>5/15/2020</a:t>
             </a:fld>
             <a:endParaRPr lang="en-US"/>
           </a:p>
@@ -1149,7 +1153,7 @@
           <a:p>
             <a:fld id="{FC3AF298-5AD6-4092-9E7D-F0C87CF9397A}" type="datetimeFigureOut">
               <a:rPr lang="en-US" smtClean="0"/>
-              <a:t>5/14/2020</a:t>
+              <a:t>5/15/2020</a:t>
             </a:fld>
             <a:endParaRPr lang="en-US"/>
           </a:p>
@@ -1414,7 +1418,7 @@
           <a:p>
             <a:fld id="{FC3AF298-5AD6-4092-9E7D-F0C87CF9397A}" type="datetimeFigureOut">
               <a:rPr lang="en-US" smtClean="0"/>
-              <a:t>5/14/2020</a:t>
+              <a:t>5/15/2020</a:t>
             </a:fld>
             <a:endParaRPr lang="en-US"/>
           </a:p>
@@ -1826,7 +1830,7 @@
           <a:p>
             <a:fld id="{FC3AF298-5AD6-4092-9E7D-F0C87CF9397A}" type="datetimeFigureOut">
               <a:rPr lang="en-US" smtClean="0"/>
-              <a:t>5/14/2020</a:t>
+              <a:t>5/15/2020</a:t>
             </a:fld>
             <a:endParaRPr lang="en-US"/>
           </a:p>
@@ -1967,7 +1971,7 @@
           <a:p>
             <a:fld id="{FC3AF298-5AD6-4092-9E7D-F0C87CF9397A}" type="datetimeFigureOut">
               <a:rPr lang="en-US" smtClean="0"/>
-              <a:t>5/14/2020</a:t>
+              <a:t>5/15/2020</a:t>
             </a:fld>
             <a:endParaRPr lang="en-US"/>
           </a:p>
@@ -2080,7 +2084,7 @@
           <a:p>
             <a:fld id="{FC3AF298-5AD6-4092-9E7D-F0C87CF9397A}" type="datetimeFigureOut">
               <a:rPr lang="en-US" smtClean="0"/>
-              <a:t>5/14/2020</a:t>
+              <a:t>5/15/2020</a:t>
             </a:fld>
             <a:endParaRPr lang="en-US"/>
           </a:p>
@@ -2391,7 +2395,7 @@
           <a:p>
             <a:fld id="{FC3AF298-5AD6-4092-9E7D-F0C87CF9397A}" type="datetimeFigureOut">
               <a:rPr lang="en-US" smtClean="0"/>
-              <a:t>5/14/2020</a:t>
+              <a:t>5/15/2020</a:t>
             </a:fld>
             <a:endParaRPr lang="en-US"/>
           </a:p>
@@ -2679,7 +2683,7 @@
           <a:p>
             <a:fld id="{FC3AF298-5AD6-4092-9E7D-F0C87CF9397A}" type="datetimeFigureOut">
               <a:rPr lang="en-US" smtClean="0"/>
-              <a:t>5/14/2020</a:t>
+              <a:t>5/15/2020</a:t>
             </a:fld>
             <a:endParaRPr lang="en-US"/>
           </a:p>
@@ -2920,7 +2924,7 @@
           <a:p>
             <a:fld id="{FC3AF298-5AD6-4092-9E7D-F0C87CF9397A}" type="datetimeFigureOut">
               <a:rPr lang="en-US" smtClean="0"/>
-              <a:t>5/14/2020</a:t>
+              <a:t>5/15/2020</a:t>
             </a:fld>
             <a:endParaRPr lang="en-US"/>
           </a:p>
@@ -3339,6 +3343,296 @@
       </p:grpSpPr>
       <p:sp>
         <p:nvSpPr>
+          <p:cNvPr id="2" name="Title 1">
+            <a:extLst>
+              <a:ext uri="{FF2B5EF4-FFF2-40B4-BE49-F238E27FC236}">
+                <a16:creationId xmlns:a16="http://schemas.microsoft.com/office/drawing/2014/main" id="{FAE60CF3-86BA-440F-A2FF-F82D8D53EC6B}"/>
+              </a:ext>
+            </a:extLst>
+          </p:cNvPr>
+          <p:cNvSpPr>
+            <a:spLocks noGrp="1"/>
+          </p:cNvSpPr>
+          <p:nvPr>
+            <p:ph type="title"/>
+          </p:nvPr>
+        </p:nvSpPr>
+        <p:spPr>
+          <a:xfrm>
+            <a:off x="838200" y="365126"/>
+            <a:ext cx="10515600" cy="931659"/>
+          </a:xfrm>
+        </p:spPr>
+        <p:txBody>
+          <a:bodyPr>
+            <a:normAutofit/>
+          </a:bodyPr>
+          <a:lstStyle/>
+          <a:p>
+            <a:r>
+              <a:rPr lang="en-US" sz="3600" dirty="0">
+                <a:latin typeface="Arial" panose="020B0604020202020204" pitchFamily="34" charset="0"/>
+                <a:cs typeface="Arial" panose="020B0604020202020204" pitchFamily="34" charset="0"/>
+              </a:rPr>
+              <a:t>Method</a:t>
+            </a:r>
+          </a:p>
+        </p:txBody>
+      </p:sp>
+      <p:sp>
+        <p:nvSpPr>
+          <p:cNvPr id="3" name="Content Placeholder 2">
+            <a:extLst>
+              <a:ext uri="{FF2B5EF4-FFF2-40B4-BE49-F238E27FC236}">
+                <a16:creationId xmlns:a16="http://schemas.microsoft.com/office/drawing/2014/main" id="{8B3022C1-5D41-4D76-83BA-67D3FED9296E}"/>
+              </a:ext>
+            </a:extLst>
+          </p:cNvPr>
+          <p:cNvSpPr>
+            <a:spLocks noGrp="1"/>
+          </p:cNvSpPr>
+          <p:nvPr>
+            <p:ph idx="1"/>
+          </p:nvPr>
+        </p:nvSpPr>
+        <p:spPr>
+          <a:xfrm>
+            <a:off x="838200" y="1296785"/>
+            <a:ext cx="10515600" cy="4912822"/>
+          </a:xfrm>
+        </p:spPr>
+        <p:txBody>
+          <a:bodyPr>
+            <a:noAutofit/>
+          </a:bodyPr>
+          <a:lstStyle/>
+          <a:p>
+            <a:pPr marL="0" indent="0">
+              <a:lnSpc>
+                <a:spcPct val="114000"/>
+              </a:lnSpc>
+              <a:spcBef>
+                <a:spcPts val="600"/>
+              </a:spcBef>
+              <a:spcAft>
+                <a:spcPts val="600"/>
+              </a:spcAft>
+              <a:buNone/>
+            </a:pPr>
+            <a:r>
+              <a:rPr lang="en-US" sz="1600" dirty="0">
+                <a:latin typeface="Arial" panose="020B0604020202020204" pitchFamily="34" charset="0"/>
+                <a:cs typeface="Arial" panose="020B0604020202020204" pitchFamily="34" charset="0"/>
+              </a:rPr>
+              <a:t>	The degree of pinking was measured quantitatively with a digital imaging-based method. RGB Images of wounded ribs were taken at 0, 2, and 4 days after wounding. Lighting conditions and camera settings were carefully controlled to ensure consistent imaging. GNU Image Manipulation Program (GIMP, version 2.10.14; https ://www.gimp.org/) was used to crop out background pixels from each rib, and extract pixels from an area 1 mm in height centered at the cut site, for each cut site in an image. Extracted pixels for each cut site were then exported into separate images. To allow for direct comparison of each cut site to its state at previous time points, each cut site was assigned a label at day 0 based on the identity of the rib and its location on the rib.</a:t>
+            </a:r>
+          </a:p>
+          <a:p>
+            <a:pPr marL="0" indent="0">
+              <a:lnSpc>
+                <a:spcPct val="114000"/>
+              </a:lnSpc>
+              <a:buNone/>
+            </a:pPr>
+            <a:r>
+              <a:rPr lang="en-US" sz="1600" dirty="0">
+                <a:latin typeface="Arial" panose="020B0604020202020204" pitchFamily="34" charset="0"/>
+                <a:cs typeface="Arial" panose="020B0604020202020204" pitchFamily="34" charset="0"/>
+              </a:rPr>
+              <a:t>	R (version 4.0.0; R Core Team, 2020) was used to convert cut site images from the RGB to the L*a*b* color space, calculate the mean a* for each cut site image, and subset the data. Data subsetting was applied to ensure that the cut sites chosen for further analysis had similar initial color. Subsetting was accomplished by defining a range of values which the mean a* of the cut site at 0 days after wounding must fall within to be considered. For iceberg, the range chosen was -3 to 0. For romaine, -6 to -3. To equalize the number of cut sites considered from each treatment group, cut sites with an initial mean a* differing the most from the average initial mean a* of the smallest group were recursively removed until the number of cut sites in each treatment group were equal. For iceberg, this left 5 cut sites from each treatment method. For romaine, 3. The results of this digital imaging method are shown in Figure #.</a:t>
+            </a:r>
+          </a:p>
+        </p:txBody>
+      </p:sp>
+    </p:spTree>
+    <p:extLst>
+      <p:ext uri="{BB962C8B-B14F-4D97-AF65-F5344CB8AC3E}">
+        <p14:creationId xmlns:p14="http://schemas.microsoft.com/office/powerpoint/2010/main" val="2510309951"/>
+      </p:ext>
+    </p:extLst>
+  </p:cSld>
+  <p:clrMapOvr>
+    <a:masterClrMapping/>
+  </p:clrMapOvr>
+</p:sld>
+</file>
+
+<file path=ppt/slides/slide2.xml><?xml version="1.0" encoding="utf-8"?>
+<p:sld xmlns:a="http://schemas.openxmlformats.org/drawingml/2006/main" xmlns:r="http://schemas.openxmlformats.org/officeDocument/2006/relationships" xmlns:p="http://schemas.openxmlformats.org/presentationml/2006/main">
+  <p:cSld>
+    <p:spTree>
+      <p:nvGrpSpPr>
+        <p:cNvPr id="1" name=""/>
+        <p:cNvGrpSpPr/>
+        <p:nvPr/>
+      </p:nvGrpSpPr>
+      <p:grpSpPr>
+        <a:xfrm>
+          <a:off x="0" y="0"/>
+          <a:ext cx="0" cy="0"/>
+          <a:chOff x="0" y="0"/>
+          <a:chExt cx="0" cy="0"/>
+        </a:xfrm>
+      </p:grpSpPr>
+      <p:sp>
+        <p:nvSpPr>
+          <p:cNvPr id="2" name="Title 1">
+            <a:extLst>
+              <a:ext uri="{FF2B5EF4-FFF2-40B4-BE49-F238E27FC236}">
+                <a16:creationId xmlns:a16="http://schemas.microsoft.com/office/drawing/2014/main" id="{FAE60CF3-86BA-440F-A2FF-F82D8D53EC6B}"/>
+              </a:ext>
+            </a:extLst>
+          </p:cNvPr>
+          <p:cNvSpPr>
+            <a:spLocks noGrp="1"/>
+          </p:cNvSpPr>
+          <p:nvPr>
+            <p:ph type="title"/>
+          </p:nvPr>
+        </p:nvSpPr>
+        <p:spPr>
+          <a:xfrm>
+            <a:off x="838200" y="365126"/>
+            <a:ext cx="10515600" cy="931659"/>
+          </a:xfrm>
+        </p:spPr>
+        <p:txBody>
+          <a:bodyPr>
+            <a:normAutofit/>
+          </a:bodyPr>
+          <a:lstStyle/>
+          <a:p>
+            <a:r>
+              <a:rPr lang="en-US" sz="3600" dirty="0">
+                <a:latin typeface="Arial" panose="020B0604020202020204" pitchFamily="34" charset="0"/>
+                <a:cs typeface="Arial" panose="020B0604020202020204" pitchFamily="34" charset="0"/>
+              </a:rPr>
+              <a:t>Citations</a:t>
+            </a:r>
+          </a:p>
+        </p:txBody>
+      </p:sp>
+      <p:sp>
+        <p:nvSpPr>
+          <p:cNvPr id="3" name="Content Placeholder 2">
+            <a:extLst>
+              <a:ext uri="{FF2B5EF4-FFF2-40B4-BE49-F238E27FC236}">
+                <a16:creationId xmlns:a16="http://schemas.microsoft.com/office/drawing/2014/main" id="{8B3022C1-5D41-4D76-83BA-67D3FED9296E}"/>
+              </a:ext>
+            </a:extLst>
+          </p:cNvPr>
+          <p:cNvSpPr>
+            <a:spLocks noGrp="1"/>
+          </p:cNvSpPr>
+          <p:nvPr>
+            <p:ph idx="1"/>
+          </p:nvPr>
+        </p:nvSpPr>
+        <p:spPr>
+          <a:xfrm>
+            <a:off x="838200" y="1296785"/>
+            <a:ext cx="10515600" cy="4912822"/>
+          </a:xfrm>
+        </p:spPr>
+        <p:txBody>
+          <a:bodyPr>
+            <a:noAutofit/>
+          </a:bodyPr>
+          <a:lstStyle/>
+          <a:p>
+            <a:pPr marL="457200" indent="-457200">
+              <a:lnSpc>
+                <a:spcPct val="114000"/>
+              </a:lnSpc>
+              <a:spcBef>
+                <a:spcPts val="600"/>
+              </a:spcBef>
+              <a:spcAft>
+                <a:spcPts val="600"/>
+              </a:spcAft>
+              <a:buNone/>
+            </a:pPr>
+            <a:r>
+              <a:rPr lang="en-US" sz="1600" dirty="0">
+                <a:latin typeface="Arial" panose="020B0604020202020204" pitchFamily="34" charset="0"/>
+                <a:cs typeface="Arial" panose="020B0604020202020204" pitchFamily="34" charset="0"/>
+              </a:rPr>
+              <a:t>R Core Team. 2019. R: A language and environment for statistical computing. R Foundation for Statistical Computing, Vienna, Austria</a:t>
+            </a:r>
+          </a:p>
+          <a:p>
+            <a:pPr marL="457200" indent="-457200">
+              <a:lnSpc>
+                <a:spcPct val="114000"/>
+              </a:lnSpc>
+              <a:spcBef>
+                <a:spcPts val="600"/>
+              </a:spcBef>
+              <a:spcAft>
+                <a:spcPts val="600"/>
+              </a:spcAft>
+              <a:buNone/>
+            </a:pPr>
+            <a:endParaRPr lang="en-US" sz="1600" dirty="0">
+              <a:latin typeface="Arial" panose="020B0604020202020204" pitchFamily="34" charset="0"/>
+              <a:cs typeface="Arial" panose="020B0604020202020204" pitchFamily="34" charset="0"/>
+            </a:endParaRPr>
+          </a:p>
+          <a:p>
+            <a:pPr marL="457200" indent="-457200">
+              <a:lnSpc>
+                <a:spcPct val="114000"/>
+              </a:lnSpc>
+              <a:spcBef>
+                <a:spcPts val="600"/>
+              </a:spcBef>
+              <a:spcAft>
+                <a:spcPts val="600"/>
+              </a:spcAft>
+              <a:buNone/>
+            </a:pPr>
+            <a:r>
+              <a:rPr lang="en-US" sz="1600" dirty="0">
+                <a:latin typeface="Arial" panose="020B0604020202020204" pitchFamily="34" charset="0"/>
+                <a:cs typeface="Arial" panose="020B0604020202020204" pitchFamily="34" charset="0"/>
+              </a:rPr>
+              <a:t>(GIMP may or may not need a citation depending on the journal)</a:t>
+            </a:r>
+          </a:p>
+        </p:txBody>
+      </p:sp>
+    </p:spTree>
+    <p:extLst>
+      <p:ext uri="{BB962C8B-B14F-4D97-AF65-F5344CB8AC3E}">
+        <p14:creationId xmlns:p14="http://schemas.microsoft.com/office/powerpoint/2010/main" val="85523597"/>
+      </p:ext>
+    </p:extLst>
+  </p:cSld>
+  <p:clrMapOvr>
+    <a:masterClrMapping/>
+  </p:clrMapOvr>
+</p:sld>
+</file>
+
+<file path=ppt/slides/slide3.xml><?xml version="1.0" encoding="utf-8"?>
+<p:sld xmlns:a="http://schemas.openxmlformats.org/drawingml/2006/main" xmlns:r="http://schemas.openxmlformats.org/officeDocument/2006/relationships" xmlns:p="http://schemas.openxmlformats.org/presentationml/2006/main">
+  <p:cSld>
+    <p:spTree>
+      <p:nvGrpSpPr>
+        <p:cNvPr id="1" name=""/>
+        <p:cNvGrpSpPr/>
+        <p:nvPr/>
+      </p:nvGrpSpPr>
+      <p:grpSpPr>
+        <a:xfrm>
+          <a:off x="0" y="0"/>
+          <a:ext cx="0" cy="0"/>
+          <a:chOff x="0" y="0"/>
+          <a:chExt cx="0" cy="0"/>
+        </a:xfrm>
+      </p:grpSpPr>
+      <p:sp>
+        <p:nvSpPr>
           <p:cNvPr id="6" name="TextBox 5">
             <a:extLst>
               <a:ext uri="{FF2B5EF4-FFF2-40B4-BE49-F238E27FC236}">
@@ -3351,8 +3645,8 @@
         </p:nvSpPr>
         <p:spPr>
           <a:xfrm>
-            <a:off x="1019175" y="6067089"/>
-            <a:ext cx="10153650" cy="523220"/>
+            <a:off x="1538980" y="5767830"/>
+            <a:ext cx="9114040" cy="584775"/>
           </a:xfrm>
           <a:prstGeom prst="rect">
             <a:avLst/>
@@ -3366,20 +3660,20 @@
           <a:lstStyle/>
           <a:p>
             <a:r>
-              <a:rPr lang="en-US" sz="1400" b="1" dirty="0">
+              <a:rPr lang="en-US" sz="1600" b="1" dirty="0">
                 <a:latin typeface="Arial" panose="020B0604020202020204" pitchFamily="34" charset="0"/>
                 <a:cs typeface="Arial" panose="020B0604020202020204" pitchFamily="34" charset="0"/>
               </a:rPr>
               <a:t>Figure #. </a:t>
             </a:r>
             <a:r>
-              <a:rPr lang="en-US" sz="1400" dirty="0">
+              <a:rPr lang="en-US" sz="1600" dirty="0">
                 <a:latin typeface="Arial" panose="020B0604020202020204" pitchFamily="34" charset="0"/>
                 <a:cs typeface="Arial" panose="020B0604020202020204" pitchFamily="34" charset="0"/>
               </a:rPr>
-              <a:t>Mean a* of cut sites measured via digital imaging method from (A) iceberg and (B) romaine ribs over 4-day experimental period.</a:t>
+              <a:t>Mean a* of cut sites measured via digital imaging method from (A) iceberg and (B) romaine ribs from each treatment group over 4-day experimental period. </a:t>
             </a:r>
-            <a:endParaRPr lang="en-US" sz="1400" b="1" dirty="0">
+            <a:endParaRPr lang="en-US" sz="1600" b="1" dirty="0">
               <a:latin typeface="Arial" panose="020B0604020202020204" pitchFamily="34" charset="0"/>
               <a:cs typeface="Arial" panose="020B0604020202020204" pitchFamily="34" charset="0"/>
             </a:endParaRPr>
@@ -3391,7 +3685,7 @@
           <p:cNvPr id="3" name="Graphic 2">
             <a:extLst>
               <a:ext uri="{FF2B5EF4-FFF2-40B4-BE49-F238E27FC236}">
-                <a16:creationId xmlns:a16="http://schemas.microsoft.com/office/drawing/2014/main" id="{FDCD42A8-E1F5-400D-A60C-446964D5CDB9}"/>
+                <a16:creationId xmlns:a16="http://schemas.microsoft.com/office/drawing/2014/main" id="{1A825716-3693-48FB-9C67-F817FEDBD342}"/>
               </a:ext>
             </a:extLst>
           </p:cNvPr>
@@ -3417,8 +3711,8 @@
         </p:blipFill>
         <p:spPr>
           <a:xfrm>
-            <a:off x="1019175" y="478351"/>
-            <a:ext cx="10153650" cy="5374761"/>
+            <a:off x="1538980" y="848129"/>
+            <a:ext cx="9114040" cy="4824451"/>
           </a:xfrm>
           <a:prstGeom prst="rect">
             <a:avLst/>
@@ -3429,6 +3723,7010 @@
     <p:extLst>
       <p:ext uri="{BB962C8B-B14F-4D97-AF65-F5344CB8AC3E}">
         <p14:creationId xmlns:p14="http://schemas.microsoft.com/office/powerpoint/2010/main" val="3025036122"/>
+      </p:ext>
+    </p:extLst>
+  </p:cSld>
+  <p:clrMapOvr>
+    <a:masterClrMapping/>
+  </p:clrMapOvr>
+</p:sld>
+</file>
+
+<file path=ppt/slides/slide4.xml><?xml version="1.0" encoding="utf-8"?>
+<p:sld xmlns:a="http://schemas.openxmlformats.org/drawingml/2006/main" xmlns:r="http://schemas.openxmlformats.org/officeDocument/2006/relationships" xmlns:p="http://schemas.openxmlformats.org/presentationml/2006/main">
+  <p:cSld>
+    <p:spTree>
+      <p:nvGrpSpPr>
+        <p:cNvPr id="1" name=""/>
+        <p:cNvGrpSpPr/>
+        <p:nvPr/>
+      </p:nvGrpSpPr>
+      <p:grpSpPr>
+        <a:xfrm>
+          <a:off x="0" y="0"/>
+          <a:ext cx="0" cy="0"/>
+          <a:chOff x="0" y="0"/>
+          <a:chExt cx="0" cy="0"/>
+        </a:xfrm>
+      </p:grpSpPr>
+      <p:sp>
+        <p:nvSpPr>
+          <p:cNvPr id="2" name="Title 1">
+            <a:extLst>
+              <a:ext uri="{FF2B5EF4-FFF2-40B4-BE49-F238E27FC236}">
+                <a16:creationId xmlns:a16="http://schemas.microsoft.com/office/drawing/2014/main" id="{FAE60CF3-86BA-440F-A2FF-F82D8D53EC6B}"/>
+              </a:ext>
+            </a:extLst>
+          </p:cNvPr>
+          <p:cNvSpPr>
+            <a:spLocks noGrp="1"/>
+          </p:cNvSpPr>
+          <p:nvPr>
+            <p:ph type="title"/>
+          </p:nvPr>
+        </p:nvSpPr>
+        <p:spPr>
+          <a:xfrm>
+            <a:off x="838200" y="365126"/>
+            <a:ext cx="10515600" cy="931659"/>
+          </a:xfrm>
+        </p:spPr>
+        <p:txBody>
+          <a:bodyPr>
+            <a:normAutofit/>
+          </a:bodyPr>
+          <a:lstStyle/>
+          <a:p>
+            <a:r>
+              <a:rPr lang="en-US" sz="3600" dirty="0">
+                <a:latin typeface="Arial" panose="020B0604020202020204" pitchFamily="34" charset="0"/>
+                <a:cs typeface="Arial" panose="020B0604020202020204" pitchFamily="34" charset="0"/>
+              </a:rPr>
+              <a:t>Raw data - iceberg</a:t>
+            </a:r>
+          </a:p>
+        </p:txBody>
+      </p:sp>
+      <p:graphicFrame>
+        <p:nvGraphicFramePr>
+          <p:cNvPr id="4" name="Content Placeholder 3">
+            <a:extLst>
+              <a:ext uri="{FF2B5EF4-FFF2-40B4-BE49-F238E27FC236}">
+                <a16:creationId xmlns:a16="http://schemas.microsoft.com/office/drawing/2014/main" id="{66C4AEA4-35A2-47CE-85DF-0433545DE057}"/>
+              </a:ext>
+            </a:extLst>
+          </p:cNvPr>
+          <p:cNvGraphicFramePr>
+            <a:graphicFrameLocks noGrp="1"/>
+          </p:cNvGraphicFramePr>
+          <p:nvPr>
+            <p:ph idx="1"/>
+            <p:extLst>
+              <p:ext uri="{D42A27DB-BD31-4B8C-83A1-F6EECF244321}">
+                <p14:modId xmlns:p14="http://schemas.microsoft.com/office/powerpoint/2010/main" val="1044313736"/>
+              </p:ext>
+            </p:extLst>
+          </p:nvPr>
+        </p:nvGraphicFramePr>
+        <p:xfrm>
+          <a:off x="838200" y="1296785"/>
+          <a:ext cx="10515600" cy="4572000"/>
+        </p:xfrm>
+        <a:graphic>
+          <a:graphicData uri="http://schemas.openxmlformats.org/drawingml/2006/table">
+            <a:tbl>
+              <a:tblPr/>
+              <a:tblGrid>
+                <a:gridCol w="1498600">
+                  <a:extLst>
+                    <a:ext uri="{9D8B030D-6E8A-4147-A177-3AD203B41FA5}">
+                      <a16:colId xmlns:a16="http://schemas.microsoft.com/office/drawing/2014/main" val="3556546562"/>
+                    </a:ext>
+                  </a:extLst>
+                </a:gridCol>
+                <a:gridCol w="2743200">
+                  <a:extLst>
+                    <a:ext uri="{9D8B030D-6E8A-4147-A177-3AD203B41FA5}">
+                      <a16:colId xmlns:a16="http://schemas.microsoft.com/office/drawing/2014/main" val="3343065149"/>
+                    </a:ext>
+                  </a:extLst>
+                </a:gridCol>
+                <a:gridCol w="1206500">
+                  <a:extLst>
+                    <a:ext uri="{9D8B030D-6E8A-4147-A177-3AD203B41FA5}">
+                      <a16:colId xmlns:a16="http://schemas.microsoft.com/office/drawing/2014/main" val="1135429169"/>
+                    </a:ext>
+                  </a:extLst>
+                </a:gridCol>
+                <a:gridCol w="2533650">
+                  <a:extLst>
+                    <a:ext uri="{9D8B030D-6E8A-4147-A177-3AD203B41FA5}">
+                      <a16:colId xmlns:a16="http://schemas.microsoft.com/office/drawing/2014/main" val="3853621809"/>
+                    </a:ext>
+                  </a:extLst>
+                </a:gridCol>
+                <a:gridCol w="2533650">
+                  <a:extLst>
+                    <a:ext uri="{9D8B030D-6E8A-4147-A177-3AD203B41FA5}">
+                      <a16:colId xmlns:a16="http://schemas.microsoft.com/office/drawing/2014/main" val="1659069070"/>
+                    </a:ext>
+                  </a:extLst>
+                </a:gridCol>
+              </a:tblGrid>
+              <a:tr h="810432">
+                <a:tc>
+                  <a:txBody>
+                    <a:bodyPr/>
+                    <a:lstStyle/>
+                    <a:p>
+                      <a:pPr algn="l"/>
+                      <a:r>
+                        <a:rPr lang="en-US" sz="1600" b="1" dirty="0">
+                          <a:solidFill>
+                            <a:schemeClr val="tx1"/>
+                          </a:solidFill>
+                          <a:effectLst/>
+                          <a:latin typeface="Arial" panose="020B0604020202020204" pitchFamily="34" charset="0"/>
+                          <a:cs typeface="Arial" panose="020B0604020202020204" pitchFamily="34" charset="0"/>
+                        </a:rPr>
+                        <a:t>Variety</a:t>
+                      </a:r>
+                    </a:p>
+                  </a:txBody>
+                  <a:tcPr marL="12575" marR="12575" marT="12072" marB="12072" anchor="ctr">
+                    <a:lnL w="12700" cap="flat" cmpd="sng" algn="ctr">
+                      <a:solidFill>
+                        <a:schemeClr val="tx1"/>
+                      </a:solidFill>
+                      <a:prstDash val="solid"/>
+                      <a:round/>
+                      <a:headEnd type="none" w="med" len="med"/>
+                      <a:tailEnd type="none" w="med" len="med"/>
+                    </a:lnL>
+                    <a:lnR w="12700" cap="flat" cmpd="sng" algn="ctr">
+                      <a:solidFill>
+                        <a:schemeClr val="tx1"/>
+                      </a:solidFill>
+                      <a:prstDash val="solid"/>
+                      <a:round/>
+                      <a:headEnd type="none" w="med" len="med"/>
+                      <a:tailEnd type="none" w="med" len="med"/>
+                    </a:lnR>
+                    <a:lnT w="12700" cap="flat" cmpd="sng" algn="ctr">
+                      <a:solidFill>
+                        <a:schemeClr val="tx1"/>
+                      </a:solidFill>
+                      <a:prstDash val="solid"/>
+                      <a:round/>
+                      <a:headEnd type="none" w="med" len="med"/>
+                      <a:tailEnd type="none" w="med" len="med"/>
+                    </a:lnT>
+                    <a:lnB w="12700" cap="flat" cmpd="sng" algn="ctr">
+                      <a:solidFill>
+                        <a:schemeClr val="tx1"/>
+                      </a:solidFill>
+                      <a:prstDash val="solid"/>
+                      <a:round/>
+                      <a:headEnd type="none" w="med" len="med"/>
+                      <a:tailEnd type="none" w="med" len="med"/>
+                    </a:lnB>
+                    <a:lnTlToBr w="12700" cmpd="sng">
+                      <a:noFill/>
+                      <a:prstDash val="solid"/>
+                    </a:lnTlToBr>
+                    <a:lnBlToTr w="12700" cmpd="sng">
+                      <a:noFill/>
+                      <a:prstDash val="solid"/>
+                    </a:lnBlToTr>
+                    <a:noFill/>
+                  </a:tcPr>
+                </a:tc>
+                <a:tc>
+                  <a:txBody>
+                    <a:bodyPr/>
+                    <a:lstStyle/>
+                    <a:p>
+                      <a:pPr algn="l"/>
+                      <a:r>
+                        <a:rPr lang="en-US" sz="1600" b="1" dirty="0">
+                          <a:solidFill>
+                            <a:schemeClr val="tx1"/>
+                          </a:solidFill>
+                          <a:effectLst/>
+                          <a:latin typeface="Arial" panose="020B0604020202020204" pitchFamily="34" charset="0"/>
+                          <a:cs typeface="Arial" panose="020B0604020202020204" pitchFamily="34" charset="0"/>
+                        </a:rPr>
+                        <a:t>Treatment group</a:t>
+                      </a:r>
+                    </a:p>
+                  </a:txBody>
+                  <a:tcPr marL="12575" marR="12575" marT="12072" marB="12072" anchor="ctr">
+                    <a:lnL w="12700" cap="flat" cmpd="sng" algn="ctr">
+                      <a:solidFill>
+                        <a:schemeClr val="tx1"/>
+                      </a:solidFill>
+                      <a:prstDash val="solid"/>
+                      <a:round/>
+                      <a:headEnd type="none" w="med" len="med"/>
+                      <a:tailEnd type="none" w="med" len="med"/>
+                    </a:lnL>
+                    <a:lnR w="12700" cap="flat" cmpd="sng" algn="ctr">
+                      <a:solidFill>
+                        <a:schemeClr val="tx1"/>
+                      </a:solidFill>
+                      <a:prstDash val="solid"/>
+                      <a:round/>
+                      <a:headEnd type="none" w="med" len="med"/>
+                      <a:tailEnd type="none" w="med" len="med"/>
+                    </a:lnR>
+                    <a:lnT w="12700" cap="flat" cmpd="sng" algn="ctr">
+                      <a:solidFill>
+                        <a:schemeClr val="tx1"/>
+                      </a:solidFill>
+                      <a:prstDash val="solid"/>
+                      <a:round/>
+                      <a:headEnd type="none" w="med" len="med"/>
+                      <a:tailEnd type="none" w="med" len="med"/>
+                    </a:lnT>
+                    <a:lnB w="12700" cap="flat" cmpd="sng" algn="ctr">
+                      <a:solidFill>
+                        <a:schemeClr val="tx1"/>
+                      </a:solidFill>
+                      <a:prstDash val="solid"/>
+                      <a:round/>
+                      <a:headEnd type="none" w="med" len="med"/>
+                      <a:tailEnd type="none" w="med" len="med"/>
+                    </a:lnB>
+                    <a:lnTlToBr w="12700" cmpd="sng">
+                      <a:noFill/>
+                      <a:prstDash val="solid"/>
+                    </a:lnTlToBr>
+                    <a:lnBlToTr w="12700" cmpd="sng">
+                      <a:noFill/>
+                      <a:prstDash val="solid"/>
+                    </a:lnBlToTr>
+                    <a:noFill/>
+                  </a:tcPr>
+                </a:tc>
+                <a:tc>
+                  <a:txBody>
+                    <a:bodyPr/>
+                    <a:lstStyle/>
+                    <a:p>
+                      <a:pPr algn="l"/>
+                      <a:r>
+                        <a:rPr lang="en-US" sz="1600" b="1" dirty="0">
+                          <a:solidFill>
+                            <a:schemeClr val="tx1"/>
+                          </a:solidFill>
+                          <a:effectLst/>
+                          <a:latin typeface="Arial" panose="020B0604020202020204" pitchFamily="34" charset="0"/>
+                          <a:cs typeface="Arial" panose="020B0604020202020204" pitchFamily="34" charset="0"/>
+                        </a:rPr>
+                        <a:t>Day</a:t>
+                      </a:r>
+                    </a:p>
+                  </a:txBody>
+                  <a:tcPr marL="12575" marR="12575" marT="12072" marB="12072" anchor="ctr">
+                    <a:lnL w="12700" cap="flat" cmpd="sng" algn="ctr">
+                      <a:solidFill>
+                        <a:schemeClr val="tx1"/>
+                      </a:solidFill>
+                      <a:prstDash val="solid"/>
+                      <a:round/>
+                      <a:headEnd type="none" w="med" len="med"/>
+                      <a:tailEnd type="none" w="med" len="med"/>
+                    </a:lnL>
+                    <a:lnR w="12700" cap="flat" cmpd="sng" algn="ctr">
+                      <a:solidFill>
+                        <a:schemeClr val="tx1"/>
+                      </a:solidFill>
+                      <a:prstDash val="solid"/>
+                      <a:round/>
+                      <a:headEnd type="none" w="med" len="med"/>
+                      <a:tailEnd type="none" w="med" len="med"/>
+                    </a:lnR>
+                    <a:lnT w="12700" cap="flat" cmpd="sng" algn="ctr">
+                      <a:solidFill>
+                        <a:schemeClr val="tx1"/>
+                      </a:solidFill>
+                      <a:prstDash val="solid"/>
+                      <a:round/>
+                      <a:headEnd type="none" w="med" len="med"/>
+                      <a:tailEnd type="none" w="med" len="med"/>
+                    </a:lnT>
+                    <a:lnB w="12700" cap="flat" cmpd="sng" algn="ctr">
+                      <a:solidFill>
+                        <a:schemeClr val="tx1"/>
+                      </a:solidFill>
+                      <a:prstDash val="solid"/>
+                      <a:round/>
+                      <a:headEnd type="none" w="med" len="med"/>
+                      <a:tailEnd type="none" w="med" len="med"/>
+                    </a:lnB>
+                    <a:lnTlToBr w="12700" cmpd="sng">
+                      <a:noFill/>
+                      <a:prstDash val="solid"/>
+                    </a:lnTlToBr>
+                    <a:lnBlToTr w="12700" cmpd="sng">
+                      <a:noFill/>
+                      <a:prstDash val="solid"/>
+                    </a:lnBlToTr>
+                    <a:noFill/>
+                  </a:tcPr>
+                </a:tc>
+                <a:tc>
+                  <a:txBody>
+                    <a:bodyPr/>
+                    <a:lstStyle/>
+                    <a:p>
+                      <a:pPr algn="l"/>
+                      <a:r>
+                        <a:rPr lang="en-US" sz="1600" b="1" dirty="0">
+                          <a:solidFill>
+                            <a:schemeClr val="tx1"/>
+                          </a:solidFill>
+                          <a:effectLst/>
+                          <a:latin typeface="Arial" panose="020B0604020202020204" pitchFamily="34" charset="0"/>
+                          <a:cs typeface="Arial" panose="020B0604020202020204" pitchFamily="34" charset="0"/>
+                        </a:rPr>
+                        <a:t>Average mean a*</a:t>
+                      </a:r>
+                    </a:p>
+                  </a:txBody>
+                  <a:tcPr marL="12575" marR="12575" marT="12072" marB="12072" anchor="ctr">
+                    <a:lnL w="12700" cap="flat" cmpd="sng" algn="ctr">
+                      <a:solidFill>
+                        <a:schemeClr val="tx1"/>
+                      </a:solidFill>
+                      <a:prstDash val="solid"/>
+                      <a:round/>
+                      <a:headEnd type="none" w="med" len="med"/>
+                      <a:tailEnd type="none" w="med" len="med"/>
+                    </a:lnL>
+                    <a:lnR w="12700" cap="flat" cmpd="sng" algn="ctr">
+                      <a:solidFill>
+                        <a:schemeClr val="tx1"/>
+                      </a:solidFill>
+                      <a:prstDash val="solid"/>
+                      <a:round/>
+                      <a:headEnd type="none" w="med" len="med"/>
+                      <a:tailEnd type="none" w="med" len="med"/>
+                    </a:lnR>
+                    <a:lnT w="12700" cap="flat" cmpd="sng" algn="ctr">
+                      <a:solidFill>
+                        <a:schemeClr val="tx1"/>
+                      </a:solidFill>
+                      <a:prstDash val="solid"/>
+                      <a:round/>
+                      <a:headEnd type="none" w="med" len="med"/>
+                      <a:tailEnd type="none" w="med" len="med"/>
+                    </a:lnT>
+                    <a:lnB w="12700" cap="flat" cmpd="sng" algn="ctr">
+                      <a:solidFill>
+                        <a:schemeClr val="tx1"/>
+                      </a:solidFill>
+                      <a:prstDash val="solid"/>
+                      <a:round/>
+                      <a:headEnd type="none" w="med" len="med"/>
+                      <a:tailEnd type="none" w="med" len="med"/>
+                    </a:lnB>
+                    <a:lnTlToBr w="12700" cmpd="sng">
+                      <a:noFill/>
+                      <a:prstDash val="solid"/>
+                    </a:lnTlToBr>
+                    <a:lnBlToTr w="12700" cmpd="sng">
+                      <a:noFill/>
+                      <a:prstDash val="solid"/>
+                    </a:lnBlToTr>
+                    <a:noFill/>
+                  </a:tcPr>
+                </a:tc>
+                <a:tc>
+                  <a:txBody>
+                    <a:bodyPr/>
+                    <a:lstStyle/>
+                    <a:p>
+                      <a:r>
+                        <a:rPr lang="en-US" sz="1600" b="1" dirty="0">
+                          <a:solidFill>
+                            <a:schemeClr val="tx1"/>
+                          </a:solidFill>
+                          <a:latin typeface="Arial" panose="020B0604020202020204" pitchFamily="34" charset="0"/>
+                          <a:cs typeface="Arial" panose="020B0604020202020204" pitchFamily="34" charset="0"/>
+                        </a:rPr>
+                        <a:t>Standard error</a:t>
+                      </a:r>
+                    </a:p>
+                  </a:txBody>
+                  <a:tcPr marL="24144" marR="24144" marT="12072" marB="12072" anchor="ctr">
+                    <a:lnL w="12700" cap="flat" cmpd="sng" algn="ctr">
+                      <a:solidFill>
+                        <a:schemeClr val="tx1"/>
+                      </a:solidFill>
+                      <a:prstDash val="solid"/>
+                      <a:round/>
+                      <a:headEnd type="none" w="med" len="med"/>
+                      <a:tailEnd type="none" w="med" len="med"/>
+                    </a:lnL>
+                    <a:lnR w="12700" cap="flat" cmpd="sng" algn="ctr">
+                      <a:solidFill>
+                        <a:schemeClr val="tx1"/>
+                      </a:solidFill>
+                      <a:prstDash val="solid"/>
+                      <a:round/>
+                      <a:headEnd type="none" w="med" len="med"/>
+                      <a:tailEnd type="none" w="med" len="med"/>
+                    </a:lnR>
+                    <a:lnT w="12700" cap="flat" cmpd="sng" algn="ctr">
+                      <a:solidFill>
+                        <a:schemeClr val="tx1"/>
+                      </a:solidFill>
+                      <a:prstDash val="solid"/>
+                      <a:round/>
+                      <a:headEnd type="none" w="med" len="med"/>
+                      <a:tailEnd type="none" w="med" len="med"/>
+                    </a:lnT>
+                    <a:lnB w="12700" cap="flat" cmpd="sng" algn="ctr">
+                      <a:solidFill>
+                        <a:schemeClr val="tx1"/>
+                      </a:solidFill>
+                      <a:prstDash val="solid"/>
+                      <a:round/>
+                      <a:headEnd type="none" w="med" len="med"/>
+                      <a:tailEnd type="none" w="med" len="med"/>
+                    </a:lnB>
+                    <a:lnTlToBr w="12700" cmpd="sng">
+                      <a:noFill/>
+                      <a:prstDash val="solid"/>
+                    </a:lnTlToBr>
+                    <a:lnBlToTr w="12700" cmpd="sng">
+                      <a:noFill/>
+                      <a:prstDash val="solid"/>
+                    </a:lnBlToTr>
+                    <a:noFill/>
+                  </a:tcPr>
+                </a:tc>
+                <a:extLst>
+                  <a:ext uri="{0D108BD9-81ED-4DB2-BD59-A6C34878D82A}">
+                    <a16:rowId xmlns:a16="http://schemas.microsoft.com/office/drawing/2014/main" val="3961066030"/>
+                  </a:ext>
+                </a:extLst>
+              </a:tr>
+              <a:tr h="417952">
+                <a:tc>
+                  <a:txBody>
+                    <a:bodyPr/>
+                    <a:lstStyle/>
+                    <a:p>
+                      <a:r>
+                        <a:rPr lang="en-US" sz="1600" dirty="0">
+                          <a:solidFill>
+                            <a:schemeClr val="tx1"/>
+                          </a:solidFill>
+                          <a:effectLst/>
+                          <a:latin typeface="Arial" panose="020B0604020202020204" pitchFamily="34" charset="0"/>
+                          <a:cs typeface="Arial" panose="020B0604020202020204" pitchFamily="34" charset="0"/>
+                        </a:rPr>
+                        <a:t>Iceberg</a:t>
+                      </a:r>
+                    </a:p>
+                  </a:txBody>
+                  <a:tcPr marL="12575" marR="12575" marT="10060" marB="10060" anchor="ctr">
+                    <a:lnL w="12700" cap="flat" cmpd="sng" algn="ctr">
+                      <a:solidFill>
+                        <a:schemeClr val="tx1"/>
+                      </a:solidFill>
+                      <a:prstDash val="solid"/>
+                      <a:round/>
+                      <a:headEnd type="none" w="med" len="med"/>
+                      <a:tailEnd type="none" w="med" len="med"/>
+                    </a:lnL>
+                    <a:lnR w="12700" cap="flat" cmpd="sng" algn="ctr">
+                      <a:solidFill>
+                        <a:schemeClr val="tx1"/>
+                      </a:solidFill>
+                      <a:prstDash val="solid"/>
+                      <a:round/>
+                      <a:headEnd type="none" w="med" len="med"/>
+                      <a:tailEnd type="none" w="med" len="med"/>
+                    </a:lnR>
+                    <a:lnT w="12700" cap="flat" cmpd="sng" algn="ctr">
+                      <a:solidFill>
+                        <a:schemeClr val="tx1"/>
+                      </a:solidFill>
+                      <a:prstDash val="solid"/>
+                      <a:round/>
+                      <a:headEnd type="none" w="med" len="med"/>
+                      <a:tailEnd type="none" w="med" len="med"/>
+                    </a:lnT>
+                    <a:lnB w="12700" cap="flat" cmpd="sng" algn="ctr">
+                      <a:solidFill>
+                        <a:schemeClr val="tx1"/>
+                      </a:solidFill>
+                      <a:prstDash val="solid"/>
+                      <a:round/>
+                      <a:headEnd type="none" w="med" len="med"/>
+                      <a:tailEnd type="none" w="med" len="med"/>
+                    </a:lnB>
+                    <a:lnTlToBr w="12700" cmpd="sng">
+                      <a:noFill/>
+                      <a:prstDash val="solid"/>
+                    </a:lnTlToBr>
+                    <a:lnBlToTr w="12700" cmpd="sng">
+                      <a:noFill/>
+                      <a:prstDash val="solid"/>
+                    </a:lnBlToTr>
+                    <a:noFill/>
+                  </a:tcPr>
+                </a:tc>
+                <a:tc>
+                  <a:txBody>
+                    <a:bodyPr/>
+                    <a:lstStyle/>
+                    <a:p>
+                      <a:r>
+                        <a:rPr lang="en-US" sz="1600" dirty="0">
+                          <a:solidFill>
+                            <a:schemeClr val="tx1"/>
+                          </a:solidFill>
+                          <a:effectLst/>
+                          <a:latin typeface="Arial" panose="020B0604020202020204" pitchFamily="34" charset="0"/>
+                          <a:cs typeface="Arial" panose="020B0604020202020204" pitchFamily="34" charset="0"/>
+                        </a:rPr>
+                        <a:t>No treatment</a:t>
+                      </a:r>
+                    </a:p>
+                  </a:txBody>
+                  <a:tcPr marL="12575" marR="12575" marT="10060" marB="10060" anchor="ctr">
+                    <a:lnL w="12700" cap="flat" cmpd="sng" algn="ctr">
+                      <a:solidFill>
+                        <a:schemeClr val="tx1"/>
+                      </a:solidFill>
+                      <a:prstDash val="solid"/>
+                      <a:round/>
+                      <a:headEnd type="none" w="med" len="med"/>
+                      <a:tailEnd type="none" w="med" len="med"/>
+                    </a:lnL>
+                    <a:lnR w="12700" cap="flat" cmpd="sng" algn="ctr">
+                      <a:solidFill>
+                        <a:schemeClr val="tx1"/>
+                      </a:solidFill>
+                      <a:prstDash val="solid"/>
+                      <a:round/>
+                      <a:headEnd type="none" w="med" len="med"/>
+                      <a:tailEnd type="none" w="med" len="med"/>
+                    </a:lnR>
+                    <a:lnT w="12700" cap="flat" cmpd="sng" algn="ctr">
+                      <a:solidFill>
+                        <a:schemeClr val="tx1"/>
+                      </a:solidFill>
+                      <a:prstDash val="solid"/>
+                      <a:round/>
+                      <a:headEnd type="none" w="med" len="med"/>
+                      <a:tailEnd type="none" w="med" len="med"/>
+                    </a:lnT>
+                    <a:lnB w="12700" cap="flat" cmpd="sng" algn="ctr">
+                      <a:solidFill>
+                        <a:schemeClr val="tx1"/>
+                      </a:solidFill>
+                      <a:prstDash val="solid"/>
+                      <a:round/>
+                      <a:headEnd type="none" w="med" len="med"/>
+                      <a:tailEnd type="none" w="med" len="med"/>
+                    </a:lnB>
+                    <a:lnTlToBr w="12700" cmpd="sng">
+                      <a:noFill/>
+                      <a:prstDash val="solid"/>
+                    </a:lnTlToBr>
+                    <a:lnBlToTr w="12700" cmpd="sng">
+                      <a:noFill/>
+                      <a:prstDash val="solid"/>
+                    </a:lnBlToTr>
+                    <a:noFill/>
+                  </a:tcPr>
+                </a:tc>
+                <a:tc>
+                  <a:txBody>
+                    <a:bodyPr/>
+                    <a:lstStyle/>
+                    <a:p>
+                      <a:r>
+                        <a:rPr lang="en-US" sz="1600">
+                          <a:solidFill>
+                            <a:schemeClr val="tx1"/>
+                          </a:solidFill>
+                          <a:effectLst/>
+                          <a:latin typeface="Arial" panose="020B0604020202020204" pitchFamily="34" charset="0"/>
+                          <a:cs typeface="Arial" panose="020B0604020202020204" pitchFamily="34" charset="0"/>
+                        </a:rPr>
+                        <a:t>0</a:t>
+                      </a:r>
+                    </a:p>
+                  </a:txBody>
+                  <a:tcPr marL="12575" marR="12575" marT="10060" marB="10060" anchor="ctr">
+                    <a:lnL w="12700" cap="flat" cmpd="sng" algn="ctr">
+                      <a:solidFill>
+                        <a:schemeClr val="tx1"/>
+                      </a:solidFill>
+                      <a:prstDash val="solid"/>
+                      <a:round/>
+                      <a:headEnd type="none" w="med" len="med"/>
+                      <a:tailEnd type="none" w="med" len="med"/>
+                    </a:lnL>
+                    <a:lnR w="12700" cap="flat" cmpd="sng" algn="ctr">
+                      <a:solidFill>
+                        <a:schemeClr val="tx1"/>
+                      </a:solidFill>
+                      <a:prstDash val="solid"/>
+                      <a:round/>
+                      <a:headEnd type="none" w="med" len="med"/>
+                      <a:tailEnd type="none" w="med" len="med"/>
+                    </a:lnR>
+                    <a:lnT w="12700" cap="flat" cmpd="sng" algn="ctr">
+                      <a:solidFill>
+                        <a:schemeClr val="tx1"/>
+                      </a:solidFill>
+                      <a:prstDash val="solid"/>
+                      <a:round/>
+                      <a:headEnd type="none" w="med" len="med"/>
+                      <a:tailEnd type="none" w="med" len="med"/>
+                    </a:lnT>
+                    <a:lnB w="12700" cap="flat" cmpd="sng" algn="ctr">
+                      <a:solidFill>
+                        <a:schemeClr val="tx1"/>
+                      </a:solidFill>
+                      <a:prstDash val="solid"/>
+                      <a:round/>
+                      <a:headEnd type="none" w="med" len="med"/>
+                      <a:tailEnd type="none" w="med" len="med"/>
+                    </a:lnB>
+                    <a:lnTlToBr w="12700" cmpd="sng">
+                      <a:noFill/>
+                      <a:prstDash val="solid"/>
+                    </a:lnTlToBr>
+                    <a:lnBlToTr w="12700" cmpd="sng">
+                      <a:noFill/>
+                      <a:prstDash val="solid"/>
+                    </a:lnBlToTr>
+                    <a:noFill/>
+                  </a:tcPr>
+                </a:tc>
+                <a:tc>
+                  <a:txBody>
+                    <a:bodyPr/>
+                    <a:lstStyle/>
+                    <a:p>
+                      <a:pPr algn="r"/>
+                      <a:r>
+                        <a:rPr lang="en-US" sz="1600" dirty="0">
+                          <a:solidFill>
+                            <a:schemeClr val="tx1"/>
+                          </a:solidFill>
+                          <a:effectLst/>
+                          <a:latin typeface="Arial" panose="020B0604020202020204" pitchFamily="34" charset="0"/>
+                          <a:cs typeface="Arial" panose="020B0604020202020204" pitchFamily="34" charset="0"/>
+                        </a:rPr>
+                        <a:t>-0.89068107</a:t>
+                      </a:r>
+                    </a:p>
+                  </a:txBody>
+                  <a:tcPr marL="12575" marR="12575" marT="10060" marB="10060" anchor="ctr">
+                    <a:lnL w="12700" cap="flat" cmpd="sng" algn="ctr">
+                      <a:solidFill>
+                        <a:schemeClr val="tx1"/>
+                      </a:solidFill>
+                      <a:prstDash val="solid"/>
+                      <a:round/>
+                      <a:headEnd type="none" w="med" len="med"/>
+                      <a:tailEnd type="none" w="med" len="med"/>
+                    </a:lnL>
+                    <a:lnR w="12700" cap="flat" cmpd="sng" algn="ctr">
+                      <a:solidFill>
+                        <a:schemeClr val="tx1"/>
+                      </a:solidFill>
+                      <a:prstDash val="solid"/>
+                      <a:round/>
+                      <a:headEnd type="none" w="med" len="med"/>
+                      <a:tailEnd type="none" w="med" len="med"/>
+                    </a:lnR>
+                    <a:lnT w="12700" cap="flat" cmpd="sng" algn="ctr">
+                      <a:solidFill>
+                        <a:schemeClr val="tx1"/>
+                      </a:solidFill>
+                      <a:prstDash val="solid"/>
+                      <a:round/>
+                      <a:headEnd type="none" w="med" len="med"/>
+                      <a:tailEnd type="none" w="med" len="med"/>
+                    </a:lnT>
+                    <a:lnB w="12700" cap="flat" cmpd="sng" algn="ctr">
+                      <a:solidFill>
+                        <a:schemeClr val="tx1"/>
+                      </a:solidFill>
+                      <a:prstDash val="solid"/>
+                      <a:round/>
+                      <a:headEnd type="none" w="med" len="med"/>
+                      <a:tailEnd type="none" w="med" len="med"/>
+                    </a:lnB>
+                    <a:lnTlToBr w="12700" cmpd="sng">
+                      <a:noFill/>
+                      <a:prstDash val="solid"/>
+                    </a:lnTlToBr>
+                    <a:lnBlToTr w="12700" cmpd="sng">
+                      <a:noFill/>
+                      <a:prstDash val="solid"/>
+                    </a:lnBlToTr>
+                    <a:noFill/>
+                  </a:tcPr>
+                </a:tc>
+                <a:tc>
+                  <a:txBody>
+                    <a:bodyPr/>
+                    <a:lstStyle/>
+                    <a:p>
+                      <a:pPr algn="r"/>
+                      <a:r>
+                        <a:rPr lang="en-US" sz="1600" dirty="0">
+                          <a:solidFill>
+                            <a:schemeClr val="tx1"/>
+                          </a:solidFill>
+                          <a:effectLst/>
+                          <a:latin typeface="Arial" panose="020B0604020202020204" pitchFamily="34" charset="0"/>
+                          <a:cs typeface="Arial" panose="020B0604020202020204" pitchFamily="34" charset="0"/>
+                        </a:rPr>
+                        <a:t>0.2838299</a:t>
+                      </a:r>
+                    </a:p>
+                  </a:txBody>
+                  <a:tcPr marL="12575" marR="12575" marT="10060" marB="10060" anchor="ctr">
+                    <a:lnL w="12700" cap="flat" cmpd="sng" algn="ctr">
+                      <a:solidFill>
+                        <a:schemeClr val="tx1"/>
+                      </a:solidFill>
+                      <a:prstDash val="solid"/>
+                      <a:round/>
+                      <a:headEnd type="none" w="med" len="med"/>
+                      <a:tailEnd type="none" w="med" len="med"/>
+                    </a:lnL>
+                    <a:lnR w="12700" cap="flat" cmpd="sng" algn="ctr">
+                      <a:solidFill>
+                        <a:schemeClr val="tx1"/>
+                      </a:solidFill>
+                      <a:prstDash val="solid"/>
+                      <a:round/>
+                      <a:headEnd type="none" w="med" len="med"/>
+                      <a:tailEnd type="none" w="med" len="med"/>
+                    </a:lnR>
+                    <a:lnT w="12700" cap="flat" cmpd="sng" algn="ctr">
+                      <a:solidFill>
+                        <a:schemeClr val="tx1"/>
+                      </a:solidFill>
+                      <a:prstDash val="solid"/>
+                      <a:round/>
+                      <a:headEnd type="none" w="med" len="med"/>
+                      <a:tailEnd type="none" w="med" len="med"/>
+                    </a:lnT>
+                    <a:lnB w="12700" cap="flat" cmpd="sng" algn="ctr">
+                      <a:solidFill>
+                        <a:schemeClr val="tx1"/>
+                      </a:solidFill>
+                      <a:prstDash val="solid"/>
+                      <a:round/>
+                      <a:headEnd type="none" w="med" len="med"/>
+                      <a:tailEnd type="none" w="med" len="med"/>
+                    </a:lnB>
+                    <a:lnTlToBr w="12700" cmpd="sng">
+                      <a:noFill/>
+                      <a:prstDash val="solid"/>
+                    </a:lnTlToBr>
+                    <a:lnBlToTr w="12700" cmpd="sng">
+                      <a:noFill/>
+                      <a:prstDash val="solid"/>
+                    </a:lnBlToTr>
+                    <a:noFill/>
+                  </a:tcPr>
+                </a:tc>
+                <a:extLst>
+                  <a:ext uri="{0D108BD9-81ED-4DB2-BD59-A6C34878D82A}">
+                    <a16:rowId xmlns:a16="http://schemas.microsoft.com/office/drawing/2014/main" val="829709350"/>
+                  </a:ext>
+                </a:extLst>
+              </a:tr>
+              <a:tr h="417952">
+                <a:tc>
+                  <a:txBody>
+                    <a:bodyPr/>
+                    <a:lstStyle/>
+                    <a:p>
+                      <a:r>
+                        <a:rPr lang="en-US" sz="1600" dirty="0">
+                          <a:solidFill>
+                            <a:schemeClr val="tx1"/>
+                          </a:solidFill>
+                          <a:effectLst/>
+                          <a:latin typeface="Arial" panose="020B0604020202020204" pitchFamily="34" charset="0"/>
+                          <a:cs typeface="Arial" panose="020B0604020202020204" pitchFamily="34" charset="0"/>
+                        </a:rPr>
+                        <a:t>Iceberg</a:t>
+                      </a:r>
+                    </a:p>
+                  </a:txBody>
+                  <a:tcPr marL="12575" marR="12575" marT="10060" marB="10060" anchor="ctr">
+                    <a:lnL w="12700" cap="flat" cmpd="sng" algn="ctr">
+                      <a:solidFill>
+                        <a:schemeClr val="tx1"/>
+                      </a:solidFill>
+                      <a:prstDash val="solid"/>
+                      <a:round/>
+                      <a:headEnd type="none" w="med" len="med"/>
+                      <a:tailEnd type="none" w="med" len="med"/>
+                    </a:lnL>
+                    <a:lnR w="12700" cap="flat" cmpd="sng" algn="ctr">
+                      <a:solidFill>
+                        <a:schemeClr val="tx1"/>
+                      </a:solidFill>
+                      <a:prstDash val="solid"/>
+                      <a:round/>
+                      <a:headEnd type="none" w="med" len="med"/>
+                      <a:tailEnd type="none" w="med" len="med"/>
+                    </a:lnR>
+                    <a:lnT w="12700" cap="flat" cmpd="sng" algn="ctr">
+                      <a:solidFill>
+                        <a:schemeClr val="tx1"/>
+                      </a:solidFill>
+                      <a:prstDash val="solid"/>
+                      <a:round/>
+                      <a:headEnd type="none" w="med" len="med"/>
+                      <a:tailEnd type="none" w="med" len="med"/>
+                    </a:lnT>
+                    <a:lnB w="12700" cap="flat" cmpd="sng" algn="ctr">
+                      <a:solidFill>
+                        <a:schemeClr val="tx1"/>
+                      </a:solidFill>
+                      <a:prstDash val="solid"/>
+                      <a:round/>
+                      <a:headEnd type="none" w="med" len="med"/>
+                      <a:tailEnd type="none" w="med" len="med"/>
+                    </a:lnB>
+                    <a:lnTlToBr w="12700" cmpd="sng">
+                      <a:noFill/>
+                      <a:prstDash val="solid"/>
+                    </a:lnTlToBr>
+                    <a:lnBlToTr w="12700" cmpd="sng">
+                      <a:noFill/>
+                      <a:prstDash val="solid"/>
+                    </a:lnBlToTr>
+                    <a:noFill/>
+                  </a:tcPr>
+                </a:tc>
+                <a:tc>
+                  <a:txBody>
+                    <a:bodyPr/>
+                    <a:lstStyle/>
+                    <a:p>
+                      <a:r>
+                        <a:rPr lang="en-US" sz="1600">
+                          <a:solidFill>
+                            <a:schemeClr val="tx1"/>
+                          </a:solidFill>
+                          <a:effectLst/>
+                          <a:latin typeface="Arial" panose="020B0604020202020204" pitchFamily="34" charset="0"/>
+                          <a:cs typeface="Arial" panose="020B0604020202020204" pitchFamily="34" charset="0"/>
+                        </a:rPr>
+                        <a:t>No treatment</a:t>
+                      </a:r>
+                    </a:p>
+                  </a:txBody>
+                  <a:tcPr marL="12575" marR="12575" marT="10060" marB="10060" anchor="ctr">
+                    <a:lnL w="12700" cap="flat" cmpd="sng" algn="ctr">
+                      <a:solidFill>
+                        <a:schemeClr val="tx1"/>
+                      </a:solidFill>
+                      <a:prstDash val="solid"/>
+                      <a:round/>
+                      <a:headEnd type="none" w="med" len="med"/>
+                      <a:tailEnd type="none" w="med" len="med"/>
+                    </a:lnL>
+                    <a:lnR w="12700" cap="flat" cmpd="sng" algn="ctr">
+                      <a:solidFill>
+                        <a:schemeClr val="tx1"/>
+                      </a:solidFill>
+                      <a:prstDash val="solid"/>
+                      <a:round/>
+                      <a:headEnd type="none" w="med" len="med"/>
+                      <a:tailEnd type="none" w="med" len="med"/>
+                    </a:lnR>
+                    <a:lnT w="12700" cap="flat" cmpd="sng" algn="ctr">
+                      <a:solidFill>
+                        <a:schemeClr val="tx1"/>
+                      </a:solidFill>
+                      <a:prstDash val="solid"/>
+                      <a:round/>
+                      <a:headEnd type="none" w="med" len="med"/>
+                      <a:tailEnd type="none" w="med" len="med"/>
+                    </a:lnT>
+                    <a:lnB w="12700" cap="flat" cmpd="sng" algn="ctr">
+                      <a:solidFill>
+                        <a:schemeClr val="tx1"/>
+                      </a:solidFill>
+                      <a:prstDash val="solid"/>
+                      <a:round/>
+                      <a:headEnd type="none" w="med" len="med"/>
+                      <a:tailEnd type="none" w="med" len="med"/>
+                    </a:lnB>
+                    <a:lnTlToBr w="12700" cmpd="sng">
+                      <a:noFill/>
+                      <a:prstDash val="solid"/>
+                    </a:lnTlToBr>
+                    <a:lnBlToTr w="12700" cmpd="sng">
+                      <a:noFill/>
+                      <a:prstDash val="solid"/>
+                    </a:lnBlToTr>
+                    <a:noFill/>
+                  </a:tcPr>
+                </a:tc>
+                <a:tc>
+                  <a:txBody>
+                    <a:bodyPr/>
+                    <a:lstStyle/>
+                    <a:p>
+                      <a:r>
+                        <a:rPr lang="en-US" sz="1600">
+                          <a:solidFill>
+                            <a:schemeClr val="tx1"/>
+                          </a:solidFill>
+                          <a:effectLst/>
+                          <a:latin typeface="Arial" panose="020B0604020202020204" pitchFamily="34" charset="0"/>
+                          <a:cs typeface="Arial" panose="020B0604020202020204" pitchFamily="34" charset="0"/>
+                        </a:rPr>
+                        <a:t>2</a:t>
+                      </a:r>
+                    </a:p>
+                  </a:txBody>
+                  <a:tcPr marL="12575" marR="12575" marT="10060" marB="10060" anchor="ctr">
+                    <a:lnL w="12700" cap="flat" cmpd="sng" algn="ctr">
+                      <a:solidFill>
+                        <a:schemeClr val="tx1"/>
+                      </a:solidFill>
+                      <a:prstDash val="solid"/>
+                      <a:round/>
+                      <a:headEnd type="none" w="med" len="med"/>
+                      <a:tailEnd type="none" w="med" len="med"/>
+                    </a:lnL>
+                    <a:lnR w="12700" cap="flat" cmpd="sng" algn="ctr">
+                      <a:solidFill>
+                        <a:schemeClr val="tx1"/>
+                      </a:solidFill>
+                      <a:prstDash val="solid"/>
+                      <a:round/>
+                      <a:headEnd type="none" w="med" len="med"/>
+                      <a:tailEnd type="none" w="med" len="med"/>
+                    </a:lnR>
+                    <a:lnT w="12700" cap="flat" cmpd="sng" algn="ctr">
+                      <a:solidFill>
+                        <a:schemeClr val="tx1"/>
+                      </a:solidFill>
+                      <a:prstDash val="solid"/>
+                      <a:round/>
+                      <a:headEnd type="none" w="med" len="med"/>
+                      <a:tailEnd type="none" w="med" len="med"/>
+                    </a:lnT>
+                    <a:lnB w="12700" cap="flat" cmpd="sng" algn="ctr">
+                      <a:solidFill>
+                        <a:schemeClr val="tx1"/>
+                      </a:solidFill>
+                      <a:prstDash val="solid"/>
+                      <a:round/>
+                      <a:headEnd type="none" w="med" len="med"/>
+                      <a:tailEnd type="none" w="med" len="med"/>
+                    </a:lnB>
+                    <a:lnTlToBr w="12700" cmpd="sng">
+                      <a:noFill/>
+                      <a:prstDash val="solid"/>
+                    </a:lnTlToBr>
+                    <a:lnBlToTr w="12700" cmpd="sng">
+                      <a:noFill/>
+                      <a:prstDash val="solid"/>
+                    </a:lnBlToTr>
+                    <a:noFill/>
+                  </a:tcPr>
+                </a:tc>
+                <a:tc>
+                  <a:txBody>
+                    <a:bodyPr/>
+                    <a:lstStyle/>
+                    <a:p>
+                      <a:pPr algn="r"/>
+                      <a:r>
+                        <a:rPr lang="en-US" sz="1600">
+                          <a:solidFill>
+                            <a:schemeClr val="tx1"/>
+                          </a:solidFill>
+                          <a:effectLst/>
+                          <a:latin typeface="Arial" panose="020B0604020202020204" pitchFamily="34" charset="0"/>
+                          <a:cs typeface="Arial" panose="020B0604020202020204" pitchFamily="34" charset="0"/>
+                        </a:rPr>
+                        <a:t>5.06335895</a:t>
+                      </a:r>
+                    </a:p>
+                  </a:txBody>
+                  <a:tcPr marL="12575" marR="12575" marT="10060" marB="10060" anchor="ctr">
+                    <a:lnL w="12700" cap="flat" cmpd="sng" algn="ctr">
+                      <a:solidFill>
+                        <a:schemeClr val="tx1"/>
+                      </a:solidFill>
+                      <a:prstDash val="solid"/>
+                      <a:round/>
+                      <a:headEnd type="none" w="med" len="med"/>
+                      <a:tailEnd type="none" w="med" len="med"/>
+                    </a:lnL>
+                    <a:lnR w="12700" cap="flat" cmpd="sng" algn="ctr">
+                      <a:solidFill>
+                        <a:schemeClr val="tx1"/>
+                      </a:solidFill>
+                      <a:prstDash val="solid"/>
+                      <a:round/>
+                      <a:headEnd type="none" w="med" len="med"/>
+                      <a:tailEnd type="none" w="med" len="med"/>
+                    </a:lnR>
+                    <a:lnT w="12700" cap="flat" cmpd="sng" algn="ctr">
+                      <a:solidFill>
+                        <a:schemeClr val="tx1"/>
+                      </a:solidFill>
+                      <a:prstDash val="solid"/>
+                      <a:round/>
+                      <a:headEnd type="none" w="med" len="med"/>
+                      <a:tailEnd type="none" w="med" len="med"/>
+                    </a:lnT>
+                    <a:lnB w="12700" cap="flat" cmpd="sng" algn="ctr">
+                      <a:solidFill>
+                        <a:schemeClr val="tx1"/>
+                      </a:solidFill>
+                      <a:prstDash val="solid"/>
+                      <a:round/>
+                      <a:headEnd type="none" w="med" len="med"/>
+                      <a:tailEnd type="none" w="med" len="med"/>
+                    </a:lnB>
+                    <a:lnTlToBr w="12700" cmpd="sng">
+                      <a:noFill/>
+                      <a:prstDash val="solid"/>
+                    </a:lnTlToBr>
+                    <a:lnBlToTr w="12700" cmpd="sng">
+                      <a:noFill/>
+                      <a:prstDash val="solid"/>
+                    </a:lnBlToTr>
+                    <a:noFill/>
+                  </a:tcPr>
+                </a:tc>
+                <a:tc>
+                  <a:txBody>
+                    <a:bodyPr/>
+                    <a:lstStyle/>
+                    <a:p>
+                      <a:pPr algn="r"/>
+                      <a:r>
+                        <a:rPr lang="en-US" sz="1600" dirty="0">
+                          <a:solidFill>
+                            <a:schemeClr val="tx1"/>
+                          </a:solidFill>
+                          <a:effectLst/>
+                          <a:latin typeface="Arial" panose="020B0604020202020204" pitchFamily="34" charset="0"/>
+                          <a:cs typeface="Arial" panose="020B0604020202020204" pitchFamily="34" charset="0"/>
+                        </a:rPr>
+                        <a:t>0.8106018</a:t>
+                      </a:r>
+                    </a:p>
+                  </a:txBody>
+                  <a:tcPr marL="12575" marR="12575" marT="10060" marB="10060" anchor="ctr">
+                    <a:lnL w="12700" cap="flat" cmpd="sng" algn="ctr">
+                      <a:solidFill>
+                        <a:schemeClr val="tx1"/>
+                      </a:solidFill>
+                      <a:prstDash val="solid"/>
+                      <a:round/>
+                      <a:headEnd type="none" w="med" len="med"/>
+                      <a:tailEnd type="none" w="med" len="med"/>
+                    </a:lnL>
+                    <a:lnR w="12700" cap="flat" cmpd="sng" algn="ctr">
+                      <a:solidFill>
+                        <a:schemeClr val="tx1"/>
+                      </a:solidFill>
+                      <a:prstDash val="solid"/>
+                      <a:round/>
+                      <a:headEnd type="none" w="med" len="med"/>
+                      <a:tailEnd type="none" w="med" len="med"/>
+                    </a:lnR>
+                    <a:lnT w="12700" cap="flat" cmpd="sng" algn="ctr">
+                      <a:solidFill>
+                        <a:schemeClr val="tx1"/>
+                      </a:solidFill>
+                      <a:prstDash val="solid"/>
+                      <a:round/>
+                      <a:headEnd type="none" w="med" len="med"/>
+                      <a:tailEnd type="none" w="med" len="med"/>
+                    </a:lnT>
+                    <a:lnB w="12700" cap="flat" cmpd="sng" algn="ctr">
+                      <a:solidFill>
+                        <a:schemeClr val="tx1"/>
+                      </a:solidFill>
+                      <a:prstDash val="solid"/>
+                      <a:round/>
+                      <a:headEnd type="none" w="med" len="med"/>
+                      <a:tailEnd type="none" w="med" len="med"/>
+                    </a:lnB>
+                    <a:lnTlToBr w="12700" cmpd="sng">
+                      <a:noFill/>
+                      <a:prstDash val="solid"/>
+                    </a:lnTlToBr>
+                    <a:lnBlToTr w="12700" cmpd="sng">
+                      <a:noFill/>
+                      <a:prstDash val="solid"/>
+                    </a:lnBlToTr>
+                    <a:noFill/>
+                  </a:tcPr>
+                </a:tc>
+                <a:extLst>
+                  <a:ext uri="{0D108BD9-81ED-4DB2-BD59-A6C34878D82A}">
+                    <a16:rowId xmlns:a16="http://schemas.microsoft.com/office/drawing/2014/main" val="3227839650"/>
+                  </a:ext>
+                </a:extLst>
+              </a:tr>
+              <a:tr h="417952">
+                <a:tc>
+                  <a:txBody>
+                    <a:bodyPr/>
+                    <a:lstStyle/>
+                    <a:p>
+                      <a:r>
+                        <a:rPr lang="en-US" sz="1600" dirty="0">
+                          <a:solidFill>
+                            <a:schemeClr val="tx1"/>
+                          </a:solidFill>
+                          <a:effectLst/>
+                          <a:latin typeface="Arial" panose="020B0604020202020204" pitchFamily="34" charset="0"/>
+                          <a:cs typeface="Arial" panose="020B0604020202020204" pitchFamily="34" charset="0"/>
+                        </a:rPr>
+                        <a:t>Iceberg</a:t>
+                      </a:r>
+                    </a:p>
+                  </a:txBody>
+                  <a:tcPr marL="12575" marR="12575" marT="10060" marB="10060" anchor="ctr">
+                    <a:lnL w="12700" cap="flat" cmpd="sng" algn="ctr">
+                      <a:solidFill>
+                        <a:schemeClr val="tx1"/>
+                      </a:solidFill>
+                      <a:prstDash val="solid"/>
+                      <a:round/>
+                      <a:headEnd type="none" w="med" len="med"/>
+                      <a:tailEnd type="none" w="med" len="med"/>
+                    </a:lnL>
+                    <a:lnR w="12700" cap="flat" cmpd="sng" algn="ctr">
+                      <a:solidFill>
+                        <a:schemeClr val="tx1"/>
+                      </a:solidFill>
+                      <a:prstDash val="solid"/>
+                      <a:round/>
+                      <a:headEnd type="none" w="med" len="med"/>
+                      <a:tailEnd type="none" w="med" len="med"/>
+                    </a:lnR>
+                    <a:lnT w="12700" cap="flat" cmpd="sng" algn="ctr">
+                      <a:solidFill>
+                        <a:schemeClr val="tx1"/>
+                      </a:solidFill>
+                      <a:prstDash val="solid"/>
+                      <a:round/>
+                      <a:headEnd type="none" w="med" len="med"/>
+                      <a:tailEnd type="none" w="med" len="med"/>
+                    </a:lnT>
+                    <a:lnB w="12700" cap="flat" cmpd="sng" algn="ctr">
+                      <a:solidFill>
+                        <a:schemeClr val="tx1"/>
+                      </a:solidFill>
+                      <a:prstDash val="solid"/>
+                      <a:round/>
+                      <a:headEnd type="none" w="med" len="med"/>
+                      <a:tailEnd type="none" w="med" len="med"/>
+                    </a:lnB>
+                    <a:lnTlToBr w="12700" cmpd="sng">
+                      <a:noFill/>
+                      <a:prstDash val="solid"/>
+                    </a:lnTlToBr>
+                    <a:lnBlToTr w="12700" cmpd="sng">
+                      <a:noFill/>
+                      <a:prstDash val="solid"/>
+                    </a:lnBlToTr>
+                    <a:noFill/>
+                  </a:tcPr>
+                </a:tc>
+                <a:tc>
+                  <a:txBody>
+                    <a:bodyPr/>
+                    <a:lstStyle/>
+                    <a:p>
+                      <a:r>
+                        <a:rPr lang="en-US" sz="1600" dirty="0">
+                          <a:solidFill>
+                            <a:schemeClr val="tx1"/>
+                          </a:solidFill>
+                          <a:effectLst/>
+                          <a:latin typeface="Arial" panose="020B0604020202020204" pitchFamily="34" charset="0"/>
+                          <a:cs typeface="Arial" panose="020B0604020202020204" pitchFamily="34" charset="0"/>
+                        </a:rPr>
+                        <a:t>No treatment</a:t>
+                      </a:r>
+                    </a:p>
+                  </a:txBody>
+                  <a:tcPr marL="12575" marR="12575" marT="10060" marB="10060" anchor="ctr">
+                    <a:lnL w="12700" cap="flat" cmpd="sng" algn="ctr">
+                      <a:solidFill>
+                        <a:schemeClr val="tx1"/>
+                      </a:solidFill>
+                      <a:prstDash val="solid"/>
+                      <a:round/>
+                      <a:headEnd type="none" w="med" len="med"/>
+                      <a:tailEnd type="none" w="med" len="med"/>
+                    </a:lnL>
+                    <a:lnR w="12700" cap="flat" cmpd="sng" algn="ctr">
+                      <a:solidFill>
+                        <a:schemeClr val="tx1"/>
+                      </a:solidFill>
+                      <a:prstDash val="solid"/>
+                      <a:round/>
+                      <a:headEnd type="none" w="med" len="med"/>
+                      <a:tailEnd type="none" w="med" len="med"/>
+                    </a:lnR>
+                    <a:lnT w="12700" cap="flat" cmpd="sng" algn="ctr">
+                      <a:solidFill>
+                        <a:schemeClr val="tx1"/>
+                      </a:solidFill>
+                      <a:prstDash val="solid"/>
+                      <a:round/>
+                      <a:headEnd type="none" w="med" len="med"/>
+                      <a:tailEnd type="none" w="med" len="med"/>
+                    </a:lnT>
+                    <a:lnB w="12700" cap="flat" cmpd="sng" algn="ctr">
+                      <a:solidFill>
+                        <a:schemeClr val="tx1"/>
+                      </a:solidFill>
+                      <a:prstDash val="solid"/>
+                      <a:round/>
+                      <a:headEnd type="none" w="med" len="med"/>
+                      <a:tailEnd type="none" w="med" len="med"/>
+                    </a:lnB>
+                    <a:lnTlToBr w="12700" cmpd="sng">
+                      <a:noFill/>
+                      <a:prstDash val="solid"/>
+                    </a:lnTlToBr>
+                    <a:lnBlToTr w="12700" cmpd="sng">
+                      <a:noFill/>
+                      <a:prstDash val="solid"/>
+                    </a:lnBlToTr>
+                    <a:noFill/>
+                  </a:tcPr>
+                </a:tc>
+                <a:tc>
+                  <a:txBody>
+                    <a:bodyPr/>
+                    <a:lstStyle/>
+                    <a:p>
+                      <a:r>
+                        <a:rPr lang="en-US" sz="1600">
+                          <a:solidFill>
+                            <a:schemeClr val="tx1"/>
+                          </a:solidFill>
+                          <a:effectLst/>
+                          <a:latin typeface="Arial" panose="020B0604020202020204" pitchFamily="34" charset="0"/>
+                          <a:cs typeface="Arial" panose="020B0604020202020204" pitchFamily="34" charset="0"/>
+                        </a:rPr>
+                        <a:t>4</a:t>
+                      </a:r>
+                    </a:p>
+                  </a:txBody>
+                  <a:tcPr marL="12575" marR="12575" marT="10060" marB="10060" anchor="ctr">
+                    <a:lnL w="12700" cap="flat" cmpd="sng" algn="ctr">
+                      <a:solidFill>
+                        <a:schemeClr val="tx1"/>
+                      </a:solidFill>
+                      <a:prstDash val="solid"/>
+                      <a:round/>
+                      <a:headEnd type="none" w="med" len="med"/>
+                      <a:tailEnd type="none" w="med" len="med"/>
+                    </a:lnL>
+                    <a:lnR w="12700" cap="flat" cmpd="sng" algn="ctr">
+                      <a:solidFill>
+                        <a:schemeClr val="tx1"/>
+                      </a:solidFill>
+                      <a:prstDash val="solid"/>
+                      <a:round/>
+                      <a:headEnd type="none" w="med" len="med"/>
+                      <a:tailEnd type="none" w="med" len="med"/>
+                    </a:lnR>
+                    <a:lnT w="12700" cap="flat" cmpd="sng" algn="ctr">
+                      <a:solidFill>
+                        <a:schemeClr val="tx1"/>
+                      </a:solidFill>
+                      <a:prstDash val="solid"/>
+                      <a:round/>
+                      <a:headEnd type="none" w="med" len="med"/>
+                      <a:tailEnd type="none" w="med" len="med"/>
+                    </a:lnT>
+                    <a:lnB w="12700" cap="flat" cmpd="sng" algn="ctr">
+                      <a:solidFill>
+                        <a:schemeClr val="tx1"/>
+                      </a:solidFill>
+                      <a:prstDash val="solid"/>
+                      <a:round/>
+                      <a:headEnd type="none" w="med" len="med"/>
+                      <a:tailEnd type="none" w="med" len="med"/>
+                    </a:lnB>
+                    <a:lnTlToBr w="12700" cmpd="sng">
+                      <a:noFill/>
+                      <a:prstDash val="solid"/>
+                    </a:lnTlToBr>
+                    <a:lnBlToTr w="12700" cmpd="sng">
+                      <a:noFill/>
+                      <a:prstDash val="solid"/>
+                    </a:lnBlToTr>
+                    <a:noFill/>
+                  </a:tcPr>
+                </a:tc>
+                <a:tc>
+                  <a:txBody>
+                    <a:bodyPr/>
+                    <a:lstStyle/>
+                    <a:p>
+                      <a:pPr algn="r"/>
+                      <a:r>
+                        <a:rPr lang="en-US" sz="1600">
+                          <a:solidFill>
+                            <a:schemeClr val="tx1"/>
+                          </a:solidFill>
+                          <a:effectLst/>
+                          <a:latin typeface="Arial" panose="020B0604020202020204" pitchFamily="34" charset="0"/>
+                          <a:cs typeface="Arial" panose="020B0604020202020204" pitchFamily="34" charset="0"/>
+                        </a:rPr>
+                        <a:t>7.46215035</a:t>
+                      </a:r>
+                    </a:p>
+                  </a:txBody>
+                  <a:tcPr marL="12575" marR="12575" marT="10060" marB="10060" anchor="ctr">
+                    <a:lnL w="12700" cap="flat" cmpd="sng" algn="ctr">
+                      <a:solidFill>
+                        <a:schemeClr val="tx1"/>
+                      </a:solidFill>
+                      <a:prstDash val="solid"/>
+                      <a:round/>
+                      <a:headEnd type="none" w="med" len="med"/>
+                      <a:tailEnd type="none" w="med" len="med"/>
+                    </a:lnL>
+                    <a:lnR w="12700" cap="flat" cmpd="sng" algn="ctr">
+                      <a:solidFill>
+                        <a:schemeClr val="tx1"/>
+                      </a:solidFill>
+                      <a:prstDash val="solid"/>
+                      <a:round/>
+                      <a:headEnd type="none" w="med" len="med"/>
+                      <a:tailEnd type="none" w="med" len="med"/>
+                    </a:lnR>
+                    <a:lnT w="12700" cap="flat" cmpd="sng" algn="ctr">
+                      <a:solidFill>
+                        <a:schemeClr val="tx1"/>
+                      </a:solidFill>
+                      <a:prstDash val="solid"/>
+                      <a:round/>
+                      <a:headEnd type="none" w="med" len="med"/>
+                      <a:tailEnd type="none" w="med" len="med"/>
+                    </a:lnT>
+                    <a:lnB w="12700" cap="flat" cmpd="sng" algn="ctr">
+                      <a:solidFill>
+                        <a:schemeClr val="tx1"/>
+                      </a:solidFill>
+                      <a:prstDash val="solid"/>
+                      <a:round/>
+                      <a:headEnd type="none" w="med" len="med"/>
+                      <a:tailEnd type="none" w="med" len="med"/>
+                    </a:lnB>
+                    <a:lnTlToBr w="12700" cmpd="sng">
+                      <a:noFill/>
+                      <a:prstDash val="solid"/>
+                    </a:lnTlToBr>
+                    <a:lnBlToTr w="12700" cmpd="sng">
+                      <a:noFill/>
+                      <a:prstDash val="solid"/>
+                    </a:lnBlToTr>
+                    <a:noFill/>
+                  </a:tcPr>
+                </a:tc>
+                <a:tc>
+                  <a:txBody>
+                    <a:bodyPr/>
+                    <a:lstStyle/>
+                    <a:p>
+                      <a:pPr algn="r"/>
+                      <a:r>
+                        <a:rPr lang="en-US" sz="1600" dirty="0">
+                          <a:solidFill>
+                            <a:schemeClr val="tx1"/>
+                          </a:solidFill>
+                          <a:effectLst/>
+                          <a:latin typeface="Arial" panose="020B0604020202020204" pitchFamily="34" charset="0"/>
+                          <a:cs typeface="Arial" panose="020B0604020202020204" pitchFamily="34" charset="0"/>
+                        </a:rPr>
+                        <a:t>0.8185934</a:t>
+                      </a:r>
+                    </a:p>
+                  </a:txBody>
+                  <a:tcPr marL="12575" marR="12575" marT="10060" marB="10060" anchor="ctr">
+                    <a:lnL w="12700" cap="flat" cmpd="sng" algn="ctr">
+                      <a:solidFill>
+                        <a:schemeClr val="tx1"/>
+                      </a:solidFill>
+                      <a:prstDash val="solid"/>
+                      <a:round/>
+                      <a:headEnd type="none" w="med" len="med"/>
+                      <a:tailEnd type="none" w="med" len="med"/>
+                    </a:lnL>
+                    <a:lnR w="12700" cap="flat" cmpd="sng" algn="ctr">
+                      <a:solidFill>
+                        <a:schemeClr val="tx1"/>
+                      </a:solidFill>
+                      <a:prstDash val="solid"/>
+                      <a:round/>
+                      <a:headEnd type="none" w="med" len="med"/>
+                      <a:tailEnd type="none" w="med" len="med"/>
+                    </a:lnR>
+                    <a:lnT w="12700" cap="flat" cmpd="sng" algn="ctr">
+                      <a:solidFill>
+                        <a:schemeClr val="tx1"/>
+                      </a:solidFill>
+                      <a:prstDash val="solid"/>
+                      <a:round/>
+                      <a:headEnd type="none" w="med" len="med"/>
+                      <a:tailEnd type="none" w="med" len="med"/>
+                    </a:lnT>
+                    <a:lnB w="12700" cap="flat" cmpd="sng" algn="ctr">
+                      <a:solidFill>
+                        <a:schemeClr val="tx1"/>
+                      </a:solidFill>
+                      <a:prstDash val="solid"/>
+                      <a:round/>
+                      <a:headEnd type="none" w="med" len="med"/>
+                      <a:tailEnd type="none" w="med" len="med"/>
+                    </a:lnB>
+                    <a:lnTlToBr w="12700" cmpd="sng">
+                      <a:noFill/>
+                      <a:prstDash val="solid"/>
+                    </a:lnTlToBr>
+                    <a:lnBlToTr w="12700" cmpd="sng">
+                      <a:noFill/>
+                      <a:prstDash val="solid"/>
+                    </a:lnBlToTr>
+                    <a:noFill/>
+                  </a:tcPr>
+                </a:tc>
+                <a:extLst>
+                  <a:ext uri="{0D108BD9-81ED-4DB2-BD59-A6C34878D82A}">
+                    <a16:rowId xmlns:a16="http://schemas.microsoft.com/office/drawing/2014/main" val="2546931406"/>
+                  </a:ext>
+                </a:extLst>
+              </a:tr>
+              <a:tr h="417952">
+                <a:tc>
+                  <a:txBody>
+                    <a:bodyPr/>
+                    <a:lstStyle/>
+                    <a:p>
+                      <a:r>
+                        <a:rPr lang="en-US" sz="1600" dirty="0">
+                          <a:solidFill>
+                            <a:schemeClr val="tx1"/>
+                          </a:solidFill>
+                          <a:effectLst/>
+                          <a:latin typeface="Arial" panose="020B0604020202020204" pitchFamily="34" charset="0"/>
+                          <a:cs typeface="Arial" panose="020B0604020202020204" pitchFamily="34" charset="0"/>
+                        </a:rPr>
+                        <a:t>Iceberg</a:t>
+                      </a:r>
+                    </a:p>
+                  </a:txBody>
+                  <a:tcPr marL="12575" marR="12575" marT="10060" marB="10060" anchor="ctr">
+                    <a:lnL w="12700" cap="flat" cmpd="sng" algn="ctr">
+                      <a:solidFill>
+                        <a:schemeClr val="tx1"/>
+                      </a:solidFill>
+                      <a:prstDash val="solid"/>
+                      <a:round/>
+                      <a:headEnd type="none" w="med" len="med"/>
+                      <a:tailEnd type="none" w="med" len="med"/>
+                    </a:lnL>
+                    <a:lnR w="12700" cap="flat" cmpd="sng" algn="ctr">
+                      <a:solidFill>
+                        <a:schemeClr val="tx1"/>
+                      </a:solidFill>
+                      <a:prstDash val="solid"/>
+                      <a:round/>
+                      <a:headEnd type="none" w="med" len="med"/>
+                      <a:tailEnd type="none" w="med" len="med"/>
+                    </a:lnR>
+                    <a:lnT w="12700" cap="flat" cmpd="sng" algn="ctr">
+                      <a:solidFill>
+                        <a:schemeClr val="tx1"/>
+                      </a:solidFill>
+                      <a:prstDash val="solid"/>
+                      <a:round/>
+                      <a:headEnd type="none" w="med" len="med"/>
+                      <a:tailEnd type="none" w="med" len="med"/>
+                    </a:lnT>
+                    <a:lnB w="12700" cap="flat" cmpd="sng" algn="ctr">
+                      <a:solidFill>
+                        <a:schemeClr val="tx1"/>
+                      </a:solidFill>
+                      <a:prstDash val="solid"/>
+                      <a:round/>
+                      <a:headEnd type="none" w="med" len="med"/>
+                      <a:tailEnd type="none" w="med" len="med"/>
+                    </a:lnB>
+                    <a:lnTlToBr w="12700" cmpd="sng">
+                      <a:noFill/>
+                      <a:prstDash val="solid"/>
+                    </a:lnTlToBr>
+                    <a:lnBlToTr w="12700" cmpd="sng">
+                      <a:noFill/>
+                      <a:prstDash val="solid"/>
+                    </a:lnBlToTr>
+                    <a:noFill/>
+                  </a:tcPr>
+                </a:tc>
+                <a:tc>
+                  <a:txBody>
+                    <a:bodyPr/>
+                    <a:lstStyle/>
+                    <a:p>
+                      <a:r>
+                        <a:rPr lang="en-US" sz="1600" dirty="0">
+                          <a:solidFill>
+                            <a:schemeClr val="tx1"/>
+                          </a:solidFill>
+                          <a:effectLst/>
+                          <a:latin typeface="Arial" panose="020B0604020202020204" pitchFamily="34" charset="0"/>
+                          <a:cs typeface="Arial" panose="020B0604020202020204" pitchFamily="34" charset="0"/>
+                        </a:rPr>
+                        <a:t>L-cysteine 500 ppm</a:t>
+                      </a:r>
+                    </a:p>
+                  </a:txBody>
+                  <a:tcPr marL="12575" marR="12575" marT="10060" marB="10060" anchor="ctr">
+                    <a:lnL w="12700" cap="flat" cmpd="sng" algn="ctr">
+                      <a:solidFill>
+                        <a:schemeClr val="tx1"/>
+                      </a:solidFill>
+                      <a:prstDash val="solid"/>
+                      <a:round/>
+                      <a:headEnd type="none" w="med" len="med"/>
+                      <a:tailEnd type="none" w="med" len="med"/>
+                    </a:lnL>
+                    <a:lnR w="12700" cap="flat" cmpd="sng" algn="ctr">
+                      <a:solidFill>
+                        <a:schemeClr val="tx1"/>
+                      </a:solidFill>
+                      <a:prstDash val="solid"/>
+                      <a:round/>
+                      <a:headEnd type="none" w="med" len="med"/>
+                      <a:tailEnd type="none" w="med" len="med"/>
+                    </a:lnR>
+                    <a:lnT w="12700" cap="flat" cmpd="sng" algn="ctr">
+                      <a:solidFill>
+                        <a:schemeClr val="tx1"/>
+                      </a:solidFill>
+                      <a:prstDash val="solid"/>
+                      <a:round/>
+                      <a:headEnd type="none" w="med" len="med"/>
+                      <a:tailEnd type="none" w="med" len="med"/>
+                    </a:lnT>
+                    <a:lnB w="12700" cap="flat" cmpd="sng" algn="ctr">
+                      <a:solidFill>
+                        <a:schemeClr val="tx1"/>
+                      </a:solidFill>
+                      <a:prstDash val="solid"/>
+                      <a:round/>
+                      <a:headEnd type="none" w="med" len="med"/>
+                      <a:tailEnd type="none" w="med" len="med"/>
+                    </a:lnB>
+                    <a:lnTlToBr w="12700" cmpd="sng">
+                      <a:noFill/>
+                      <a:prstDash val="solid"/>
+                    </a:lnTlToBr>
+                    <a:lnBlToTr w="12700" cmpd="sng">
+                      <a:noFill/>
+                      <a:prstDash val="solid"/>
+                    </a:lnBlToTr>
+                    <a:noFill/>
+                  </a:tcPr>
+                </a:tc>
+                <a:tc>
+                  <a:txBody>
+                    <a:bodyPr/>
+                    <a:lstStyle/>
+                    <a:p>
+                      <a:r>
+                        <a:rPr lang="en-US" sz="1600" dirty="0">
+                          <a:solidFill>
+                            <a:schemeClr val="tx1"/>
+                          </a:solidFill>
+                          <a:effectLst/>
+                          <a:latin typeface="Arial" panose="020B0604020202020204" pitchFamily="34" charset="0"/>
+                          <a:cs typeface="Arial" panose="020B0604020202020204" pitchFamily="34" charset="0"/>
+                        </a:rPr>
+                        <a:t>0</a:t>
+                      </a:r>
+                    </a:p>
+                  </a:txBody>
+                  <a:tcPr marL="12575" marR="12575" marT="10060" marB="10060" anchor="ctr">
+                    <a:lnL w="12700" cap="flat" cmpd="sng" algn="ctr">
+                      <a:solidFill>
+                        <a:schemeClr val="tx1"/>
+                      </a:solidFill>
+                      <a:prstDash val="solid"/>
+                      <a:round/>
+                      <a:headEnd type="none" w="med" len="med"/>
+                      <a:tailEnd type="none" w="med" len="med"/>
+                    </a:lnL>
+                    <a:lnR w="12700" cap="flat" cmpd="sng" algn="ctr">
+                      <a:solidFill>
+                        <a:schemeClr val="tx1"/>
+                      </a:solidFill>
+                      <a:prstDash val="solid"/>
+                      <a:round/>
+                      <a:headEnd type="none" w="med" len="med"/>
+                      <a:tailEnd type="none" w="med" len="med"/>
+                    </a:lnR>
+                    <a:lnT w="12700" cap="flat" cmpd="sng" algn="ctr">
+                      <a:solidFill>
+                        <a:schemeClr val="tx1"/>
+                      </a:solidFill>
+                      <a:prstDash val="solid"/>
+                      <a:round/>
+                      <a:headEnd type="none" w="med" len="med"/>
+                      <a:tailEnd type="none" w="med" len="med"/>
+                    </a:lnT>
+                    <a:lnB w="12700" cap="flat" cmpd="sng" algn="ctr">
+                      <a:solidFill>
+                        <a:schemeClr val="tx1"/>
+                      </a:solidFill>
+                      <a:prstDash val="solid"/>
+                      <a:round/>
+                      <a:headEnd type="none" w="med" len="med"/>
+                      <a:tailEnd type="none" w="med" len="med"/>
+                    </a:lnB>
+                    <a:lnTlToBr w="12700" cmpd="sng">
+                      <a:noFill/>
+                      <a:prstDash val="solid"/>
+                    </a:lnTlToBr>
+                    <a:lnBlToTr w="12700" cmpd="sng">
+                      <a:noFill/>
+                      <a:prstDash val="solid"/>
+                    </a:lnBlToTr>
+                    <a:noFill/>
+                  </a:tcPr>
+                </a:tc>
+                <a:tc>
+                  <a:txBody>
+                    <a:bodyPr/>
+                    <a:lstStyle/>
+                    <a:p>
+                      <a:pPr algn="r"/>
+                      <a:r>
+                        <a:rPr lang="en-US" sz="1600">
+                          <a:solidFill>
+                            <a:schemeClr val="tx1"/>
+                          </a:solidFill>
+                          <a:effectLst/>
+                          <a:latin typeface="Arial" panose="020B0604020202020204" pitchFamily="34" charset="0"/>
+                          <a:cs typeface="Arial" panose="020B0604020202020204" pitchFamily="34" charset="0"/>
+                        </a:rPr>
+                        <a:t>-1.36811893</a:t>
+                      </a:r>
+                    </a:p>
+                  </a:txBody>
+                  <a:tcPr marL="12575" marR="12575" marT="10060" marB="10060" anchor="ctr">
+                    <a:lnL w="12700" cap="flat" cmpd="sng" algn="ctr">
+                      <a:solidFill>
+                        <a:schemeClr val="tx1"/>
+                      </a:solidFill>
+                      <a:prstDash val="solid"/>
+                      <a:round/>
+                      <a:headEnd type="none" w="med" len="med"/>
+                      <a:tailEnd type="none" w="med" len="med"/>
+                    </a:lnL>
+                    <a:lnR w="12700" cap="flat" cmpd="sng" algn="ctr">
+                      <a:solidFill>
+                        <a:schemeClr val="tx1"/>
+                      </a:solidFill>
+                      <a:prstDash val="solid"/>
+                      <a:round/>
+                      <a:headEnd type="none" w="med" len="med"/>
+                      <a:tailEnd type="none" w="med" len="med"/>
+                    </a:lnR>
+                    <a:lnT w="12700" cap="flat" cmpd="sng" algn="ctr">
+                      <a:solidFill>
+                        <a:schemeClr val="tx1"/>
+                      </a:solidFill>
+                      <a:prstDash val="solid"/>
+                      <a:round/>
+                      <a:headEnd type="none" w="med" len="med"/>
+                      <a:tailEnd type="none" w="med" len="med"/>
+                    </a:lnT>
+                    <a:lnB w="12700" cap="flat" cmpd="sng" algn="ctr">
+                      <a:solidFill>
+                        <a:schemeClr val="tx1"/>
+                      </a:solidFill>
+                      <a:prstDash val="solid"/>
+                      <a:round/>
+                      <a:headEnd type="none" w="med" len="med"/>
+                      <a:tailEnd type="none" w="med" len="med"/>
+                    </a:lnB>
+                    <a:lnTlToBr w="12700" cmpd="sng">
+                      <a:noFill/>
+                      <a:prstDash val="solid"/>
+                    </a:lnTlToBr>
+                    <a:lnBlToTr w="12700" cmpd="sng">
+                      <a:noFill/>
+                      <a:prstDash val="solid"/>
+                    </a:lnBlToTr>
+                    <a:noFill/>
+                  </a:tcPr>
+                </a:tc>
+                <a:tc>
+                  <a:txBody>
+                    <a:bodyPr/>
+                    <a:lstStyle/>
+                    <a:p>
+                      <a:pPr algn="r"/>
+                      <a:r>
+                        <a:rPr lang="en-US" sz="1600" dirty="0">
+                          <a:solidFill>
+                            <a:schemeClr val="tx1"/>
+                          </a:solidFill>
+                          <a:effectLst/>
+                          <a:latin typeface="Arial" panose="020B0604020202020204" pitchFamily="34" charset="0"/>
+                          <a:cs typeface="Arial" panose="020B0604020202020204" pitchFamily="34" charset="0"/>
+                        </a:rPr>
+                        <a:t>0.0719265</a:t>
+                      </a:r>
+                    </a:p>
+                  </a:txBody>
+                  <a:tcPr marL="12575" marR="12575" marT="10060" marB="10060" anchor="ctr">
+                    <a:lnL w="12700" cap="flat" cmpd="sng" algn="ctr">
+                      <a:solidFill>
+                        <a:schemeClr val="tx1"/>
+                      </a:solidFill>
+                      <a:prstDash val="solid"/>
+                      <a:round/>
+                      <a:headEnd type="none" w="med" len="med"/>
+                      <a:tailEnd type="none" w="med" len="med"/>
+                    </a:lnL>
+                    <a:lnR w="12700" cap="flat" cmpd="sng" algn="ctr">
+                      <a:solidFill>
+                        <a:schemeClr val="tx1"/>
+                      </a:solidFill>
+                      <a:prstDash val="solid"/>
+                      <a:round/>
+                      <a:headEnd type="none" w="med" len="med"/>
+                      <a:tailEnd type="none" w="med" len="med"/>
+                    </a:lnR>
+                    <a:lnT w="12700" cap="flat" cmpd="sng" algn="ctr">
+                      <a:solidFill>
+                        <a:schemeClr val="tx1"/>
+                      </a:solidFill>
+                      <a:prstDash val="solid"/>
+                      <a:round/>
+                      <a:headEnd type="none" w="med" len="med"/>
+                      <a:tailEnd type="none" w="med" len="med"/>
+                    </a:lnT>
+                    <a:lnB w="12700" cap="flat" cmpd="sng" algn="ctr">
+                      <a:solidFill>
+                        <a:schemeClr val="tx1"/>
+                      </a:solidFill>
+                      <a:prstDash val="solid"/>
+                      <a:round/>
+                      <a:headEnd type="none" w="med" len="med"/>
+                      <a:tailEnd type="none" w="med" len="med"/>
+                    </a:lnB>
+                    <a:lnTlToBr w="12700" cmpd="sng">
+                      <a:noFill/>
+                      <a:prstDash val="solid"/>
+                    </a:lnTlToBr>
+                    <a:lnBlToTr w="12700" cmpd="sng">
+                      <a:noFill/>
+                      <a:prstDash val="solid"/>
+                    </a:lnBlToTr>
+                    <a:noFill/>
+                  </a:tcPr>
+                </a:tc>
+                <a:extLst>
+                  <a:ext uri="{0D108BD9-81ED-4DB2-BD59-A6C34878D82A}">
+                    <a16:rowId xmlns:a16="http://schemas.microsoft.com/office/drawing/2014/main" val="159550625"/>
+                  </a:ext>
+                </a:extLst>
+              </a:tr>
+              <a:tr h="417952">
+                <a:tc>
+                  <a:txBody>
+                    <a:bodyPr/>
+                    <a:lstStyle/>
+                    <a:p>
+                      <a:r>
+                        <a:rPr lang="en-US" sz="1600" dirty="0">
+                          <a:solidFill>
+                            <a:schemeClr val="tx1"/>
+                          </a:solidFill>
+                          <a:effectLst/>
+                          <a:latin typeface="Arial" panose="020B0604020202020204" pitchFamily="34" charset="0"/>
+                          <a:cs typeface="Arial" panose="020B0604020202020204" pitchFamily="34" charset="0"/>
+                        </a:rPr>
+                        <a:t>Iceberg</a:t>
+                      </a:r>
+                    </a:p>
+                  </a:txBody>
+                  <a:tcPr marL="12575" marR="12575" marT="10060" marB="10060" anchor="ctr">
+                    <a:lnL w="12700" cap="flat" cmpd="sng" algn="ctr">
+                      <a:solidFill>
+                        <a:schemeClr val="tx1"/>
+                      </a:solidFill>
+                      <a:prstDash val="solid"/>
+                      <a:round/>
+                      <a:headEnd type="none" w="med" len="med"/>
+                      <a:tailEnd type="none" w="med" len="med"/>
+                    </a:lnL>
+                    <a:lnR w="12700" cap="flat" cmpd="sng" algn="ctr">
+                      <a:solidFill>
+                        <a:schemeClr val="tx1"/>
+                      </a:solidFill>
+                      <a:prstDash val="solid"/>
+                      <a:round/>
+                      <a:headEnd type="none" w="med" len="med"/>
+                      <a:tailEnd type="none" w="med" len="med"/>
+                    </a:lnR>
+                    <a:lnT w="12700" cap="flat" cmpd="sng" algn="ctr">
+                      <a:solidFill>
+                        <a:schemeClr val="tx1"/>
+                      </a:solidFill>
+                      <a:prstDash val="solid"/>
+                      <a:round/>
+                      <a:headEnd type="none" w="med" len="med"/>
+                      <a:tailEnd type="none" w="med" len="med"/>
+                    </a:lnT>
+                    <a:lnB w="12700" cap="flat" cmpd="sng" algn="ctr">
+                      <a:solidFill>
+                        <a:schemeClr val="tx1"/>
+                      </a:solidFill>
+                      <a:prstDash val="solid"/>
+                      <a:round/>
+                      <a:headEnd type="none" w="med" len="med"/>
+                      <a:tailEnd type="none" w="med" len="med"/>
+                    </a:lnB>
+                    <a:lnTlToBr w="12700" cmpd="sng">
+                      <a:noFill/>
+                      <a:prstDash val="solid"/>
+                    </a:lnTlToBr>
+                    <a:lnBlToTr w="12700" cmpd="sng">
+                      <a:noFill/>
+                      <a:prstDash val="solid"/>
+                    </a:lnBlToTr>
+                    <a:noFill/>
+                  </a:tcPr>
+                </a:tc>
+                <a:tc>
+                  <a:txBody>
+                    <a:bodyPr/>
+                    <a:lstStyle/>
+                    <a:p>
+                      <a:r>
+                        <a:rPr lang="en-US" sz="1600" dirty="0">
+                          <a:solidFill>
+                            <a:schemeClr val="tx1"/>
+                          </a:solidFill>
+                          <a:effectLst/>
+                          <a:latin typeface="Arial" panose="020B0604020202020204" pitchFamily="34" charset="0"/>
+                          <a:cs typeface="Arial" panose="020B0604020202020204" pitchFamily="34" charset="0"/>
+                        </a:rPr>
+                        <a:t>L-cysteine 500 ppm</a:t>
+                      </a:r>
+                    </a:p>
+                  </a:txBody>
+                  <a:tcPr marL="12575" marR="12575" marT="10060" marB="10060" anchor="ctr">
+                    <a:lnL w="12700" cap="flat" cmpd="sng" algn="ctr">
+                      <a:solidFill>
+                        <a:schemeClr val="tx1"/>
+                      </a:solidFill>
+                      <a:prstDash val="solid"/>
+                      <a:round/>
+                      <a:headEnd type="none" w="med" len="med"/>
+                      <a:tailEnd type="none" w="med" len="med"/>
+                    </a:lnL>
+                    <a:lnR w="12700" cap="flat" cmpd="sng" algn="ctr">
+                      <a:solidFill>
+                        <a:schemeClr val="tx1"/>
+                      </a:solidFill>
+                      <a:prstDash val="solid"/>
+                      <a:round/>
+                      <a:headEnd type="none" w="med" len="med"/>
+                      <a:tailEnd type="none" w="med" len="med"/>
+                    </a:lnR>
+                    <a:lnT w="12700" cap="flat" cmpd="sng" algn="ctr">
+                      <a:solidFill>
+                        <a:schemeClr val="tx1"/>
+                      </a:solidFill>
+                      <a:prstDash val="solid"/>
+                      <a:round/>
+                      <a:headEnd type="none" w="med" len="med"/>
+                      <a:tailEnd type="none" w="med" len="med"/>
+                    </a:lnT>
+                    <a:lnB w="12700" cap="flat" cmpd="sng" algn="ctr">
+                      <a:solidFill>
+                        <a:schemeClr val="tx1"/>
+                      </a:solidFill>
+                      <a:prstDash val="solid"/>
+                      <a:round/>
+                      <a:headEnd type="none" w="med" len="med"/>
+                      <a:tailEnd type="none" w="med" len="med"/>
+                    </a:lnB>
+                    <a:lnTlToBr w="12700" cmpd="sng">
+                      <a:noFill/>
+                      <a:prstDash val="solid"/>
+                    </a:lnTlToBr>
+                    <a:lnBlToTr w="12700" cmpd="sng">
+                      <a:noFill/>
+                      <a:prstDash val="solid"/>
+                    </a:lnBlToTr>
+                    <a:noFill/>
+                  </a:tcPr>
+                </a:tc>
+                <a:tc>
+                  <a:txBody>
+                    <a:bodyPr/>
+                    <a:lstStyle/>
+                    <a:p>
+                      <a:r>
+                        <a:rPr lang="en-US" sz="1600" dirty="0">
+                          <a:solidFill>
+                            <a:schemeClr val="tx1"/>
+                          </a:solidFill>
+                          <a:effectLst/>
+                          <a:latin typeface="Arial" panose="020B0604020202020204" pitchFamily="34" charset="0"/>
+                          <a:cs typeface="Arial" panose="020B0604020202020204" pitchFamily="34" charset="0"/>
+                        </a:rPr>
+                        <a:t>2</a:t>
+                      </a:r>
+                    </a:p>
+                  </a:txBody>
+                  <a:tcPr marL="12575" marR="12575" marT="10060" marB="10060" anchor="ctr">
+                    <a:lnL w="12700" cap="flat" cmpd="sng" algn="ctr">
+                      <a:solidFill>
+                        <a:schemeClr val="tx1"/>
+                      </a:solidFill>
+                      <a:prstDash val="solid"/>
+                      <a:round/>
+                      <a:headEnd type="none" w="med" len="med"/>
+                      <a:tailEnd type="none" w="med" len="med"/>
+                    </a:lnL>
+                    <a:lnR w="12700" cap="flat" cmpd="sng" algn="ctr">
+                      <a:solidFill>
+                        <a:schemeClr val="tx1"/>
+                      </a:solidFill>
+                      <a:prstDash val="solid"/>
+                      <a:round/>
+                      <a:headEnd type="none" w="med" len="med"/>
+                      <a:tailEnd type="none" w="med" len="med"/>
+                    </a:lnR>
+                    <a:lnT w="12700" cap="flat" cmpd="sng" algn="ctr">
+                      <a:solidFill>
+                        <a:schemeClr val="tx1"/>
+                      </a:solidFill>
+                      <a:prstDash val="solid"/>
+                      <a:round/>
+                      <a:headEnd type="none" w="med" len="med"/>
+                      <a:tailEnd type="none" w="med" len="med"/>
+                    </a:lnT>
+                    <a:lnB w="12700" cap="flat" cmpd="sng" algn="ctr">
+                      <a:solidFill>
+                        <a:schemeClr val="tx1"/>
+                      </a:solidFill>
+                      <a:prstDash val="solid"/>
+                      <a:round/>
+                      <a:headEnd type="none" w="med" len="med"/>
+                      <a:tailEnd type="none" w="med" len="med"/>
+                    </a:lnB>
+                    <a:lnTlToBr w="12700" cmpd="sng">
+                      <a:noFill/>
+                      <a:prstDash val="solid"/>
+                    </a:lnTlToBr>
+                    <a:lnBlToTr w="12700" cmpd="sng">
+                      <a:noFill/>
+                      <a:prstDash val="solid"/>
+                    </a:lnBlToTr>
+                    <a:noFill/>
+                  </a:tcPr>
+                </a:tc>
+                <a:tc>
+                  <a:txBody>
+                    <a:bodyPr/>
+                    <a:lstStyle/>
+                    <a:p>
+                      <a:pPr algn="r"/>
+                      <a:r>
+                        <a:rPr lang="en-US" sz="1600" dirty="0">
+                          <a:solidFill>
+                            <a:schemeClr val="tx1"/>
+                          </a:solidFill>
+                          <a:effectLst/>
+                          <a:latin typeface="Arial" panose="020B0604020202020204" pitchFamily="34" charset="0"/>
+                          <a:cs typeface="Arial" panose="020B0604020202020204" pitchFamily="34" charset="0"/>
+                        </a:rPr>
+                        <a:t>3.60861442</a:t>
+                      </a:r>
+                    </a:p>
+                  </a:txBody>
+                  <a:tcPr marL="12575" marR="12575" marT="10060" marB="10060" anchor="ctr">
+                    <a:lnL w="12700" cap="flat" cmpd="sng" algn="ctr">
+                      <a:solidFill>
+                        <a:schemeClr val="tx1"/>
+                      </a:solidFill>
+                      <a:prstDash val="solid"/>
+                      <a:round/>
+                      <a:headEnd type="none" w="med" len="med"/>
+                      <a:tailEnd type="none" w="med" len="med"/>
+                    </a:lnL>
+                    <a:lnR w="12700" cap="flat" cmpd="sng" algn="ctr">
+                      <a:solidFill>
+                        <a:schemeClr val="tx1"/>
+                      </a:solidFill>
+                      <a:prstDash val="solid"/>
+                      <a:round/>
+                      <a:headEnd type="none" w="med" len="med"/>
+                      <a:tailEnd type="none" w="med" len="med"/>
+                    </a:lnR>
+                    <a:lnT w="12700" cap="flat" cmpd="sng" algn="ctr">
+                      <a:solidFill>
+                        <a:schemeClr val="tx1"/>
+                      </a:solidFill>
+                      <a:prstDash val="solid"/>
+                      <a:round/>
+                      <a:headEnd type="none" w="med" len="med"/>
+                      <a:tailEnd type="none" w="med" len="med"/>
+                    </a:lnT>
+                    <a:lnB w="12700" cap="flat" cmpd="sng" algn="ctr">
+                      <a:solidFill>
+                        <a:schemeClr val="tx1"/>
+                      </a:solidFill>
+                      <a:prstDash val="solid"/>
+                      <a:round/>
+                      <a:headEnd type="none" w="med" len="med"/>
+                      <a:tailEnd type="none" w="med" len="med"/>
+                    </a:lnB>
+                    <a:lnTlToBr w="12700" cmpd="sng">
+                      <a:noFill/>
+                      <a:prstDash val="solid"/>
+                    </a:lnTlToBr>
+                    <a:lnBlToTr w="12700" cmpd="sng">
+                      <a:noFill/>
+                      <a:prstDash val="solid"/>
+                    </a:lnBlToTr>
+                    <a:noFill/>
+                  </a:tcPr>
+                </a:tc>
+                <a:tc>
+                  <a:txBody>
+                    <a:bodyPr/>
+                    <a:lstStyle/>
+                    <a:p>
+                      <a:pPr algn="r"/>
+                      <a:r>
+                        <a:rPr lang="en-US" sz="1600" dirty="0">
+                          <a:solidFill>
+                            <a:schemeClr val="tx1"/>
+                          </a:solidFill>
+                          <a:effectLst/>
+                          <a:latin typeface="Arial" panose="020B0604020202020204" pitchFamily="34" charset="0"/>
+                          <a:cs typeface="Arial" panose="020B0604020202020204" pitchFamily="34" charset="0"/>
+                        </a:rPr>
+                        <a:t>1.0906820</a:t>
+                      </a:r>
+                    </a:p>
+                  </a:txBody>
+                  <a:tcPr marL="12575" marR="12575" marT="10060" marB="10060" anchor="ctr">
+                    <a:lnL w="12700" cap="flat" cmpd="sng" algn="ctr">
+                      <a:solidFill>
+                        <a:schemeClr val="tx1"/>
+                      </a:solidFill>
+                      <a:prstDash val="solid"/>
+                      <a:round/>
+                      <a:headEnd type="none" w="med" len="med"/>
+                      <a:tailEnd type="none" w="med" len="med"/>
+                    </a:lnL>
+                    <a:lnR w="12700" cap="flat" cmpd="sng" algn="ctr">
+                      <a:solidFill>
+                        <a:schemeClr val="tx1"/>
+                      </a:solidFill>
+                      <a:prstDash val="solid"/>
+                      <a:round/>
+                      <a:headEnd type="none" w="med" len="med"/>
+                      <a:tailEnd type="none" w="med" len="med"/>
+                    </a:lnR>
+                    <a:lnT w="12700" cap="flat" cmpd="sng" algn="ctr">
+                      <a:solidFill>
+                        <a:schemeClr val="tx1"/>
+                      </a:solidFill>
+                      <a:prstDash val="solid"/>
+                      <a:round/>
+                      <a:headEnd type="none" w="med" len="med"/>
+                      <a:tailEnd type="none" w="med" len="med"/>
+                    </a:lnT>
+                    <a:lnB w="12700" cap="flat" cmpd="sng" algn="ctr">
+                      <a:solidFill>
+                        <a:schemeClr val="tx1"/>
+                      </a:solidFill>
+                      <a:prstDash val="solid"/>
+                      <a:round/>
+                      <a:headEnd type="none" w="med" len="med"/>
+                      <a:tailEnd type="none" w="med" len="med"/>
+                    </a:lnB>
+                    <a:lnTlToBr w="12700" cmpd="sng">
+                      <a:noFill/>
+                      <a:prstDash val="solid"/>
+                    </a:lnTlToBr>
+                    <a:lnBlToTr w="12700" cmpd="sng">
+                      <a:noFill/>
+                      <a:prstDash val="solid"/>
+                    </a:lnBlToTr>
+                    <a:noFill/>
+                  </a:tcPr>
+                </a:tc>
+                <a:extLst>
+                  <a:ext uri="{0D108BD9-81ED-4DB2-BD59-A6C34878D82A}">
+                    <a16:rowId xmlns:a16="http://schemas.microsoft.com/office/drawing/2014/main" val="1292895209"/>
+                  </a:ext>
+                </a:extLst>
+              </a:tr>
+              <a:tr h="417952">
+                <a:tc>
+                  <a:txBody>
+                    <a:bodyPr/>
+                    <a:lstStyle/>
+                    <a:p>
+                      <a:r>
+                        <a:rPr lang="en-US" sz="1600" dirty="0">
+                          <a:solidFill>
+                            <a:schemeClr val="tx1"/>
+                          </a:solidFill>
+                          <a:effectLst/>
+                          <a:latin typeface="Arial" panose="020B0604020202020204" pitchFamily="34" charset="0"/>
+                          <a:cs typeface="Arial" panose="020B0604020202020204" pitchFamily="34" charset="0"/>
+                        </a:rPr>
+                        <a:t>Iceberg</a:t>
+                      </a:r>
+                    </a:p>
+                  </a:txBody>
+                  <a:tcPr marL="12575" marR="12575" marT="10060" marB="10060" anchor="ctr">
+                    <a:lnL w="12700" cap="flat" cmpd="sng" algn="ctr">
+                      <a:solidFill>
+                        <a:schemeClr val="tx1"/>
+                      </a:solidFill>
+                      <a:prstDash val="solid"/>
+                      <a:round/>
+                      <a:headEnd type="none" w="med" len="med"/>
+                      <a:tailEnd type="none" w="med" len="med"/>
+                    </a:lnL>
+                    <a:lnR w="12700" cap="flat" cmpd="sng" algn="ctr">
+                      <a:solidFill>
+                        <a:schemeClr val="tx1"/>
+                      </a:solidFill>
+                      <a:prstDash val="solid"/>
+                      <a:round/>
+                      <a:headEnd type="none" w="med" len="med"/>
+                      <a:tailEnd type="none" w="med" len="med"/>
+                    </a:lnR>
+                    <a:lnT w="12700" cap="flat" cmpd="sng" algn="ctr">
+                      <a:solidFill>
+                        <a:schemeClr val="tx1"/>
+                      </a:solidFill>
+                      <a:prstDash val="solid"/>
+                      <a:round/>
+                      <a:headEnd type="none" w="med" len="med"/>
+                      <a:tailEnd type="none" w="med" len="med"/>
+                    </a:lnT>
+                    <a:lnB w="12700" cap="flat" cmpd="sng" algn="ctr">
+                      <a:solidFill>
+                        <a:schemeClr val="tx1"/>
+                      </a:solidFill>
+                      <a:prstDash val="solid"/>
+                      <a:round/>
+                      <a:headEnd type="none" w="med" len="med"/>
+                      <a:tailEnd type="none" w="med" len="med"/>
+                    </a:lnB>
+                    <a:lnTlToBr w="12700" cmpd="sng">
+                      <a:noFill/>
+                      <a:prstDash val="solid"/>
+                    </a:lnTlToBr>
+                    <a:lnBlToTr w="12700" cmpd="sng">
+                      <a:noFill/>
+                      <a:prstDash val="solid"/>
+                    </a:lnBlToTr>
+                    <a:noFill/>
+                  </a:tcPr>
+                </a:tc>
+                <a:tc>
+                  <a:txBody>
+                    <a:bodyPr/>
+                    <a:lstStyle/>
+                    <a:p>
+                      <a:r>
+                        <a:rPr lang="en-US" sz="1600" dirty="0">
+                          <a:solidFill>
+                            <a:schemeClr val="tx1"/>
+                          </a:solidFill>
+                          <a:effectLst/>
+                          <a:latin typeface="Arial" panose="020B0604020202020204" pitchFamily="34" charset="0"/>
+                          <a:cs typeface="Arial" panose="020B0604020202020204" pitchFamily="34" charset="0"/>
+                        </a:rPr>
+                        <a:t>L-cysteine 500 ppm</a:t>
+                      </a:r>
+                    </a:p>
+                  </a:txBody>
+                  <a:tcPr marL="12575" marR="12575" marT="10060" marB="10060" anchor="ctr">
+                    <a:lnL w="12700" cap="flat" cmpd="sng" algn="ctr">
+                      <a:solidFill>
+                        <a:schemeClr val="tx1"/>
+                      </a:solidFill>
+                      <a:prstDash val="solid"/>
+                      <a:round/>
+                      <a:headEnd type="none" w="med" len="med"/>
+                      <a:tailEnd type="none" w="med" len="med"/>
+                    </a:lnL>
+                    <a:lnR w="12700" cap="flat" cmpd="sng" algn="ctr">
+                      <a:solidFill>
+                        <a:schemeClr val="tx1"/>
+                      </a:solidFill>
+                      <a:prstDash val="solid"/>
+                      <a:round/>
+                      <a:headEnd type="none" w="med" len="med"/>
+                      <a:tailEnd type="none" w="med" len="med"/>
+                    </a:lnR>
+                    <a:lnT w="12700" cap="flat" cmpd="sng" algn="ctr">
+                      <a:solidFill>
+                        <a:schemeClr val="tx1"/>
+                      </a:solidFill>
+                      <a:prstDash val="solid"/>
+                      <a:round/>
+                      <a:headEnd type="none" w="med" len="med"/>
+                      <a:tailEnd type="none" w="med" len="med"/>
+                    </a:lnT>
+                    <a:lnB w="12700" cap="flat" cmpd="sng" algn="ctr">
+                      <a:solidFill>
+                        <a:schemeClr val="tx1"/>
+                      </a:solidFill>
+                      <a:prstDash val="solid"/>
+                      <a:round/>
+                      <a:headEnd type="none" w="med" len="med"/>
+                      <a:tailEnd type="none" w="med" len="med"/>
+                    </a:lnB>
+                    <a:lnTlToBr w="12700" cmpd="sng">
+                      <a:noFill/>
+                      <a:prstDash val="solid"/>
+                    </a:lnTlToBr>
+                    <a:lnBlToTr w="12700" cmpd="sng">
+                      <a:noFill/>
+                      <a:prstDash val="solid"/>
+                    </a:lnBlToTr>
+                    <a:noFill/>
+                  </a:tcPr>
+                </a:tc>
+                <a:tc>
+                  <a:txBody>
+                    <a:bodyPr/>
+                    <a:lstStyle/>
+                    <a:p>
+                      <a:r>
+                        <a:rPr lang="en-US" sz="1600" dirty="0">
+                          <a:solidFill>
+                            <a:schemeClr val="tx1"/>
+                          </a:solidFill>
+                          <a:effectLst/>
+                          <a:latin typeface="Arial" panose="020B0604020202020204" pitchFamily="34" charset="0"/>
+                          <a:cs typeface="Arial" panose="020B0604020202020204" pitchFamily="34" charset="0"/>
+                        </a:rPr>
+                        <a:t>4</a:t>
+                      </a:r>
+                    </a:p>
+                  </a:txBody>
+                  <a:tcPr marL="12575" marR="12575" marT="10060" marB="10060" anchor="ctr">
+                    <a:lnL w="12700" cap="flat" cmpd="sng" algn="ctr">
+                      <a:solidFill>
+                        <a:schemeClr val="tx1"/>
+                      </a:solidFill>
+                      <a:prstDash val="solid"/>
+                      <a:round/>
+                      <a:headEnd type="none" w="med" len="med"/>
+                      <a:tailEnd type="none" w="med" len="med"/>
+                    </a:lnL>
+                    <a:lnR w="12700" cap="flat" cmpd="sng" algn="ctr">
+                      <a:solidFill>
+                        <a:schemeClr val="tx1"/>
+                      </a:solidFill>
+                      <a:prstDash val="solid"/>
+                      <a:round/>
+                      <a:headEnd type="none" w="med" len="med"/>
+                      <a:tailEnd type="none" w="med" len="med"/>
+                    </a:lnR>
+                    <a:lnT w="12700" cap="flat" cmpd="sng" algn="ctr">
+                      <a:solidFill>
+                        <a:schemeClr val="tx1"/>
+                      </a:solidFill>
+                      <a:prstDash val="solid"/>
+                      <a:round/>
+                      <a:headEnd type="none" w="med" len="med"/>
+                      <a:tailEnd type="none" w="med" len="med"/>
+                    </a:lnT>
+                    <a:lnB w="12700" cap="flat" cmpd="sng" algn="ctr">
+                      <a:solidFill>
+                        <a:schemeClr val="tx1"/>
+                      </a:solidFill>
+                      <a:prstDash val="solid"/>
+                      <a:round/>
+                      <a:headEnd type="none" w="med" len="med"/>
+                      <a:tailEnd type="none" w="med" len="med"/>
+                    </a:lnB>
+                    <a:lnTlToBr w="12700" cmpd="sng">
+                      <a:noFill/>
+                      <a:prstDash val="solid"/>
+                    </a:lnTlToBr>
+                    <a:lnBlToTr w="12700" cmpd="sng">
+                      <a:noFill/>
+                      <a:prstDash val="solid"/>
+                    </a:lnBlToTr>
+                    <a:noFill/>
+                  </a:tcPr>
+                </a:tc>
+                <a:tc>
+                  <a:txBody>
+                    <a:bodyPr/>
+                    <a:lstStyle/>
+                    <a:p>
+                      <a:pPr algn="r"/>
+                      <a:r>
+                        <a:rPr lang="en-US" sz="1600" dirty="0">
+                          <a:solidFill>
+                            <a:schemeClr val="tx1"/>
+                          </a:solidFill>
+                          <a:effectLst/>
+                          <a:latin typeface="Arial" panose="020B0604020202020204" pitchFamily="34" charset="0"/>
+                          <a:cs typeface="Arial" panose="020B0604020202020204" pitchFamily="34" charset="0"/>
+                        </a:rPr>
+                        <a:t>6.28711577</a:t>
+                      </a:r>
+                    </a:p>
+                  </a:txBody>
+                  <a:tcPr marL="12575" marR="12575" marT="10060" marB="10060" anchor="ctr">
+                    <a:lnL w="12700" cap="flat" cmpd="sng" algn="ctr">
+                      <a:solidFill>
+                        <a:schemeClr val="tx1"/>
+                      </a:solidFill>
+                      <a:prstDash val="solid"/>
+                      <a:round/>
+                      <a:headEnd type="none" w="med" len="med"/>
+                      <a:tailEnd type="none" w="med" len="med"/>
+                    </a:lnL>
+                    <a:lnR w="12700" cap="flat" cmpd="sng" algn="ctr">
+                      <a:solidFill>
+                        <a:schemeClr val="tx1"/>
+                      </a:solidFill>
+                      <a:prstDash val="solid"/>
+                      <a:round/>
+                      <a:headEnd type="none" w="med" len="med"/>
+                      <a:tailEnd type="none" w="med" len="med"/>
+                    </a:lnR>
+                    <a:lnT w="12700" cap="flat" cmpd="sng" algn="ctr">
+                      <a:solidFill>
+                        <a:schemeClr val="tx1"/>
+                      </a:solidFill>
+                      <a:prstDash val="solid"/>
+                      <a:round/>
+                      <a:headEnd type="none" w="med" len="med"/>
+                      <a:tailEnd type="none" w="med" len="med"/>
+                    </a:lnT>
+                    <a:lnB w="12700" cap="flat" cmpd="sng" algn="ctr">
+                      <a:solidFill>
+                        <a:schemeClr val="tx1"/>
+                      </a:solidFill>
+                      <a:prstDash val="solid"/>
+                      <a:round/>
+                      <a:headEnd type="none" w="med" len="med"/>
+                      <a:tailEnd type="none" w="med" len="med"/>
+                    </a:lnB>
+                    <a:lnTlToBr w="12700" cmpd="sng">
+                      <a:noFill/>
+                      <a:prstDash val="solid"/>
+                    </a:lnTlToBr>
+                    <a:lnBlToTr w="12700" cmpd="sng">
+                      <a:noFill/>
+                      <a:prstDash val="solid"/>
+                    </a:lnBlToTr>
+                    <a:noFill/>
+                  </a:tcPr>
+                </a:tc>
+                <a:tc>
+                  <a:txBody>
+                    <a:bodyPr/>
+                    <a:lstStyle/>
+                    <a:p>
+                      <a:pPr algn="r"/>
+                      <a:r>
+                        <a:rPr lang="en-US" sz="1600" dirty="0">
+                          <a:solidFill>
+                            <a:schemeClr val="tx1"/>
+                          </a:solidFill>
+                          <a:effectLst/>
+                          <a:latin typeface="Arial" panose="020B0604020202020204" pitchFamily="34" charset="0"/>
+                          <a:cs typeface="Arial" panose="020B0604020202020204" pitchFamily="34" charset="0"/>
+                        </a:rPr>
+                        <a:t>1.0413093</a:t>
+                      </a:r>
+                    </a:p>
+                  </a:txBody>
+                  <a:tcPr marL="12575" marR="12575" marT="10060" marB="10060" anchor="ctr">
+                    <a:lnL w="12700" cap="flat" cmpd="sng" algn="ctr">
+                      <a:solidFill>
+                        <a:schemeClr val="tx1"/>
+                      </a:solidFill>
+                      <a:prstDash val="solid"/>
+                      <a:round/>
+                      <a:headEnd type="none" w="med" len="med"/>
+                      <a:tailEnd type="none" w="med" len="med"/>
+                    </a:lnL>
+                    <a:lnR w="12700" cap="flat" cmpd="sng" algn="ctr">
+                      <a:solidFill>
+                        <a:schemeClr val="tx1"/>
+                      </a:solidFill>
+                      <a:prstDash val="solid"/>
+                      <a:round/>
+                      <a:headEnd type="none" w="med" len="med"/>
+                      <a:tailEnd type="none" w="med" len="med"/>
+                    </a:lnR>
+                    <a:lnT w="12700" cap="flat" cmpd="sng" algn="ctr">
+                      <a:solidFill>
+                        <a:schemeClr val="tx1"/>
+                      </a:solidFill>
+                      <a:prstDash val="solid"/>
+                      <a:round/>
+                      <a:headEnd type="none" w="med" len="med"/>
+                      <a:tailEnd type="none" w="med" len="med"/>
+                    </a:lnT>
+                    <a:lnB w="12700" cap="flat" cmpd="sng" algn="ctr">
+                      <a:solidFill>
+                        <a:schemeClr val="tx1"/>
+                      </a:solidFill>
+                      <a:prstDash val="solid"/>
+                      <a:round/>
+                      <a:headEnd type="none" w="med" len="med"/>
+                      <a:tailEnd type="none" w="med" len="med"/>
+                    </a:lnB>
+                    <a:lnTlToBr w="12700" cmpd="sng">
+                      <a:noFill/>
+                      <a:prstDash val="solid"/>
+                    </a:lnTlToBr>
+                    <a:lnBlToTr w="12700" cmpd="sng">
+                      <a:noFill/>
+                      <a:prstDash val="solid"/>
+                    </a:lnBlToTr>
+                    <a:noFill/>
+                  </a:tcPr>
+                </a:tc>
+                <a:extLst>
+                  <a:ext uri="{0D108BD9-81ED-4DB2-BD59-A6C34878D82A}">
+                    <a16:rowId xmlns:a16="http://schemas.microsoft.com/office/drawing/2014/main" val="2920049879"/>
+                  </a:ext>
+                </a:extLst>
+              </a:tr>
+              <a:tr h="417952">
+                <a:tc>
+                  <a:txBody>
+                    <a:bodyPr/>
+                    <a:lstStyle/>
+                    <a:p>
+                      <a:r>
+                        <a:rPr lang="en-US" sz="1600" dirty="0">
+                          <a:solidFill>
+                            <a:schemeClr val="tx1"/>
+                          </a:solidFill>
+                          <a:effectLst/>
+                          <a:latin typeface="Arial" panose="020B0604020202020204" pitchFamily="34" charset="0"/>
+                          <a:cs typeface="Arial" panose="020B0604020202020204" pitchFamily="34" charset="0"/>
+                        </a:rPr>
+                        <a:t>Iceberg</a:t>
+                      </a:r>
+                    </a:p>
+                  </a:txBody>
+                  <a:tcPr marL="12575" marR="12575" marT="10060" marB="10060" anchor="ctr">
+                    <a:lnL w="12700" cap="flat" cmpd="sng" algn="ctr">
+                      <a:solidFill>
+                        <a:schemeClr val="tx1"/>
+                      </a:solidFill>
+                      <a:prstDash val="solid"/>
+                      <a:round/>
+                      <a:headEnd type="none" w="med" len="med"/>
+                      <a:tailEnd type="none" w="med" len="med"/>
+                    </a:lnL>
+                    <a:lnR w="12700" cap="flat" cmpd="sng" algn="ctr">
+                      <a:solidFill>
+                        <a:schemeClr val="tx1"/>
+                      </a:solidFill>
+                      <a:prstDash val="solid"/>
+                      <a:round/>
+                      <a:headEnd type="none" w="med" len="med"/>
+                      <a:tailEnd type="none" w="med" len="med"/>
+                    </a:lnR>
+                    <a:lnT w="12700" cap="flat" cmpd="sng" algn="ctr">
+                      <a:solidFill>
+                        <a:schemeClr val="tx1"/>
+                      </a:solidFill>
+                      <a:prstDash val="solid"/>
+                      <a:round/>
+                      <a:headEnd type="none" w="med" len="med"/>
+                      <a:tailEnd type="none" w="med" len="med"/>
+                    </a:lnT>
+                    <a:lnB w="12700" cap="flat" cmpd="sng" algn="ctr">
+                      <a:solidFill>
+                        <a:schemeClr val="tx1"/>
+                      </a:solidFill>
+                      <a:prstDash val="solid"/>
+                      <a:round/>
+                      <a:headEnd type="none" w="med" len="med"/>
+                      <a:tailEnd type="none" w="med" len="med"/>
+                    </a:lnB>
+                    <a:lnTlToBr w="12700" cmpd="sng">
+                      <a:noFill/>
+                      <a:prstDash val="solid"/>
+                    </a:lnTlToBr>
+                    <a:lnBlToTr w="12700" cmpd="sng">
+                      <a:noFill/>
+                      <a:prstDash val="solid"/>
+                    </a:lnBlToTr>
+                    <a:noFill/>
+                  </a:tcPr>
+                </a:tc>
+                <a:tc>
+                  <a:txBody>
+                    <a:bodyPr/>
+                    <a:lstStyle/>
+                    <a:p>
+                      <a:r>
+                        <a:rPr lang="en-US" sz="1600">
+                          <a:solidFill>
+                            <a:schemeClr val="tx1"/>
+                          </a:solidFill>
+                          <a:effectLst/>
+                          <a:latin typeface="Arial" panose="020B0604020202020204" pitchFamily="34" charset="0"/>
+                          <a:cs typeface="Arial" panose="020B0604020202020204" pitchFamily="34" charset="0"/>
+                        </a:rPr>
+                        <a:t>Melatonin 1000 ppm</a:t>
+                      </a:r>
+                    </a:p>
+                  </a:txBody>
+                  <a:tcPr marL="12575" marR="12575" marT="10060" marB="10060" anchor="ctr">
+                    <a:lnL w="12700" cap="flat" cmpd="sng" algn="ctr">
+                      <a:solidFill>
+                        <a:schemeClr val="tx1"/>
+                      </a:solidFill>
+                      <a:prstDash val="solid"/>
+                      <a:round/>
+                      <a:headEnd type="none" w="med" len="med"/>
+                      <a:tailEnd type="none" w="med" len="med"/>
+                    </a:lnL>
+                    <a:lnR w="12700" cap="flat" cmpd="sng" algn="ctr">
+                      <a:solidFill>
+                        <a:schemeClr val="tx1"/>
+                      </a:solidFill>
+                      <a:prstDash val="solid"/>
+                      <a:round/>
+                      <a:headEnd type="none" w="med" len="med"/>
+                      <a:tailEnd type="none" w="med" len="med"/>
+                    </a:lnR>
+                    <a:lnT w="12700" cap="flat" cmpd="sng" algn="ctr">
+                      <a:solidFill>
+                        <a:schemeClr val="tx1"/>
+                      </a:solidFill>
+                      <a:prstDash val="solid"/>
+                      <a:round/>
+                      <a:headEnd type="none" w="med" len="med"/>
+                      <a:tailEnd type="none" w="med" len="med"/>
+                    </a:lnT>
+                    <a:lnB w="12700" cap="flat" cmpd="sng" algn="ctr">
+                      <a:solidFill>
+                        <a:schemeClr val="tx1"/>
+                      </a:solidFill>
+                      <a:prstDash val="solid"/>
+                      <a:round/>
+                      <a:headEnd type="none" w="med" len="med"/>
+                      <a:tailEnd type="none" w="med" len="med"/>
+                    </a:lnB>
+                    <a:lnTlToBr w="12700" cmpd="sng">
+                      <a:noFill/>
+                      <a:prstDash val="solid"/>
+                    </a:lnTlToBr>
+                    <a:lnBlToTr w="12700" cmpd="sng">
+                      <a:noFill/>
+                      <a:prstDash val="solid"/>
+                    </a:lnBlToTr>
+                    <a:noFill/>
+                  </a:tcPr>
+                </a:tc>
+                <a:tc>
+                  <a:txBody>
+                    <a:bodyPr/>
+                    <a:lstStyle/>
+                    <a:p>
+                      <a:r>
+                        <a:rPr lang="en-US" sz="1600" dirty="0">
+                          <a:solidFill>
+                            <a:schemeClr val="tx1"/>
+                          </a:solidFill>
+                          <a:effectLst/>
+                          <a:latin typeface="Arial" panose="020B0604020202020204" pitchFamily="34" charset="0"/>
+                          <a:cs typeface="Arial" panose="020B0604020202020204" pitchFamily="34" charset="0"/>
+                        </a:rPr>
+                        <a:t>0</a:t>
+                      </a:r>
+                    </a:p>
+                  </a:txBody>
+                  <a:tcPr marL="12575" marR="12575" marT="10060" marB="10060" anchor="ctr">
+                    <a:lnL w="12700" cap="flat" cmpd="sng" algn="ctr">
+                      <a:solidFill>
+                        <a:schemeClr val="tx1"/>
+                      </a:solidFill>
+                      <a:prstDash val="solid"/>
+                      <a:round/>
+                      <a:headEnd type="none" w="med" len="med"/>
+                      <a:tailEnd type="none" w="med" len="med"/>
+                    </a:lnL>
+                    <a:lnR w="12700" cap="flat" cmpd="sng" algn="ctr">
+                      <a:solidFill>
+                        <a:schemeClr val="tx1"/>
+                      </a:solidFill>
+                      <a:prstDash val="solid"/>
+                      <a:round/>
+                      <a:headEnd type="none" w="med" len="med"/>
+                      <a:tailEnd type="none" w="med" len="med"/>
+                    </a:lnR>
+                    <a:lnT w="12700" cap="flat" cmpd="sng" algn="ctr">
+                      <a:solidFill>
+                        <a:schemeClr val="tx1"/>
+                      </a:solidFill>
+                      <a:prstDash val="solid"/>
+                      <a:round/>
+                      <a:headEnd type="none" w="med" len="med"/>
+                      <a:tailEnd type="none" w="med" len="med"/>
+                    </a:lnT>
+                    <a:lnB w="12700" cap="flat" cmpd="sng" algn="ctr">
+                      <a:solidFill>
+                        <a:schemeClr val="tx1"/>
+                      </a:solidFill>
+                      <a:prstDash val="solid"/>
+                      <a:round/>
+                      <a:headEnd type="none" w="med" len="med"/>
+                      <a:tailEnd type="none" w="med" len="med"/>
+                    </a:lnB>
+                    <a:lnTlToBr w="12700" cmpd="sng">
+                      <a:noFill/>
+                      <a:prstDash val="solid"/>
+                    </a:lnTlToBr>
+                    <a:lnBlToTr w="12700" cmpd="sng">
+                      <a:noFill/>
+                      <a:prstDash val="solid"/>
+                    </a:lnBlToTr>
+                    <a:noFill/>
+                  </a:tcPr>
+                </a:tc>
+                <a:tc>
+                  <a:txBody>
+                    <a:bodyPr/>
+                    <a:lstStyle/>
+                    <a:p>
+                      <a:pPr algn="r"/>
+                      <a:r>
+                        <a:rPr lang="en-US" sz="1600" dirty="0">
+                          <a:solidFill>
+                            <a:schemeClr val="tx1"/>
+                          </a:solidFill>
+                          <a:effectLst/>
+                          <a:latin typeface="Arial" panose="020B0604020202020204" pitchFamily="34" charset="0"/>
+                          <a:cs typeface="Arial" panose="020B0604020202020204" pitchFamily="34" charset="0"/>
+                        </a:rPr>
+                        <a:t>-1.33501952</a:t>
+                      </a:r>
+                    </a:p>
+                  </a:txBody>
+                  <a:tcPr marL="12575" marR="12575" marT="10060" marB="10060" anchor="ctr">
+                    <a:lnL w="12700" cap="flat" cmpd="sng" algn="ctr">
+                      <a:solidFill>
+                        <a:schemeClr val="tx1"/>
+                      </a:solidFill>
+                      <a:prstDash val="solid"/>
+                      <a:round/>
+                      <a:headEnd type="none" w="med" len="med"/>
+                      <a:tailEnd type="none" w="med" len="med"/>
+                    </a:lnL>
+                    <a:lnR w="12700" cap="flat" cmpd="sng" algn="ctr">
+                      <a:solidFill>
+                        <a:schemeClr val="tx1"/>
+                      </a:solidFill>
+                      <a:prstDash val="solid"/>
+                      <a:round/>
+                      <a:headEnd type="none" w="med" len="med"/>
+                      <a:tailEnd type="none" w="med" len="med"/>
+                    </a:lnR>
+                    <a:lnT w="12700" cap="flat" cmpd="sng" algn="ctr">
+                      <a:solidFill>
+                        <a:schemeClr val="tx1"/>
+                      </a:solidFill>
+                      <a:prstDash val="solid"/>
+                      <a:round/>
+                      <a:headEnd type="none" w="med" len="med"/>
+                      <a:tailEnd type="none" w="med" len="med"/>
+                    </a:lnT>
+                    <a:lnB w="12700" cap="flat" cmpd="sng" algn="ctr">
+                      <a:solidFill>
+                        <a:schemeClr val="tx1"/>
+                      </a:solidFill>
+                      <a:prstDash val="solid"/>
+                      <a:round/>
+                      <a:headEnd type="none" w="med" len="med"/>
+                      <a:tailEnd type="none" w="med" len="med"/>
+                    </a:lnB>
+                    <a:lnTlToBr w="12700" cmpd="sng">
+                      <a:noFill/>
+                      <a:prstDash val="solid"/>
+                    </a:lnTlToBr>
+                    <a:lnBlToTr w="12700" cmpd="sng">
+                      <a:noFill/>
+                      <a:prstDash val="solid"/>
+                    </a:lnBlToTr>
+                    <a:noFill/>
+                  </a:tcPr>
+                </a:tc>
+                <a:tc>
+                  <a:txBody>
+                    <a:bodyPr/>
+                    <a:lstStyle/>
+                    <a:p>
+                      <a:pPr algn="r"/>
+                      <a:r>
+                        <a:rPr lang="en-US" sz="1600" dirty="0">
+                          <a:solidFill>
+                            <a:schemeClr val="tx1"/>
+                          </a:solidFill>
+                          <a:effectLst/>
+                          <a:latin typeface="Arial" panose="020B0604020202020204" pitchFamily="34" charset="0"/>
+                          <a:cs typeface="Arial" panose="020B0604020202020204" pitchFamily="34" charset="0"/>
+                        </a:rPr>
+                        <a:t>0.1073516</a:t>
+                      </a:r>
+                    </a:p>
+                  </a:txBody>
+                  <a:tcPr marL="12575" marR="12575" marT="10060" marB="10060" anchor="ctr">
+                    <a:lnL w="12700" cap="flat" cmpd="sng" algn="ctr">
+                      <a:solidFill>
+                        <a:schemeClr val="tx1"/>
+                      </a:solidFill>
+                      <a:prstDash val="solid"/>
+                      <a:round/>
+                      <a:headEnd type="none" w="med" len="med"/>
+                      <a:tailEnd type="none" w="med" len="med"/>
+                    </a:lnL>
+                    <a:lnR w="12700" cap="flat" cmpd="sng" algn="ctr">
+                      <a:solidFill>
+                        <a:schemeClr val="tx1"/>
+                      </a:solidFill>
+                      <a:prstDash val="solid"/>
+                      <a:round/>
+                      <a:headEnd type="none" w="med" len="med"/>
+                      <a:tailEnd type="none" w="med" len="med"/>
+                    </a:lnR>
+                    <a:lnT w="12700" cap="flat" cmpd="sng" algn="ctr">
+                      <a:solidFill>
+                        <a:schemeClr val="tx1"/>
+                      </a:solidFill>
+                      <a:prstDash val="solid"/>
+                      <a:round/>
+                      <a:headEnd type="none" w="med" len="med"/>
+                      <a:tailEnd type="none" w="med" len="med"/>
+                    </a:lnT>
+                    <a:lnB w="12700" cap="flat" cmpd="sng" algn="ctr">
+                      <a:solidFill>
+                        <a:schemeClr val="tx1"/>
+                      </a:solidFill>
+                      <a:prstDash val="solid"/>
+                      <a:round/>
+                      <a:headEnd type="none" w="med" len="med"/>
+                      <a:tailEnd type="none" w="med" len="med"/>
+                    </a:lnB>
+                    <a:lnTlToBr w="12700" cmpd="sng">
+                      <a:noFill/>
+                      <a:prstDash val="solid"/>
+                    </a:lnTlToBr>
+                    <a:lnBlToTr w="12700" cmpd="sng">
+                      <a:noFill/>
+                      <a:prstDash val="solid"/>
+                    </a:lnBlToTr>
+                    <a:noFill/>
+                  </a:tcPr>
+                </a:tc>
+                <a:extLst>
+                  <a:ext uri="{0D108BD9-81ED-4DB2-BD59-A6C34878D82A}">
+                    <a16:rowId xmlns:a16="http://schemas.microsoft.com/office/drawing/2014/main" val="3361937429"/>
+                  </a:ext>
+                </a:extLst>
+              </a:tr>
+              <a:tr h="417952">
+                <a:tc>
+                  <a:txBody>
+                    <a:bodyPr/>
+                    <a:lstStyle/>
+                    <a:p>
+                      <a:r>
+                        <a:rPr lang="en-US" sz="1600" dirty="0">
+                          <a:solidFill>
+                            <a:schemeClr val="tx1"/>
+                          </a:solidFill>
+                          <a:effectLst/>
+                          <a:latin typeface="Arial" panose="020B0604020202020204" pitchFamily="34" charset="0"/>
+                          <a:cs typeface="Arial" panose="020B0604020202020204" pitchFamily="34" charset="0"/>
+                        </a:rPr>
+                        <a:t>Iceberg</a:t>
+                      </a:r>
+                    </a:p>
+                  </a:txBody>
+                  <a:tcPr marL="12575" marR="12575" marT="10060" marB="10060" anchor="ctr">
+                    <a:lnL w="12700" cap="flat" cmpd="sng" algn="ctr">
+                      <a:solidFill>
+                        <a:schemeClr val="tx1"/>
+                      </a:solidFill>
+                      <a:prstDash val="solid"/>
+                      <a:round/>
+                      <a:headEnd type="none" w="med" len="med"/>
+                      <a:tailEnd type="none" w="med" len="med"/>
+                    </a:lnL>
+                    <a:lnR w="12700" cap="flat" cmpd="sng" algn="ctr">
+                      <a:solidFill>
+                        <a:schemeClr val="tx1"/>
+                      </a:solidFill>
+                      <a:prstDash val="solid"/>
+                      <a:round/>
+                      <a:headEnd type="none" w="med" len="med"/>
+                      <a:tailEnd type="none" w="med" len="med"/>
+                    </a:lnR>
+                    <a:lnT w="12700" cap="flat" cmpd="sng" algn="ctr">
+                      <a:solidFill>
+                        <a:schemeClr val="tx1"/>
+                      </a:solidFill>
+                      <a:prstDash val="solid"/>
+                      <a:round/>
+                      <a:headEnd type="none" w="med" len="med"/>
+                      <a:tailEnd type="none" w="med" len="med"/>
+                    </a:lnT>
+                    <a:lnB w="12700" cap="flat" cmpd="sng" algn="ctr">
+                      <a:solidFill>
+                        <a:schemeClr val="tx1"/>
+                      </a:solidFill>
+                      <a:prstDash val="solid"/>
+                      <a:round/>
+                      <a:headEnd type="none" w="med" len="med"/>
+                      <a:tailEnd type="none" w="med" len="med"/>
+                    </a:lnB>
+                    <a:lnTlToBr w="12700" cmpd="sng">
+                      <a:noFill/>
+                      <a:prstDash val="solid"/>
+                    </a:lnTlToBr>
+                    <a:lnBlToTr w="12700" cmpd="sng">
+                      <a:noFill/>
+                      <a:prstDash val="solid"/>
+                    </a:lnBlToTr>
+                    <a:noFill/>
+                  </a:tcPr>
+                </a:tc>
+                <a:tc>
+                  <a:txBody>
+                    <a:bodyPr/>
+                    <a:lstStyle/>
+                    <a:p>
+                      <a:r>
+                        <a:rPr lang="en-US" sz="1600">
+                          <a:solidFill>
+                            <a:schemeClr val="tx1"/>
+                          </a:solidFill>
+                          <a:effectLst/>
+                          <a:latin typeface="Arial" panose="020B0604020202020204" pitchFamily="34" charset="0"/>
+                          <a:cs typeface="Arial" panose="020B0604020202020204" pitchFamily="34" charset="0"/>
+                        </a:rPr>
+                        <a:t>Melatonin 1000 ppm</a:t>
+                      </a:r>
+                    </a:p>
+                  </a:txBody>
+                  <a:tcPr marL="12575" marR="12575" marT="10060" marB="10060" anchor="ctr">
+                    <a:lnL w="12700" cap="flat" cmpd="sng" algn="ctr">
+                      <a:solidFill>
+                        <a:schemeClr val="tx1"/>
+                      </a:solidFill>
+                      <a:prstDash val="solid"/>
+                      <a:round/>
+                      <a:headEnd type="none" w="med" len="med"/>
+                      <a:tailEnd type="none" w="med" len="med"/>
+                    </a:lnL>
+                    <a:lnR w="12700" cap="flat" cmpd="sng" algn="ctr">
+                      <a:solidFill>
+                        <a:schemeClr val="tx1"/>
+                      </a:solidFill>
+                      <a:prstDash val="solid"/>
+                      <a:round/>
+                      <a:headEnd type="none" w="med" len="med"/>
+                      <a:tailEnd type="none" w="med" len="med"/>
+                    </a:lnR>
+                    <a:lnT w="12700" cap="flat" cmpd="sng" algn="ctr">
+                      <a:solidFill>
+                        <a:schemeClr val="tx1"/>
+                      </a:solidFill>
+                      <a:prstDash val="solid"/>
+                      <a:round/>
+                      <a:headEnd type="none" w="med" len="med"/>
+                      <a:tailEnd type="none" w="med" len="med"/>
+                    </a:lnT>
+                    <a:lnB w="12700" cap="flat" cmpd="sng" algn="ctr">
+                      <a:solidFill>
+                        <a:schemeClr val="tx1"/>
+                      </a:solidFill>
+                      <a:prstDash val="solid"/>
+                      <a:round/>
+                      <a:headEnd type="none" w="med" len="med"/>
+                      <a:tailEnd type="none" w="med" len="med"/>
+                    </a:lnB>
+                    <a:lnTlToBr w="12700" cmpd="sng">
+                      <a:noFill/>
+                      <a:prstDash val="solid"/>
+                    </a:lnTlToBr>
+                    <a:lnBlToTr w="12700" cmpd="sng">
+                      <a:noFill/>
+                      <a:prstDash val="solid"/>
+                    </a:lnBlToTr>
+                    <a:noFill/>
+                  </a:tcPr>
+                </a:tc>
+                <a:tc>
+                  <a:txBody>
+                    <a:bodyPr/>
+                    <a:lstStyle/>
+                    <a:p>
+                      <a:r>
+                        <a:rPr lang="en-US" sz="1600" dirty="0">
+                          <a:solidFill>
+                            <a:schemeClr val="tx1"/>
+                          </a:solidFill>
+                          <a:effectLst/>
+                          <a:latin typeface="Arial" panose="020B0604020202020204" pitchFamily="34" charset="0"/>
+                          <a:cs typeface="Arial" panose="020B0604020202020204" pitchFamily="34" charset="0"/>
+                        </a:rPr>
+                        <a:t>2</a:t>
+                      </a:r>
+                    </a:p>
+                  </a:txBody>
+                  <a:tcPr marL="12575" marR="12575" marT="10060" marB="10060" anchor="ctr">
+                    <a:lnL w="12700" cap="flat" cmpd="sng" algn="ctr">
+                      <a:solidFill>
+                        <a:schemeClr val="tx1"/>
+                      </a:solidFill>
+                      <a:prstDash val="solid"/>
+                      <a:round/>
+                      <a:headEnd type="none" w="med" len="med"/>
+                      <a:tailEnd type="none" w="med" len="med"/>
+                    </a:lnL>
+                    <a:lnR w="12700" cap="flat" cmpd="sng" algn="ctr">
+                      <a:solidFill>
+                        <a:schemeClr val="tx1"/>
+                      </a:solidFill>
+                      <a:prstDash val="solid"/>
+                      <a:round/>
+                      <a:headEnd type="none" w="med" len="med"/>
+                      <a:tailEnd type="none" w="med" len="med"/>
+                    </a:lnR>
+                    <a:lnT w="12700" cap="flat" cmpd="sng" algn="ctr">
+                      <a:solidFill>
+                        <a:schemeClr val="tx1"/>
+                      </a:solidFill>
+                      <a:prstDash val="solid"/>
+                      <a:round/>
+                      <a:headEnd type="none" w="med" len="med"/>
+                      <a:tailEnd type="none" w="med" len="med"/>
+                    </a:lnT>
+                    <a:lnB w="12700" cap="flat" cmpd="sng" algn="ctr">
+                      <a:solidFill>
+                        <a:schemeClr val="tx1"/>
+                      </a:solidFill>
+                      <a:prstDash val="solid"/>
+                      <a:round/>
+                      <a:headEnd type="none" w="med" len="med"/>
+                      <a:tailEnd type="none" w="med" len="med"/>
+                    </a:lnB>
+                    <a:lnTlToBr w="12700" cmpd="sng">
+                      <a:noFill/>
+                      <a:prstDash val="solid"/>
+                    </a:lnTlToBr>
+                    <a:lnBlToTr w="12700" cmpd="sng">
+                      <a:noFill/>
+                      <a:prstDash val="solid"/>
+                    </a:lnBlToTr>
+                    <a:noFill/>
+                  </a:tcPr>
+                </a:tc>
+                <a:tc>
+                  <a:txBody>
+                    <a:bodyPr/>
+                    <a:lstStyle/>
+                    <a:p>
+                      <a:pPr algn="r"/>
+                      <a:r>
+                        <a:rPr lang="en-US" sz="1600" dirty="0">
+                          <a:solidFill>
+                            <a:schemeClr val="tx1"/>
+                          </a:solidFill>
+                          <a:effectLst/>
+                          <a:latin typeface="Arial" panose="020B0604020202020204" pitchFamily="34" charset="0"/>
+                          <a:cs typeface="Arial" panose="020B0604020202020204" pitchFamily="34" charset="0"/>
+                        </a:rPr>
+                        <a:t>-0.24422154</a:t>
+                      </a:r>
+                    </a:p>
+                  </a:txBody>
+                  <a:tcPr marL="12575" marR="12575" marT="10060" marB="10060" anchor="ctr">
+                    <a:lnL w="12700" cap="flat" cmpd="sng" algn="ctr">
+                      <a:solidFill>
+                        <a:schemeClr val="tx1"/>
+                      </a:solidFill>
+                      <a:prstDash val="solid"/>
+                      <a:round/>
+                      <a:headEnd type="none" w="med" len="med"/>
+                      <a:tailEnd type="none" w="med" len="med"/>
+                    </a:lnL>
+                    <a:lnR w="12700" cap="flat" cmpd="sng" algn="ctr">
+                      <a:solidFill>
+                        <a:schemeClr val="tx1"/>
+                      </a:solidFill>
+                      <a:prstDash val="solid"/>
+                      <a:round/>
+                      <a:headEnd type="none" w="med" len="med"/>
+                      <a:tailEnd type="none" w="med" len="med"/>
+                    </a:lnR>
+                    <a:lnT w="12700" cap="flat" cmpd="sng" algn="ctr">
+                      <a:solidFill>
+                        <a:schemeClr val="tx1"/>
+                      </a:solidFill>
+                      <a:prstDash val="solid"/>
+                      <a:round/>
+                      <a:headEnd type="none" w="med" len="med"/>
+                      <a:tailEnd type="none" w="med" len="med"/>
+                    </a:lnT>
+                    <a:lnB w="12700" cap="flat" cmpd="sng" algn="ctr">
+                      <a:solidFill>
+                        <a:schemeClr val="tx1"/>
+                      </a:solidFill>
+                      <a:prstDash val="solid"/>
+                      <a:round/>
+                      <a:headEnd type="none" w="med" len="med"/>
+                      <a:tailEnd type="none" w="med" len="med"/>
+                    </a:lnB>
+                    <a:lnTlToBr w="12700" cmpd="sng">
+                      <a:noFill/>
+                      <a:prstDash val="solid"/>
+                    </a:lnTlToBr>
+                    <a:lnBlToTr w="12700" cmpd="sng">
+                      <a:noFill/>
+                      <a:prstDash val="solid"/>
+                    </a:lnBlToTr>
+                    <a:noFill/>
+                  </a:tcPr>
+                </a:tc>
+                <a:tc>
+                  <a:txBody>
+                    <a:bodyPr/>
+                    <a:lstStyle/>
+                    <a:p>
+                      <a:pPr algn="r"/>
+                      <a:r>
+                        <a:rPr lang="en-US" sz="1600" dirty="0">
+                          <a:solidFill>
+                            <a:schemeClr val="tx1"/>
+                          </a:solidFill>
+                          <a:effectLst/>
+                          <a:latin typeface="Arial" panose="020B0604020202020204" pitchFamily="34" charset="0"/>
+                          <a:cs typeface="Arial" panose="020B0604020202020204" pitchFamily="34" charset="0"/>
+                        </a:rPr>
+                        <a:t>0.1790481</a:t>
+                      </a:r>
+                    </a:p>
+                  </a:txBody>
+                  <a:tcPr marL="12575" marR="12575" marT="10060" marB="10060" anchor="ctr">
+                    <a:lnL w="12700" cap="flat" cmpd="sng" algn="ctr">
+                      <a:solidFill>
+                        <a:schemeClr val="tx1"/>
+                      </a:solidFill>
+                      <a:prstDash val="solid"/>
+                      <a:round/>
+                      <a:headEnd type="none" w="med" len="med"/>
+                      <a:tailEnd type="none" w="med" len="med"/>
+                    </a:lnL>
+                    <a:lnR w="12700" cap="flat" cmpd="sng" algn="ctr">
+                      <a:solidFill>
+                        <a:schemeClr val="tx1"/>
+                      </a:solidFill>
+                      <a:prstDash val="solid"/>
+                      <a:round/>
+                      <a:headEnd type="none" w="med" len="med"/>
+                      <a:tailEnd type="none" w="med" len="med"/>
+                    </a:lnR>
+                    <a:lnT w="12700" cap="flat" cmpd="sng" algn="ctr">
+                      <a:solidFill>
+                        <a:schemeClr val="tx1"/>
+                      </a:solidFill>
+                      <a:prstDash val="solid"/>
+                      <a:round/>
+                      <a:headEnd type="none" w="med" len="med"/>
+                      <a:tailEnd type="none" w="med" len="med"/>
+                    </a:lnT>
+                    <a:lnB w="12700" cap="flat" cmpd="sng" algn="ctr">
+                      <a:solidFill>
+                        <a:schemeClr val="tx1"/>
+                      </a:solidFill>
+                      <a:prstDash val="solid"/>
+                      <a:round/>
+                      <a:headEnd type="none" w="med" len="med"/>
+                      <a:tailEnd type="none" w="med" len="med"/>
+                    </a:lnB>
+                    <a:lnTlToBr w="12700" cmpd="sng">
+                      <a:noFill/>
+                      <a:prstDash val="solid"/>
+                    </a:lnTlToBr>
+                    <a:lnBlToTr w="12700" cmpd="sng">
+                      <a:noFill/>
+                      <a:prstDash val="solid"/>
+                    </a:lnBlToTr>
+                    <a:noFill/>
+                  </a:tcPr>
+                </a:tc>
+                <a:extLst>
+                  <a:ext uri="{0D108BD9-81ED-4DB2-BD59-A6C34878D82A}">
+                    <a16:rowId xmlns:a16="http://schemas.microsoft.com/office/drawing/2014/main" val="2369301507"/>
+                  </a:ext>
+                </a:extLst>
+              </a:tr>
+              <a:tr h="417952">
+                <a:tc>
+                  <a:txBody>
+                    <a:bodyPr/>
+                    <a:lstStyle/>
+                    <a:p>
+                      <a:r>
+                        <a:rPr lang="en-US" sz="1600" dirty="0">
+                          <a:solidFill>
+                            <a:schemeClr val="tx1"/>
+                          </a:solidFill>
+                          <a:effectLst/>
+                          <a:latin typeface="Arial" panose="020B0604020202020204" pitchFamily="34" charset="0"/>
+                          <a:cs typeface="Arial" panose="020B0604020202020204" pitchFamily="34" charset="0"/>
+                        </a:rPr>
+                        <a:t>Iceberg</a:t>
+                      </a:r>
+                    </a:p>
+                  </a:txBody>
+                  <a:tcPr marL="12575" marR="12575" marT="10060" marB="10060" anchor="ctr">
+                    <a:lnL w="12700" cap="flat" cmpd="sng" algn="ctr">
+                      <a:solidFill>
+                        <a:schemeClr val="tx1"/>
+                      </a:solidFill>
+                      <a:prstDash val="solid"/>
+                      <a:round/>
+                      <a:headEnd type="none" w="med" len="med"/>
+                      <a:tailEnd type="none" w="med" len="med"/>
+                    </a:lnL>
+                    <a:lnR w="12700" cap="flat" cmpd="sng" algn="ctr">
+                      <a:solidFill>
+                        <a:schemeClr val="tx1"/>
+                      </a:solidFill>
+                      <a:prstDash val="solid"/>
+                      <a:round/>
+                      <a:headEnd type="none" w="med" len="med"/>
+                      <a:tailEnd type="none" w="med" len="med"/>
+                    </a:lnR>
+                    <a:lnT w="12700" cap="flat" cmpd="sng" algn="ctr">
+                      <a:solidFill>
+                        <a:schemeClr val="tx1"/>
+                      </a:solidFill>
+                      <a:prstDash val="solid"/>
+                      <a:round/>
+                      <a:headEnd type="none" w="med" len="med"/>
+                      <a:tailEnd type="none" w="med" len="med"/>
+                    </a:lnT>
+                    <a:lnB w="12700" cap="flat" cmpd="sng" algn="ctr">
+                      <a:solidFill>
+                        <a:schemeClr val="tx1"/>
+                      </a:solidFill>
+                      <a:prstDash val="solid"/>
+                      <a:round/>
+                      <a:headEnd type="none" w="med" len="med"/>
+                      <a:tailEnd type="none" w="med" len="med"/>
+                    </a:lnB>
+                    <a:lnTlToBr w="12700" cmpd="sng">
+                      <a:noFill/>
+                      <a:prstDash val="solid"/>
+                    </a:lnTlToBr>
+                    <a:lnBlToTr w="12700" cmpd="sng">
+                      <a:noFill/>
+                      <a:prstDash val="solid"/>
+                    </a:lnBlToTr>
+                    <a:noFill/>
+                  </a:tcPr>
+                </a:tc>
+                <a:tc>
+                  <a:txBody>
+                    <a:bodyPr/>
+                    <a:lstStyle/>
+                    <a:p>
+                      <a:r>
+                        <a:rPr lang="en-US" sz="1600">
+                          <a:solidFill>
+                            <a:schemeClr val="tx1"/>
+                          </a:solidFill>
+                          <a:effectLst/>
+                          <a:latin typeface="Arial" panose="020B0604020202020204" pitchFamily="34" charset="0"/>
+                          <a:cs typeface="Arial" panose="020B0604020202020204" pitchFamily="34" charset="0"/>
+                        </a:rPr>
+                        <a:t>Melatonin 1000 ppm</a:t>
+                      </a:r>
+                    </a:p>
+                  </a:txBody>
+                  <a:tcPr marL="12575" marR="12575" marT="10060" marB="10060" anchor="ctr">
+                    <a:lnL w="12700" cap="flat" cmpd="sng" algn="ctr">
+                      <a:solidFill>
+                        <a:schemeClr val="tx1"/>
+                      </a:solidFill>
+                      <a:prstDash val="solid"/>
+                      <a:round/>
+                      <a:headEnd type="none" w="med" len="med"/>
+                      <a:tailEnd type="none" w="med" len="med"/>
+                    </a:lnL>
+                    <a:lnR w="12700" cap="flat" cmpd="sng" algn="ctr">
+                      <a:solidFill>
+                        <a:schemeClr val="tx1"/>
+                      </a:solidFill>
+                      <a:prstDash val="solid"/>
+                      <a:round/>
+                      <a:headEnd type="none" w="med" len="med"/>
+                      <a:tailEnd type="none" w="med" len="med"/>
+                    </a:lnR>
+                    <a:lnT w="12700" cap="flat" cmpd="sng" algn="ctr">
+                      <a:solidFill>
+                        <a:schemeClr val="tx1"/>
+                      </a:solidFill>
+                      <a:prstDash val="solid"/>
+                      <a:round/>
+                      <a:headEnd type="none" w="med" len="med"/>
+                      <a:tailEnd type="none" w="med" len="med"/>
+                    </a:lnT>
+                    <a:lnB w="12700" cap="flat" cmpd="sng" algn="ctr">
+                      <a:solidFill>
+                        <a:schemeClr val="tx1"/>
+                      </a:solidFill>
+                      <a:prstDash val="solid"/>
+                      <a:round/>
+                      <a:headEnd type="none" w="med" len="med"/>
+                      <a:tailEnd type="none" w="med" len="med"/>
+                    </a:lnB>
+                    <a:lnTlToBr w="12700" cmpd="sng">
+                      <a:noFill/>
+                      <a:prstDash val="solid"/>
+                    </a:lnTlToBr>
+                    <a:lnBlToTr w="12700" cmpd="sng">
+                      <a:noFill/>
+                      <a:prstDash val="solid"/>
+                    </a:lnBlToTr>
+                    <a:noFill/>
+                  </a:tcPr>
+                </a:tc>
+                <a:tc>
+                  <a:txBody>
+                    <a:bodyPr/>
+                    <a:lstStyle/>
+                    <a:p>
+                      <a:r>
+                        <a:rPr lang="en-US" sz="1600">
+                          <a:solidFill>
+                            <a:schemeClr val="tx1"/>
+                          </a:solidFill>
+                          <a:effectLst/>
+                          <a:latin typeface="Arial" panose="020B0604020202020204" pitchFamily="34" charset="0"/>
+                          <a:cs typeface="Arial" panose="020B0604020202020204" pitchFamily="34" charset="0"/>
+                        </a:rPr>
+                        <a:t>4</a:t>
+                      </a:r>
+                    </a:p>
+                  </a:txBody>
+                  <a:tcPr marL="12575" marR="12575" marT="10060" marB="10060" anchor="ctr">
+                    <a:lnL w="12700" cap="flat" cmpd="sng" algn="ctr">
+                      <a:solidFill>
+                        <a:schemeClr val="tx1"/>
+                      </a:solidFill>
+                      <a:prstDash val="solid"/>
+                      <a:round/>
+                      <a:headEnd type="none" w="med" len="med"/>
+                      <a:tailEnd type="none" w="med" len="med"/>
+                    </a:lnL>
+                    <a:lnR w="12700" cap="flat" cmpd="sng" algn="ctr">
+                      <a:solidFill>
+                        <a:schemeClr val="tx1"/>
+                      </a:solidFill>
+                      <a:prstDash val="solid"/>
+                      <a:round/>
+                      <a:headEnd type="none" w="med" len="med"/>
+                      <a:tailEnd type="none" w="med" len="med"/>
+                    </a:lnR>
+                    <a:lnT w="12700" cap="flat" cmpd="sng" algn="ctr">
+                      <a:solidFill>
+                        <a:schemeClr val="tx1"/>
+                      </a:solidFill>
+                      <a:prstDash val="solid"/>
+                      <a:round/>
+                      <a:headEnd type="none" w="med" len="med"/>
+                      <a:tailEnd type="none" w="med" len="med"/>
+                    </a:lnT>
+                    <a:lnB w="12700" cap="flat" cmpd="sng" algn="ctr">
+                      <a:solidFill>
+                        <a:schemeClr val="tx1"/>
+                      </a:solidFill>
+                      <a:prstDash val="solid"/>
+                      <a:round/>
+                      <a:headEnd type="none" w="med" len="med"/>
+                      <a:tailEnd type="none" w="med" len="med"/>
+                    </a:lnB>
+                    <a:lnTlToBr w="12700" cmpd="sng">
+                      <a:noFill/>
+                      <a:prstDash val="solid"/>
+                    </a:lnTlToBr>
+                    <a:lnBlToTr w="12700" cmpd="sng">
+                      <a:noFill/>
+                      <a:prstDash val="solid"/>
+                    </a:lnBlToTr>
+                    <a:noFill/>
+                  </a:tcPr>
+                </a:tc>
+                <a:tc>
+                  <a:txBody>
+                    <a:bodyPr/>
+                    <a:lstStyle/>
+                    <a:p>
+                      <a:pPr algn="r"/>
+                      <a:r>
+                        <a:rPr lang="en-US" sz="1600" dirty="0">
+                          <a:solidFill>
+                            <a:schemeClr val="tx1"/>
+                          </a:solidFill>
+                          <a:effectLst/>
+                          <a:latin typeface="Arial" panose="020B0604020202020204" pitchFamily="34" charset="0"/>
+                          <a:cs typeface="Arial" panose="020B0604020202020204" pitchFamily="34" charset="0"/>
+                        </a:rPr>
+                        <a:t>-0.05323939</a:t>
+                      </a:r>
+                    </a:p>
+                  </a:txBody>
+                  <a:tcPr marL="12575" marR="12575" marT="10060" marB="10060" anchor="ctr">
+                    <a:lnL w="12700" cap="flat" cmpd="sng" algn="ctr">
+                      <a:solidFill>
+                        <a:schemeClr val="tx1"/>
+                      </a:solidFill>
+                      <a:prstDash val="solid"/>
+                      <a:round/>
+                      <a:headEnd type="none" w="med" len="med"/>
+                      <a:tailEnd type="none" w="med" len="med"/>
+                    </a:lnL>
+                    <a:lnR w="12700" cap="flat" cmpd="sng" algn="ctr">
+                      <a:solidFill>
+                        <a:schemeClr val="tx1"/>
+                      </a:solidFill>
+                      <a:prstDash val="solid"/>
+                      <a:round/>
+                      <a:headEnd type="none" w="med" len="med"/>
+                      <a:tailEnd type="none" w="med" len="med"/>
+                    </a:lnR>
+                    <a:lnT w="12700" cap="flat" cmpd="sng" algn="ctr">
+                      <a:solidFill>
+                        <a:schemeClr val="tx1"/>
+                      </a:solidFill>
+                      <a:prstDash val="solid"/>
+                      <a:round/>
+                      <a:headEnd type="none" w="med" len="med"/>
+                      <a:tailEnd type="none" w="med" len="med"/>
+                    </a:lnT>
+                    <a:lnB w="12700" cap="flat" cmpd="sng" algn="ctr">
+                      <a:solidFill>
+                        <a:schemeClr val="tx1"/>
+                      </a:solidFill>
+                      <a:prstDash val="solid"/>
+                      <a:round/>
+                      <a:headEnd type="none" w="med" len="med"/>
+                      <a:tailEnd type="none" w="med" len="med"/>
+                    </a:lnB>
+                    <a:lnTlToBr w="12700" cmpd="sng">
+                      <a:noFill/>
+                      <a:prstDash val="solid"/>
+                    </a:lnTlToBr>
+                    <a:lnBlToTr w="12700" cmpd="sng">
+                      <a:noFill/>
+                      <a:prstDash val="solid"/>
+                    </a:lnBlToTr>
+                    <a:noFill/>
+                  </a:tcPr>
+                </a:tc>
+                <a:tc>
+                  <a:txBody>
+                    <a:bodyPr/>
+                    <a:lstStyle/>
+                    <a:p>
+                      <a:pPr algn="r"/>
+                      <a:r>
+                        <a:rPr lang="en-US" sz="1600" dirty="0">
+                          <a:solidFill>
+                            <a:schemeClr val="tx1"/>
+                          </a:solidFill>
+                          <a:effectLst/>
+                          <a:latin typeface="Arial" panose="020B0604020202020204" pitchFamily="34" charset="0"/>
+                          <a:cs typeface="Arial" panose="020B0604020202020204" pitchFamily="34" charset="0"/>
+                        </a:rPr>
+                        <a:t>0.162664</a:t>
+                      </a:r>
+                    </a:p>
+                  </a:txBody>
+                  <a:tcPr marL="12575" marR="12575" marT="10060" marB="10060" anchor="ctr">
+                    <a:lnL w="12700" cap="flat" cmpd="sng" algn="ctr">
+                      <a:solidFill>
+                        <a:schemeClr val="tx1"/>
+                      </a:solidFill>
+                      <a:prstDash val="solid"/>
+                      <a:round/>
+                      <a:headEnd type="none" w="med" len="med"/>
+                      <a:tailEnd type="none" w="med" len="med"/>
+                    </a:lnL>
+                    <a:lnR w="12700" cap="flat" cmpd="sng" algn="ctr">
+                      <a:solidFill>
+                        <a:schemeClr val="tx1"/>
+                      </a:solidFill>
+                      <a:prstDash val="solid"/>
+                      <a:round/>
+                      <a:headEnd type="none" w="med" len="med"/>
+                      <a:tailEnd type="none" w="med" len="med"/>
+                    </a:lnR>
+                    <a:lnT w="12700" cap="flat" cmpd="sng" algn="ctr">
+                      <a:solidFill>
+                        <a:schemeClr val="tx1"/>
+                      </a:solidFill>
+                      <a:prstDash val="solid"/>
+                      <a:round/>
+                      <a:headEnd type="none" w="med" len="med"/>
+                      <a:tailEnd type="none" w="med" len="med"/>
+                    </a:lnT>
+                    <a:lnB w="12700" cap="flat" cmpd="sng" algn="ctr">
+                      <a:solidFill>
+                        <a:schemeClr val="tx1"/>
+                      </a:solidFill>
+                      <a:prstDash val="solid"/>
+                      <a:round/>
+                      <a:headEnd type="none" w="med" len="med"/>
+                      <a:tailEnd type="none" w="med" len="med"/>
+                    </a:lnB>
+                    <a:lnTlToBr w="12700" cmpd="sng">
+                      <a:noFill/>
+                      <a:prstDash val="solid"/>
+                    </a:lnTlToBr>
+                    <a:lnBlToTr w="12700" cmpd="sng">
+                      <a:noFill/>
+                      <a:prstDash val="solid"/>
+                    </a:lnBlToTr>
+                    <a:noFill/>
+                  </a:tcPr>
+                </a:tc>
+                <a:extLst>
+                  <a:ext uri="{0D108BD9-81ED-4DB2-BD59-A6C34878D82A}">
+                    <a16:rowId xmlns:a16="http://schemas.microsoft.com/office/drawing/2014/main" val="3532094717"/>
+                  </a:ext>
+                </a:extLst>
+              </a:tr>
+            </a:tbl>
+          </a:graphicData>
+        </a:graphic>
+      </p:graphicFrame>
+    </p:spTree>
+    <p:extLst>
+      <p:ext uri="{BB962C8B-B14F-4D97-AF65-F5344CB8AC3E}">
+        <p14:creationId xmlns:p14="http://schemas.microsoft.com/office/powerpoint/2010/main" val="3177403620"/>
+      </p:ext>
+    </p:extLst>
+  </p:cSld>
+  <p:clrMapOvr>
+    <a:masterClrMapping/>
+  </p:clrMapOvr>
+</p:sld>
+</file>
+
+<file path=ppt/slides/slide5.xml><?xml version="1.0" encoding="utf-8"?>
+<p:sld xmlns:a="http://schemas.openxmlformats.org/drawingml/2006/main" xmlns:r="http://schemas.openxmlformats.org/officeDocument/2006/relationships" xmlns:p="http://schemas.openxmlformats.org/presentationml/2006/main">
+  <p:cSld>
+    <p:spTree>
+      <p:nvGrpSpPr>
+        <p:cNvPr id="1" name=""/>
+        <p:cNvGrpSpPr/>
+        <p:nvPr/>
+      </p:nvGrpSpPr>
+      <p:grpSpPr>
+        <a:xfrm>
+          <a:off x="0" y="0"/>
+          <a:ext cx="0" cy="0"/>
+          <a:chOff x="0" y="0"/>
+          <a:chExt cx="0" cy="0"/>
+        </a:xfrm>
+      </p:grpSpPr>
+      <p:sp>
+        <p:nvSpPr>
+          <p:cNvPr id="2" name="Title 1">
+            <a:extLst>
+              <a:ext uri="{FF2B5EF4-FFF2-40B4-BE49-F238E27FC236}">
+                <a16:creationId xmlns:a16="http://schemas.microsoft.com/office/drawing/2014/main" id="{FAE60CF3-86BA-440F-A2FF-F82D8D53EC6B}"/>
+              </a:ext>
+            </a:extLst>
+          </p:cNvPr>
+          <p:cNvSpPr>
+            <a:spLocks noGrp="1"/>
+          </p:cNvSpPr>
+          <p:nvPr>
+            <p:ph type="title"/>
+          </p:nvPr>
+        </p:nvSpPr>
+        <p:spPr>
+          <a:xfrm>
+            <a:off x="838200" y="365126"/>
+            <a:ext cx="10515600" cy="931659"/>
+          </a:xfrm>
+        </p:spPr>
+        <p:txBody>
+          <a:bodyPr>
+            <a:normAutofit/>
+          </a:bodyPr>
+          <a:lstStyle/>
+          <a:p>
+            <a:r>
+              <a:rPr lang="en-US" sz="3600" dirty="0">
+                <a:latin typeface="Arial" panose="020B0604020202020204" pitchFamily="34" charset="0"/>
+                <a:cs typeface="Arial" panose="020B0604020202020204" pitchFamily="34" charset="0"/>
+              </a:rPr>
+              <a:t>Raw data - romaine</a:t>
+            </a:r>
+          </a:p>
+        </p:txBody>
+      </p:sp>
+      <p:graphicFrame>
+        <p:nvGraphicFramePr>
+          <p:cNvPr id="4" name="Content Placeholder 3">
+            <a:extLst>
+              <a:ext uri="{FF2B5EF4-FFF2-40B4-BE49-F238E27FC236}">
+                <a16:creationId xmlns:a16="http://schemas.microsoft.com/office/drawing/2014/main" id="{66C4AEA4-35A2-47CE-85DF-0433545DE057}"/>
+              </a:ext>
+            </a:extLst>
+          </p:cNvPr>
+          <p:cNvGraphicFramePr>
+            <a:graphicFrameLocks noGrp="1"/>
+          </p:cNvGraphicFramePr>
+          <p:nvPr>
+            <p:ph idx="1"/>
+            <p:extLst>
+              <p:ext uri="{D42A27DB-BD31-4B8C-83A1-F6EECF244321}">
+                <p14:modId xmlns:p14="http://schemas.microsoft.com/office/powerpoint/2010/main" val="4008921853"/>
+              </p:ext>
+            </p:extLst>
+          </p:nvPr>
+        </p:nvGraphicFramePr>
+        <p:xfrm>
+          <a:off x="838200" y="1296785"/>
+          <a:ext cx="10515600" cy="4572000"/>
+        </p:xfrm>
+        <a:graphic>
+          <a:graphicData uri="http://schemas.openxmlformats.org/drawingml/2006/table">
+            <a:tbl>
+              <a:tblPr/>
+              <a:tblGrid>
+                <a:gridCol w="1498600">
+                  <a:extLst>
+                    <a:ext uri="{9D8B030D-6E8A-4147-A177-3AD203B41FA5}">
+                      <a16:colId xmlns:a16="http://schemas.microsoft.com/office/drawing/2014/main" val="3556546562"/>
+                    </a:ext>
+                  </a:extLst>
+                </a:gridCol>
+                <a:gridCol w="2743200">
+                  <a:extLst>
+                    <a:ext uri="{9D8B030D-6E8A-4147-A177-3AD203B41FA5}">
+                      <a16:colId xmlns:a16="http://schemas.microsoft.com/office/drawing/2014/main" val="3343065149"/>
+                    </a:ext>
+                  </a:extLst>
+                </a:gridCol>
+                <a:gridCol w="1206500">
+                  <a:extLst>
+                    <a:ext uri="{9D8B030D-6E8A-4147-A177-3AD203B41FA5}">
+                      <a16:colId xmlns:a16="http://schemas.microsoft.com/office/drawing/2014/main" val="1135429169"/>
+                    </a:ext>
+                  </a:extLst>
+                </a:gridCol>
+                <a:gridCol w="2533650">
+                  <a:extLst>
+                    <a:ext uri="{9D8B030D-6E8A-4147-A177-3AD203B41FA5}">
+                      <a16:colId xmlns:a16="http://schemas.microsoft.com/office/drawing/2014/main" val="3853621809"/>
+                    </a:ext>
+                  </a:extLst>
+                </a:gridCol>
+                <a:gridCol w="2533650">
+                  <a:extLst>
+                    <a:ext uri="{9D8B030D-6E8A-4147-A177-3AD203B41FA5}">
+                      <a16:colId xmlns:a16="http://schemas.microsoft.com/office/drawing/2014/main" val="1659069070"/>
+                    </a:ext>
+                  </a:extLst>
+                </a:gridCol>
+              </a:tblGrid>
+              <a:tr h="810432">
+                <a:tc>
+                  <a:txBody>
+                    <a:bodyPr/>
+                    <a:lstStyle/>
+                    <a:p>
+                      <a:pPr algn="l"/>
+                      <a:r>
+                        <a:rPr lang="en-US" sz="1600" b="1" dirty="0">
+                          <a:solidFill>
+                            <a:schemeClr val="tx1"/>
+                          </a:solidFill>
+                          <a:effectLst/>
+                          <a:latin typeface="Arial" panose="020B0604020202020204" pitchFamily="34" charset="0"/>
+                          <a:cs typeface="Arial" panose="020B0604020202020204" pitchFamily="34" charset="0"/>
+                        </a:rPr>
+                        <a:t>Variety</a:t>
+                      </a:r>
+                    </a:p>
+                  </a:txBody>
+                  <a:tcPr marL="12575" marR="12575" marT="12072" marB="12072" anchor="ctr">
+                    <a:lnL w="12700" cap="flat" cmpd="sng" algn="ctr">
+                      <a:solidFill>
+                        <a:schemeClr val="tx1"/>
+                      </a:solidFill>
+                      <a:prstDash val="solid"/>
+                      <a:round/>
+                      <a:headEnd type="none" w="med" len="med"/>
+                      <a:tailEnd type="none" w="med" len="med"/>
+                    </a:lnL>
+                    <a:lnR w="12700" cap="flat" cmpd="sng" algn="ctr">
+                      <a:solidFill>
+                        <a:schemeClr val="tx1"/>
+                      </a:solidFill>
+                      <a:prstDash val="solid"/>
+                      <a:round/>
+                      <a:headEnd type="none" w="med" len="med"/>
+                      <a:tailEnd type="none" w="med" len="med"/>
+                    </a:lnR>
+                    <a:lnT w="12700" cap="flat" cmpd="sng" algn="ctr">
+                      <a:solidFill>
+                        <a:schemeClr val="tx1"/>
+                      </a:solidFill>
+                      <a:prstDash val="solid"/>
+                      <a:round/>
+                      <a:headEnd type="none" w="med" len="med"/>
+                      <a:tailEnd type="none" w="med" len="med"/>
+                    </a:lnT>
+                    <a:lnB w="12700" cap="flat" cmpd="sng" algn="ctr">
+                      <a:solidFill>
+                        <a:schemeClr val="tx1"/>
+                      </a:solidFill>
+                      <a:prstDash val="solid"/>
+                      <a:round/>
+                      <a:headEnd type="none" w="med" len="med"/>
+                      <a:tailEnd type="none" w="med" len="med"/>
+                    </a:lnB>
+                    <a:lnTlToBr w="12700" cmpd="sng">
+                      <a:noFill/>
+                      <a:prstDash val="solid"/>
+                    </a:lnTlToBr>
+                    <a:lnBlToTr w="12700" cmpd="sng">
+                      <a:noFill/>
+                      <a:prstDash val="solid"/>
+                    </a:lnBlToTr>
+                    <a:noFill/>
+                  </a:tcPr>
+                </a:tc>
+                <a:tc>
+                  <a:txBody>
+                    <a:bodyPr/>
+                    <a:lstStyle/>
+                    <a:p>
+                      <a:pPr algn="l"/>
+                      <a:r>
+                        <a:rPr lang="en-US" sz="1600" b="1" dirty="0">
+                          <a:solidFill>
+                            <a:schemeClr val="tx1"/>
+                          </a:solidFill>
+                          <a:effectLst/>
+                          <a:latin typeface="Arial" panose="020B0604020202020204" pitchFamily="34" charset="0"/>
+                          <a:cs typeface="Arial" panose="020B0604020202020204" pitchFamily="34" charset="0"/>
+                        </a:rPr>
+                        <a:t>Treatment group</a:t>
+                      </a:r>
+                    </a:p>
+                  </a:txBody>
+                  <a:tcPr marL="12575" marR="12575" marT="12072" marB="12072" anchor="ctr">
+                    <a:lnL w="12700" cap="flat" cmpd="sng" algn="ctr">
+                      <a:solidFill>
+                        <a:schemeClr val="tx1"/>
+                      </a:solidFill>
+                      <a:prstDash val="solid"/>
+                      <a:round/>
+                      <a:headEnd type="none" w="med" len="med"/>
+                      <a:tailEnd type="none" w="med" len="med"/>
+                    </a:lnL>
+                    <a:lnR w="12700" cap="flat" cmpd="sng" algn="ctr">
+                      <a:solidFill>
+                        <a:schemeClr val="tx1"/>
+                      </a:solidFill>
+                      <a:prstDash val="solid"/>
+                      <a:round/>
+                      <a:headEnd type="none" w="med" len="med"/>
+                      <a:tailEnd type="none" w="med" len="med"/>
+                    </a:lnR>
+                    <a:lnT w="12700" cap="flat" cmpd="sng" algn="ctr">
+                      <a:solidFill>
+                        <a:schemeClr val="tx1"/>
+                      </a:solidFill>
+                      <a:prstDash val="solid"/>
+                      <a:round/>
+                      <a:headEnd type="none" w="med" len="med"/>
+                      <a:tailEnd type="none" w="med" len="med"/>
+                    </a:lnT>
+                    <a:lnB w="12700" cap="flat" cmpd="sng" algn="ctr">
+                      <a:solidFill>
+                        <a:schemeClr val="tx1"/>
+                      </a:solidFill>
+                      <a:prstDash val="solid"/>
+                      <a:round/>
+                      <a:headEnd type="none" w="med" len="med"/>
+                      <a:tailEnd type="none" w="med" len="med"/>
+                    </a:lnB>
+                    <a:lnTlToBr w="12700" cmpd="sng">
+                      <a:noFill/>
+                      <a:prstDash val="solid"/>
+                    </a:lnTlToBr>
+                    <a:lnBlToTr w="12700" cmpd="sng">
+                      <a:noFill/>
+                      <a:prstDash val="solid"/>
+                    </a:lnBlToTr>
+                    <a:noFill/>
+                  </a:tcPr>
+                </a:tc>
+                <a:tc>
+                  <a:txBody>
+                    <a:bodyPr/>
+                    <a:lstStyle/>
+                    <a:p>
+                      <a:pPr algn="l"/>
+                      <a:r>
+                        <a:rPr lang="en-US" sz="1600" b="1" dirty="0">
+                          <a:solidFill>
+                            <a:schemeClr val="tx1"/>
+                          </a:solidFill>
+                          <a:effectLst/>
+                          <a:latin typeface="Arial" panose="020B0604020202020204" pitchFamily="34" charset="0"/>
+                          <a:cs typeface="Arial" panose="020B0604020202020204" pitchFamily="34" charset="0"/>
+                        </a:rPr>
+                        <a:t>Day</a:t>
+                      </a:r>
+                    </a:p>
+                  </a:txBody>
+                  <a:tcPr marL="12575" marR="12575" marT="12072" marB="12072" anchor="ctr">
+                    <a:lnL w="12700" cap="flat" cmpd="sng" algn="ctr">
+                      <a:solidFill>
+                        <a:schemeClr val="tx1"/>
+                      </a:solidFill>
+                      <a:prstDash val="solid"/>
+                      <a:round/>
+                      <a:headEnd type="none" w="med" len="med"/>
+                      <a:tailEnd type="none" w="med" len="med"/>
+                    </a:lnL>
+                    <a:lnR w="12700" cap="flat" cmpd="sng" algn="ctr">
+                      <a:solidFill>
+                        <a:schemeClr val="tx1"/>
+                      </a:solidFill>
+                      <a:prstDash val="solid"/>
+                      <a:round/>
+                      <a:headEnd type="none" w="med" len="med"/>
+                      <a:tailEnd type="none" w="med" len="med"/>
+                    </a:lnR>
+                    <a:lnT w="12700" cap="flat" cmpd="sng" algn="ctr">
+                      <a:solidFill>
+                        <a:schemeClr val="tx1"/>
+                      </a:solidFill>
+                      <a:prstDash val="solid"/>
+                      <a:round/>
+                      <a:headEnd type="none" w="med" len="med"/>
+                      <a:tailEnd type="none" w="med" len="med"/>
+                    </a:lnT>
+                    <a:lnB w="12700" cap="flat" cmpd="sng" algn="ctr">
+                      <a:solidFill>
+                        <a:schemeClr val="tx1"/>
+                      </a:solidFill>
+                      <a:prstDash val="solid"/>
+                      <a:round/>
+                      <a:headEnd type="none" w="med" len="med"/>
+                      <a:tailEnd type="none" w="med" len="med"/>
+                    </a:lnB>
+                    <a:lnTlToBr w="12700" cmpd="sng">
+                      <a:noFill/>
+                      <a:prstDash val="solid"/>
+                    </a:lnTlToBr>
+                    <a:lnBlToTr w="12700" cmpd="sng">
+                      <a:noFill/>
+                      <a:prstDash val="solid"/>
+                    </a:lnBlToTr>
+                    <a:noFill/>
+                  </a:tcPr>
+                </a:tc>
+                <a:tc>
+                  <a:txBody>
+                    <a:bodyPr/>
+                    <a:lstStyle/>
+                    <a:p>
+                      <a:pPr algn="l"/>
+                      <a:r>
+                        <a:rPr lang="en-US" sz="1600" b="1" dirty="0">
+                          <a:solidFill>
+                            <a:schemeClr val="tx1"/>
+                          </a:solidFill>
+                          <a:effectLst/>
+                          <a:latin typeface="Arial" panose="020B0604020202020204" pitchFamily="34" charset="0"/>
+                          <a:cs typeface="Arial" panose="020B0604020202020204" pitchFamily="34" charset="0"/>
+                        </a:rPr>
+                        <a:t>Average mean a*</a:t>
+                      </a:r>
+                    </a:p>
+                  </a:txBody>
+                  <a:tcPr marL="12575" marR="12575" marT="12072" marB="12072" anchor="ctr">
+                    <a:lnL w="12700" cap="flat" cmpd="sng" algn="ctr">
+                      <a:solidFill>
+                        <a:schemeClr val="tx1"/>
+                      </a:solidFill>
+                      <a:prstDash val="solid"/>
+                      <a:round/>
+                      <a:headEnd type="none" w="med" len="med"/>
+                      <a:tailEnd type="none" w="med" len="med"/>
+                    </a:lnL>
+                    <a:lnR w="12700" cap="flat" cmpd="sng" algn="ctr">
+                      <a:solidFill>
+                        <a:schemeClr val="tx1"/>
+                      </a:solidFill>
+                      <a:prstDash val="solid"/>
+                      <a:round/>
+                      <a:headEnd type="none" w="med" len="med"/>
+                      <a:tailEnd type="none" w="med" len="med"/>
+                    </a:lnR>
+                    <a:lnT w="12700" cap="flat" cmpd="sng" algn="ctr">
+                      <a:solidFill>
+                        <a:schemeClr val="tx1"/>
+                      </a:solidFill>
+                      <a:prstDash val="solid"/>
+                      <a:round/>
+                      <a:headEnd type="none" w="med" len="med"/>
+                      <a:tailEnd type="none" w="med" len="med"/>
+                    </a:lnT>
+                    <a:lnB w="12700" cap="flat" cmpd="sng" algn="ctr">
+                      <a:solidFill>
+                        <a:schemeClr val="tx1"/>
+                      </a:solidFill>
+                      <a:prstDash val="solid"/>
+                      <a:round/>
+                      <a:headEnd type="none" w="med" len="med"/>
+                      <a:tailEnd type="none" w="med" len="med"/>
+                    </a:lnB>
+                    <a:lnTlToBr w="12700" cmpd="sng">
+                      <a:noFill/>
+                      <a:prstDash val="solid"/>
+                    </a:lnTlToBr>
+                    <a:lnBlToTr w="12700" cmpd="sng">
+                      <a:noFill/>
+                      <a:prstDash val="solid"/>
+                    </a:lnBlToTr>
+                    <a:noFill/>
+                  </a:tcPr>
+                </a:tc>
+                <a:tc>
+                  <a:txBody>
+                    <a:bodyPr/>
+                    <a:lstStyle/>
+                    <a:p>
+                      <a:r>
+                        <a:rPr lang="en-US" sz="1600" b="1" dirty="0">
+                          <a:solidFill>
+                            <a:schemeClr val="tx1"/>
+                          </a:solidFill>
+                          <a:latin typeface="Arial" panose="020B0604020202020204" pitchFamily="34" charset="0"/>
+                          <a:cs typeface="Arial" panose="020B0604020202020204" pitchFamily="34" charset="0"/>
+                        </a:rPr>
+                        <a:t>Standard error</a:t>
+                      </a:r>
+                    </a:p>
+                  </a:txBody>
+                  <a:tcPr marL="24144" marR="24144" marT="12072" marB="12072" anchor="ctr">
+                    <a:lnL w="12700" cap="flat" cmpd="sng" algn="ctr">
+                      <a:solidFill>
+                        <a:schemeClr val="tx1"/>
+                      </a:solidFill>
+                      <a:prstDash val="solid"/>
+                      <a:round/>
+                      <a:headEnd type="none" w="med" len="med"/>
+                      <a:tailEnd type="none" w="med" len="med"/>
+                    </a:lnL>
+                    <a:lnR w="12700" cap="flat" cmpd="sng" algn="ctr">
+                      <a:solidFill>
+                        <a:schemeClr val="tx1"/>
+                      </a:solidFill>
+                      <a:prstDash val="solid"/>
+                      <a:round/>
+                      <a:headEnd type="none" w="med" len="med"/>
+                      <a:tailEnd type="none" w="med" len="med"/>
+                    </a:lnR>
+                    <a:lnT w="12700" cap="flat" cmpd="sng" algn="ctr">
+                      <a:solidFill>
+                        <a:schemeClr val="tx1"/>
+                      </a:solidFill>
+                      <a:prstDash val="solid"/>
+                      <a:round/>
+                      <a:headEnd type="none" w="med" len="med"/>
+                      <a:tailEnd type="none" w="med" len="med"/>
+                    </a:lnT>
+                    <a:lnB w="12700" cap="flat" cmpd="sng" algn="ctr">
+                      <a:solidFill>
+                        <a:schemeClr val="tx1"/>
+                      </a:solidFill>
+                      <a:prstDash val="solid"/>
+                      <a:round/>
+                      <a:headEnd type="none" w="med" len="med"/>
+                      <a:tailEnd type="none" w="med" len="med"/>
+                    </a:lnB>
+                    <a:lnTlToBr w="12700" cmpd="sng">
+                      <a:noFill/>
+                      <a:prstDash val="solid"/>
+                    </a:lnTlToBr>
+                    <a:lnBlToTr w="12700" cmpd="sng">
+                      <a:noFill/>
+                      <a:prstDash val="solid"/>
+                    </a:lnBlToTr>
+                    <a:noFill/>
+                  </a:tcPr>
+                </a:tc>
+                <a:extLst>
+                  <a:ext uri="{0D108BD9-81ED-4DB2-BD59-A6C34878D82A}">
+                    <a16:rowId xmlns:a16="http://schemas.microsoft.com/office/drawing/2014/main" val="3961066030"/>
+                  </a:ext>
+                </a:extLst>
+              </a:tr>
+              <a:tr h="417952">
+                <a:tc>
+                  <a:txBody>
+                    <a:bodyPr/>
+                    <a:lstStyle/>
+                    <a:p>
+                      <a:r>
+                        <a:rPr lang="en-US" sz="1600" dirty="0">
+                          <a:solidFill>
+                            <a:schemeClr val="tx1"/>
+                          </a:solidFill>
+                          <a:effectLst/>
+                          <a:latin typeface="Arial" panose="020B0604020202020204" pitchFamily="34" charset="0"/>
+                          <a:cs typeface="Arial" panose="020B0604020202020204" pitchFamily="34" charset="0"/>
+                        </a:rPr>
+                        <a:t>Romaine</a:t>
+                      </a:r>
+                    </a:p>
+                  </a:txBody>
+                  <a:tcPr marL="12575" marR="12575" marT="10060" marB="10060" anchor="ctr">
+                    <a:lnL w="12700" cap="flat" cmpd="sng" algn="ctr">
+                      <a:solidFill>
+                        <a:schemeClr val="tx1"/>
+                      </a:solidFill>
+                      <a:prstDash val="solid"/>
+                      <a:round/>
+                      <a:headEnd type="none" w="med" len="med"/>
+                      <a:tailEnd type="none" w="med" len="med"/>
+                    </a:lnL>
+                    <a:lnR w="12700" cap="flat" cmpd="sng" algn="ctr">
+                      <a:solidFill>
+                        <a:schemeClr val="tx1"/>
+                      </a:solidFill>
+                      <a:prstDash val="solid"/>
+                      <a:round/>
+                      <a:headEnd type="none" w="med" len="med"/>
+                      <a:tailEnd type="none" w="med" len="med"/>
+                    </a:lnR>
+                    <a:lnT w="12700" cap="flat" cmpd="sng" algn="ctr">
+                      <a:solidFill>
+                        <a:schemeClr val="tx1"/>
+                      </a:solidFill>
+                      <a:prstDash val="solid"/>
+                      <a:round/>
+                      <a:headEnd type="none" w="med" len="med"/>
+                      <a:tailEnd type="none" w="med" len="med"/>
+                    </a:lnT>
+                    <a:lnB w="12700" cap="flat" cmpd="sng" algn="ctr">
+                      <a:solidFill>
+                        <a:schemeClr val="tx1"/>
+                      </a:solidFill>
+                      <a:prstDash val="solid"/>
+                      <a:round/>
+                      <a:headEnd type="none" w="med" len="med"/>
+                      <a:tailEnd type="none" w="med" len="med"/>
+                    </a:lnB>
+                    <a:lnTlToBr w="12700" cmpd="sng">
+                      <a:noFill/>
+                      <a:prstDash val="solid"/>
+                    </a:lnTlToBr>
+                    <a:lnBlToTr w="12700" cmpd="sng">
+                      <a:noFill/>
+                      <a:prstDash val="solid"/>
+                    </a:lnBlToTr>
+                    <a:noFill/>
+                  </a:tcPr>
+                </a:tc>
+                <a:tc>
+                  <a:txBody>
+                    <a:bodyPr/>
+                    <a:lstStyle/>
+                    <a:p>
+                      <a:r>
+                        <a:rPr lang="en-US" sz="1600" dirty="0">
+                          <a:solidFill>
+                            <a:schemeClr val="tx1"/>
+                          </a:solidFill>
+                          <a:effectLst/>
+                          <a:latin typeface="Arial" panose="020B0604020202020204" pitchFamily="34" charset="0"/>
+                          <a:cs typeface="Arial" panose="020B0604020202020204" pitchFamily="34" charset="0"/>
+                        </a:rPr>
+                        <a:t>No treatment</a:t>
+                      </a:r>
+                    </a:p>
+                  </a:txBody>
+                  <a:tcPr marL="12575" marR="12575" marT="10060" marB="10060" anchor="ctr">
+                    <a:lnL w="12700" cap="flat" cmpd="sng" algn="ctr">
+                      <a:solidFill>
+                        <a:schemeClr val="tx1"/>
+                      </a:solidFill>
+                      <a:prstDash val="solid"/>
+                      <a:round/>
+                      <a:headEnd type="none" w="med" len="med"/>
+                      <a:tailEnd type="none" w="med" len="med"/>
+                    </a:lnL>
+                    <a:lnR w="12700" cap="flat" cmpd="sng" algn="ctr">
+                      <a:solidFill>
+                        <a:schemeClr val="tx1"/>
+                      </a:solidFill>
+                      <a:prstDash val="solid"/>
+                      <a:round/>
+                      <a:headEnd type="none" w="med" len="med"/>
+                      <a:tailEnd type="none" w="med" len="med"/>
+                    </a:lnR>
+                    <a:lnT w="12700" cap="flat" cmpd="sng" algn="ctr">
+                      <a:solidFill>
+                        <a:schemeClr val="tx1"/>
+                      </a:solidFill>
+                      <a:prstDash val="solid"/>
+                      <a:round/>
+                      <a:headEnd type="none" w="med" len="med"/>
+                      <a:tailEnd type="none" w="med" len="med"/>
+                    </a:lnT>
+                    <a:lnB w="12700" cap="flat" cmpd="sng" algn="ctr">
+                      <a:solidFill>
+                        <a:schemeClr val="tx1"/>
+                      </a:solidFill>
+                      <a:prstDash val="solid"/>
+                      <a:round/>
+                      <a:headEnd type="none" w="med" len="med"/>
+                      <a:tailEnd type="none" w="med" len="med"/>
+                    </a:lnB>
+                    <a:lnTlToBr w="12700" cmpd="sng">
+                      <a:noFill/>
+                      <a:prstDash val="solid"/>
+                    </a:lnTlToBr>
+                    <a:lnBlToTr w="12700" cmpd="sng">
+                      <a:noFill/>
+                      <a:prstDash val="solid"/>
+                    </a:lnBlToTr>
+                    <a:noFill/>
+                  </a:tcPr>
+                </a:tc>
+                <a:tc>
+                  <a:txBody>
+                    <a:bodyPr/>
+                    <a:lstStyle/>
+                    <a:p>
+                      <a:r>
+                        <a:rPr lang="en-US" sz="1600">
+                          <a:solidFill>
+                            <a:schemeClr val="tx1"/>
+                          </a:solidFill>
+                          <a:effectLst/>
+                          <a:latin typeface="Arial" panose="020B0604020202020204" pitchFamily="34" charset="0"/>
+                          <a:cs typeface="Arial" panose="020B0604020202020204" pitchFamily="34" charset="0"/>
+                        </a:rPr>
+                        <a:t>0</a:t>
+                      </a:r>
+                    </a:p>
+                  </a:txBody>
+                  <a:tcPr marL="12575" marR="12575" marT="10060" marB="10060" anchor="ctr">
+                    <a:lnL w="12700" cap="flat" cmpd="sng" algn="ctr">
+                      <a:solidFill>
+                        <a:schemeClr val="tx1"/>
+                      </a:solidFill>
+                      <a:prstDash val="solid"/>
+                      <a:round/>
+                      <a:headEnd type="none" w="med" len="med"/>
+                      <a:tailEnd type="none" w="med" len="med"/>
+                    </a:lnL>
+                    <a:lnR w="12700" cap="flat" cmpd="sng" algn="ctr">
+                      <a:solidFill>
+                        <a:schemeClr val="tx1"/>
+                      </a:solidFill>
+                      <a:prstDash val="solid"/>
+                      <a:round/>
+                      <a:headEnd type="none" w="med" len="med"/>
+                      <a:tailEnd type="none" w="med" len="med"/>
+                    </a:lnR>
+                    <a:lnT w="12700" cap="flat" cmpd="sng" algn="ctr">
+                      <a:solidFill>
+                        <a:schemeClr val="tx1"/>
+                      </a:solidFill>
+                      <a:prstDash val="solid"/>
+                      <a:round/>
+                      <a:headEnd type="none" w="med" len="med"/>
+                      <a:tailEnd type="none" w="med" len="med"/>
+                    </a:lnT>
+                    <a:lnB w="12700" cap="flat" cmpd="sng" algn="ctr">
+                      <a:solidFill>
+                        <a:schemeClr val="tx1"/>
+                      </a:solidFill>
+                      <a:prstDash val="solid"/>
+                      <a:round/>
+                      <a:headEnd type="none" w="med" len="med"/>
+                      <a:tailEnd type="none" w="med" len="med"/>
+                    </a:lnB>
+                    <a:lnTlToBr w="12700" cmpd="sng">
+                      <a:noFill/>
+                      <a:prstDash val="solid"/>
+                    </a:lnTlToBr>
+                    <a:lnBlToTr w="12700" cmpd="sng">
+                      <a:noFill/>
+                      <a:prstDash val="solid"/>
+                    </a:lnBlToTr>
+                    <a:noFill/>
+                  </a:tcPr>
+                </a:tc>
+                <a:tc>
+                  <a:txBody>
+                    <a:bodyPr/>
+                    <a:lstStyle/>
+                    <a:p>
+                      <a:pPr algn="r"/>
+                      <a:r>
+                        <a:rPr lang="en-US" sz="1600" dirty="0">
+                          <a:effectLst/>
+                          <a:latin typeface="Arial" panose="020B0604020202020204" pitchFamily="34" charset="0"/>
+                          <a:cs typeface="Arial" panose="020B0604020202020204" pitchFamily="34" charset="0"/>
+                        </a:rPr>
+                        <a:t>-4.8364370</a:t>
+                      </a:r>
+                    </a:p>
+                  </a:txBody>
+                  <a:tcPr marL="24501" marR="24501" marT="19601" marB="19601" anchor="ctr">
+                    <a:lnL w="12700" cap="flat" cmpd="sng" algn="ctr">
+                      <a:solidFill>
+                        <a:schemeClr val="tx1"/>
+                      </a:solidFill>
+                      <a:prstDash val="solid"/>
+                      <a:round/>
+                      <a:headEnd type="none" w="med" len="med"/>
+                      <a:tailEnd type="none" w="med" len="med"/>
+                    </a:lnL>
+                    <a:lnR w="12700" cap="flat" cmpd="sng" algn="ctr">
+                      <a:solidFill>
+                        <a:schemeClr val="tx1"/>
+                      </a:solidFill>
+                      <a:prstDash val="solid"/>
+                      <a:round/>
+                      <a:headEnd type="none" w="med" len="med"/>
+                      <a:tailEnd type="none" w="med" len="med"/>
+                    </a:lnR>
+                    <a:lnT w="12700" cap="flat" cmpd="sng" algn="ctr">
+                      <a:solidFill>
+                        <a:schemeClr val="tx1"/>
+                      </a:solidFill>
+                      <a:prstDash val="solid"/>
+                      <a:round/>
+                      <a:headEnd type="none" w="med" len="med"/>
+                      <a:tailEnd type="none" w="med" len="med"/>
+                    </a:lnT>
+                    <a:lnB w="12700" cap="flat" cmpd="sng" algn="ctr">
+                      <a:solidFill>
+                        <a:schemeClr val="tx1"/>
+                      </a:solidFill>
+                      <a:prstDash val="solid"/>
+                      <a:round/>
+                      <a:headEnd type="none" w="med" len="med"/>
+                      <a:tailEnd type="none" w="med" len="med"/>
+                    </a:lnB>
+                    <a:lnTlToBr w="12700" cmpd="sng">
+                      <a:noFill/>
+                      <a:prstDash val="solid"/>
+                    </a:lnTlToBr>
+                    <a:lnBlToTr w="12700" cmpd="sng">
+                      <a:noFill/>
+                      <a:prstDash val="solid"/>
+                    </a:lnBlToTr>
+                    <a:noFill/>
+                  </a:tcPr>
+                </a:tc>
+                <a:tc>
+                  <a:txBody>
+                    <a:bodyPr/>
+                    <a:lstStyle/>
+                    <a:p>
+                      <a:pPr algn="r"/>
+                      <a:r>
+                        <a:rPr lang="en-US" sz="1600" dirty="0">
+                          <a:effectLst/>
+                          <a:latin typeface="Arial" panose="020B0604020202020204" pitchFamily="34" charset="0"/>
+                          <a:cs typeface="Arial" panose="020B0604020202020204" pitchFamily="34" charset="0"/>
+                        </a:rPr>
+                        <a:t>0.08532724</a:t>
+                      </a:r>
+                    </a:p>
+                  </a:txBody>
+                  <a:tcPr marL="24501" marR="24501" marT="19601" marB="19601" anchor="ctr">
+                    <a:lnL w="12700" cap="flat" cmpd="sng" algn="ctr">
+                      <a:solidFill>
+                        <a:schemeClr val="tx1"/>
+                      </a:solidFill>
+                      <a:prstDash val="solid"/>
+                      <a:round/>
+                      <a:headEnd type="none" w="med" len="med"/>
+                      <a:tailEnd type="none" w="med" len="med"/>
+                    </a:lnL>
+                    <a:lnR w="12700" cap="flat" cmpd="sng" algn="ctr">
+                      <a:solidFill>
+                        <a:schemeClr val="tx1"/>
+                      </a:solidFill>
+                      <a:prstDash val="solid"/>
+                      <a:round/>
+                      <a:headEnd type="none" w="med" len="med"/>
+                      <a:tailEnd type="none" w="med" len="med"/>
+                    </a:lnR>
+                    <a:lnT w="12700" cap="flat" cmpd="sng" algn="ctr">
+                      <a:solidFill>
+                        <a:schemeClr val="tx1"/>
+                      </a:solidFill>
+                      <a:prstDash val="solid"/>
+                      <a:round/>
+                      <a:headEnd type="none" w="med" len="med"/>
+                      <a:tailEnd type="none" w="med" len="med"/>
+                    </a:lnT>
+                    <a:lnB w="12700" cap="flat" cmpd="sng" algn="ctr">
+                      <a:solidFill>
+                        <a:schemeClr val="tx1"/>
+                      </a:solidFill>
+                      <a:prstDash val="solid"/>
+                      <a:round/>
+                      <a:headEnd type="none" w="med" len="med"/>
+                      <a:tailEnd type="none" w="med" len="med"/>
+                    </a:lnB>
+                    <a:lnTlToBr w="12700" cmpd="sng">
+                      <a:noFill/>
+                      <a:prstDash val="solid"/>
+                    </a:lnTlToBr>
+                    <a:lnBlToTr w="12700" cmpd="sng">
+                      <a:noFill/>
+                      <a:prstDash val="solid"/>
+                    </a:lnBlToTr>
+                    <a:noFill/>
+                  </a:tcPr>
+                </a:tc>
+                <a:extLst>
+                  <a:ext uri="{0D108BD9-81ED-4DB2-BD59-A6C34878D82A}">
+                    <a16:rowId xmlns:a16="http://schemas.microsoft.com/office/drawing/2014/main" val="829709350"/>
+                  </a:ext>
+                </a:extLst>
+              </a:tr>
+              <a:tr h="417952">
+                <a:tc>
+                  <a:txBody>
+                    <a:bodyPr/>
+                    <a:lstStyle/>
+                    <a:p>
+                      <a:r>
+                        <a:rPr lang="en-US" sz="1600" dirty="0">
+                          <a:solidFill>
+                            <a:schemeClr val="tx1"/>
+                          </a:solidFill>
+                          <a:effectLst/>
+                          <a:latin typeface="Arial" panose="020B0604020202020204" pitchFamily="34" charset="0"/>
+                          <a:cs typeface="Arial" panose="020B0604020202020204" pitchFamily="34" charset="0"/>
+                        </a:rPr>
+                        <a:t>Romaine</a:t>
+                      </a:r>
+                    </a:p>
+                  </a:txBody>
+                  <a:tcPr marL="12575" marR="12575" marT="10060" marB="10060" anchor="ctr">
+                    <a:lnL w="12700" cap="flat" cmpd="sng" algn="ctr">
+                      <a:solidFill>
+                        <a:schemeClr val="tx1"/>
+                      </a:solidFill>
+                      <a:prstDash val="solid"/>
+                      <a:round/>
+                      <a:headEnd type="none" w="med" len="med"/>
+                      <a:tailEnd type="none" w="med" len="med"/>
+                    </a:lnL>
+                    <a:lnR w="12700" cap="flat" cmpd="sng" algn="ctr">
+                      <a:solidFill>
+                        <a:schemeClr val="tx1"/>
+                      </a:solidFill>
+                      <a:prstDash val="solid"/>
+                      <a:round/>
+                      <a:headEnd type="none" w="med" len="med"/>
+                      <a:tailEnd type="none" w="med" len="med"/>
+                    </a:lnR>
+                    <a:lnT w="12700" cap="flat" cmpd="sng" algn="ctr">
+                      <a:solidFill>
+                        <a:schemeClr val="tx1"/>
+                      </a:solidFill>
+                      <a:prstDash val="solid"/>
+                      <a:round/>
+                      <a:headEnd type="none" w="med" len="med"/>
+                      <a:tailEnd type="none" w="med" len="med"/>
+                    </a:lnT>
+                    <a:lnB w="12700" cap="flat" cmpd="sng" algn="ctr">
+                      <a:solidFill>
+                        <a:schemeClr val="tx1"/>
+                      </a:solidFill>
+                      <a:prstDash val="solid"/>
+                      <a:round/>
+                      <a:headEnd type="none" w="med" len="med"/>
+                      <a:tailEnd type="none" w="med" len="med"/>
+                    </a:lnB>
+                    <a:lnTlToBr w="12700" cmpd="sng">
+                      <a:noFill/>
+                      <a:prstDash val="solid"/>
+                    </a:lnTlToBr>
+                    <a:lnBlToTr w="12700" cmpd="sng">
+                      <a:noFill/>
+                      <a:prstDash val="solid"/>
+                    </a:lnBlToTr>
+                    <a:noFill/>
+                  </a:tcPr>
+                </a:tc>
+                <a:tc>
+                  <a:txBody>
+                    <a:bodyPr/>
+                    <a:lstStyle/>
+                    <a:p>
+                      <a:r>
+                        <a:rPr lang="en-US" sz="1600">
+                          <a:solidFill>
+                            <a:schemeClr val="tx1"/>
+                          </a:solidFill>
+                          <a:effectLst/>
+                          <a:latin typeface="Arial" panose="020B0604020202020204" pitchFamily="34" charset="0"/>
+                          <a:cs typeface="Arial" panose="020B0604020202020204" pitchFamily="34" charset="0"/>
+                        </a:rPr>
+                        <a:t>No treatment</a:t>
+                      </a:r>
+                    </a:p>
+                  </a:txBody>
+                  <a:tcPr marL="12575" marR="12575" marT="10060" marB="10060" anchor="ctr">
+                    <a:lnL w="12700" cap="flat" cmpd="sng" algn="ctr">
+                      <a:solidFill>
+                        <a:schemeClr val="tx1"/>
+                      </a:solidFill>
+                      <a:prstDash val="solid"/>
+                      <a:round/>
+                      <a:headEnd type="none" w="med" len="med"/>
+                      <a:tailEnd type="none" w="med" len="med"/>
+                    </a:lnL>
+                    <a:lnR w="12700" cap="flat" cmpd="sng" algn="ctr">
+                      <a:solidFill>
+                        <a:schemeClr val="tx1"/>
+                      </a:solidFill>
+                      <a:prstDash val="solid"/>
+                      <a:round/>
+                      <a:headEnd type="none" w="med" len="med"/>
+                      <a:tailEnd type="none" w="med" len="med"/>
+                    </a:lnR>
+                    <a:lnT w="12700" cap="flat" cmpd="sng" algn="ctr">
+                      <a:solidFill>
+                        <a:schemeClr val="tx1"/>
+                      </a:solidFill>
+                      <a:prstDash val="solid"/>
+                      <a:round/>
+                      <a:headEnd type="none" w="med" len="med"/>
+                      <a:tailEnd type="none" w="med" len="med"/>
+                    </a:lnT>
+                    <a:lnB w="12700" cap="flat" cmpd="sng" algn="ctr">
+                      <a:solidFill>
+                        <a:schemeClr val="tx1"/>
+                      </a:solidFill>
+                      <a:prstDash val="solid"/>
+                      <a:round/>
+                      <a:headEnd type="none" w="med" len="med"/>
+                      <a:tailEnd type="none" w="med" len="med"/>
+                    </a:lnB>
+                    <a:lnTlToBr w="12700" cmpd="sng">
+                      <a:noFill/>
+                      <a:prstDash val="solid"/>
+                    </a:lnTlToBr>
+                    <a:lnBlToTr w="12700" cmpd="sng">
+                      <a:noFill/>
+                      <a:prstDash val="solid"/>
+                    </a:lnBlToTr>
+                    <a:noFill/>
+                  </a:tcPr>
+                </a:tc>
+                <a:tc>
+                  <a:txBody>
+                    <a:bodyPr/>
+                    <a:lstStyle/>
+                    <a:p>
+                      <a:r>
+                        <a:rPr lang="en-US" sz="1600" dirty="0">
+                          <a:solidFill>
+                            <a:schemeClr val="tx1"/>
+                          </a:solidFill>
+                          <a:effectLst/>
+                          <a:latin typeface="Arial" panose="020B0604020202020204" pitchFamily="34" charset="0"/>
+                          <a:cs typeface="Arial" panose="020B0604020202020204" pitchFamily="34" charset="0"/>
+                        </a:rPr>
+                        <a:t>2</a:t>
+                      </a:r>
+                    </a:p>
+                  </a:txBody>
+                  <a:tcPr marL="12575" marR="12575" marT="10060" marB="10060" anchor="ctr">
+                    <a:lnL w="12700" cap="flat" cmpd="sng" algn="ctr">
+                      <a:solidFill>
+                        <a:schemeClr val="tx1"/>
+                      </a:solidFill>
+                      <a:prstDash val="solid"/>
+                      <a:round/>
+                      <a:headEnd type="none" w="med" len="med"/>
+                      <a:tailEnd type="none" w="med" len="med"/>
+                    </a:lnL>
+                    <a:lnR w="12700" cap="flat" cmpd="sng" algn="ctr">
+                      <a:solidFill>
+                        <a:schemeClr val="tx1"/>
+                      </a:solidFill>
+                      <a:prstDash val="solid"/>
+                      <a:round/>
+                      <a:headEnd type="none" w="med" len="med"/>
+                      <a:tailEnd type="none" w="med" len="med"/>
+                    </a:lnR>
+                    <a:lnT w="12700" cap="flat" cmpd="sng" algn="ctr">
+                      <a:solidFill>
+                        <a:schemeClr val="tx1"/>
+                      </a:solidFill>
+                      <a:prstDash val="solid"/>
+                      <a:round/>
+                      <a:headEnd type="none" w="med" len="med"/>
+                      <a:tailEnd type="none" w="med" len="med"/>
+                    </a:lnT>
+                    <a:lnB w="12700" cap="flat" cmpd="sng" algn="ctr">
+                      <a:solidFill>
+                        <a:schemeClr val="tx1"/>
+                      </a:solidFill>
+                      <a:prstDash val="solid"/>
+                      <a:round/>
+                      <a:headEnd type="none" w="med" len="med"/>
+                      <a:tailEnd type="none" w="med" len="med"/>
+                    </a:lnB>
+                    <a:lnTlToBr w="12700" cmpd="sng">
+                      <a:noFill/>
+                      <a:prstDash val="solid"/>
+                    </a:lnTlToBr>
+                    <a:lnBlToTr w="12700" cmpd="sng">
+                      <a:noFill/>
+                      <a:prstDash val="solid"/>
+                    </a:lnBlToTr>
+                    <a:noFill/>
+                  </a:tcPr>
+                </a:tc>
+                <a:tc>
+                  <a:txBody>
+                    <a:bodyPr/>
+                    <a:lstStyle/>
+                    <a:p>
+                      <a:pPr algn="r"/>
+                      <a:r>
+                        <a:rPr lang="en-US" sz="1600" dirty="0">
+                          <a:effectLst/>
+                          <a:latin typeface="Arial" panose="020B0604020202020204" pitchFamily="34" charset="0"/>
+                          <a:cs typeface="Arial" panose="020B0604020202020204" pitchFamily="34" charset="0"/>
+                        </a:rPr>
+                        <a:t>-0.3596783</a:t>
+                      </a:r>
+                    </a:p>
+                  </a:txBody>
+                  <a:tcPr marL="24501" marR="24501" marT="19601" marB="19601" anchor="ctr">
+                    <a:lnL w="12700" cap="flat" cmpd="sng" algn="ctr">
+                      <a:solidFill>
+                        <a:schemeClr val="tx1"/>
+                      </a:solidFill>
+                      <a:prstDash val="solid"/>
+                      <a:round/>
+                      <a:headEnd type="none" w="med" len="med"/>
+                      <a:tailEnd type="none" w="med" len="med"/>
+                    </a:lnL>
+                    <a:lnR w="12700" cap="flat" cmpd="sng" algn="ctr">
+                      <a:solidFill>
+                        <a:schemeClr val="tx1"/>
+                      </a:solidFill>
+                      <a:prstDash val="solid"/>
+                      <a:round/>
+                      <a:headEnd type="none" w="med" len="med"/>
+                      <a:tailEnd type="none" w="med" len="med"/>
+                    </a:lnR>
+                    <a:lnT w="12700" cap="flat" cmpd="sng" algn="ctr">
+                      <a:solidFill>
+                        <a:schemeClr val="tx1"/>
+                      </a:solidFill>
+                      <a:prstDash val="solid"/>
+                      <a:round/>
+                      <a:headEnd type="none" w="med" len="med"/>
+                      <a:tailEnd type="none" w="med" len="med"/>
+                    </a:lnT>
+                    <a:lnB w="12700" cap="flat" cmpd="sng" algn="ctr">
+                      <a:solidFill>
+                        <a:schemeClr val="tx1"/>
+                      </a:solidFill>
+                      <a:prstDash val="solid"/>
+                      <a:round/>
+                      <a:headEnd type="none" w="med" len="med"/>
+                      <a:tailEnd type="none" w="med" len="med"/>
+                    </a:lnB>
+                    <a:lnTlToBr w="12700" cmpd="sng">
+                      <a:noFill/>
+                      <a:prstDash val="solid"/>
+                    </a:lnTlToBr>
+                    <a:lnBlToTr w="12700" cmpd="sng">
+                      <a:noFill/>
+                      <a:prstDash val="solid"/>
+                    </a:lnBlToTr>
+                    <a:noFill/>
+                  </a:tcPr>
+                </a:tc>
+                <a:tc>
+                  <a:txBody>
+                    <a:bodyPr/>
+                    <a:lstStyle/>
+                    <a:p>
+                      <a:pPr algn="r"/>
+                      <a:r>
+                        <a:rPr lang="en-US" sz="1600" dirty="0">
+                          <a:effectLst/>
+                          <a:latin typeface="Arial" panose="020B0604020202020204" pitchFamily="34" charset="0"/>
+                          <a:cs typeface="Arial" panose="020B0604020202020204" pitchFamily="34" charset="0"/>
+                        </a:rPr>
+                        <a:t>0.66237222</a:t>
+                      </a:r>
+                    </a:p>
+                  </a:txBody>
+                  <a:tcPr marL="24501" marR="24501" marT="19601" marB="19601" anchor="ctr">
+                    <a:lnL w="12700" cap="flat" cmpd="sng" algn="ctr">
+                      <a:solidFill>
+                        <a:schemeClr val="tx1"/>
+                      </a:solidFill>
+                      <a:prstDash val="solid"/>
+                      <a:round/>
+                      <a:headEnd type="none" w="med" len="med"/>
+                      <a:tailEnd type="none" w="med" len="med"/>
+                    </a:lnL>
+                    <a:lnR w="12700" cap="flat" cmpd="sng" algn="ctr">
+                      <a:solidFill>
+                        <a:schemeClr val="tx1"/>
+                      </a:solidFill>
+                      <a:prstDash val="solid"/>
+                      <a:round/>
+                      <a:headEnd type="none" w="med" len="med"/>
+                      <a:tailEnd type="none" w="med" len="med"/>
+                    </a:lnR>
+                    <a:lnT w="12700" cap="flat" cmpd="sng" algn="ctr">
+                      <a:solidFill>
+                        <a:schemeClr val="tx1"/>
+                      </a:solidFill>
+                      <a:prstDash val="solid"/>
+                      <a:round/>
+                      <a:headEnd type="none" w="med" len="med"/>
+                      <a:tailEnd type="none" w="med" len="med"/>
+                    </a:lnT>
+                    <a:lnB w="12700" cap="flat" cmpd="sng" algn="ctr">
+                      <a:solidFill>
+                        <a:schemeClr val="tx1"/>
+                      </a:solidFill>
+                      <a:prstDash val="solid"/>
+                      <a:round/>
+                      <a:headEnd type="none" w="med" len="med"/>
+                      <a:tailEnd type="none" w="med" len="med"/>
+                    </a:lnB>
+                    <a:lnTlToBr w="12700" cmpd="sng">
+                      <a:noFill/>
+                      <a:prstDash val="solid"/>
+                    </a:lnTlToBr>
+                    <a:lnBlToTr w="12700" cmpd="sng">
+                      <a:noFill/>
+                      <a:prstDash val="solid"/>
+                    </a:lnBlToTr>
+                    <a:noFill/>
+                  </a:tcPr>
+                </a:tc>
+                <a:extLst>
+                  <a:ext uri="{0D108BD9-81ED-4DB2-BD59-A6C34878D82A}">
+                    <a16:rowId xmlns:a16="http://schemas.microsoft.com/office/drawing/2014/main" val="3227839650"/>
+                  </a:ext>
+                </a:extLst>
+              </a:tr>
+              <a:tr h="417952">
+                <a:tc>
+                  <a:txBody>
+                    <a:bodyPr/>
+                    <a:lstStyle/>
+                    <a:p>
+                      <a:r>
+                        <a:rPr lang="en-US" sz="1600" dirty="0">
+                          <a:solidFill>
+                            <a:schemeClr val="tx1"/>
+                          </a:solidFill>
+                          <a:effectLst/>
+                          <a:latin typeface="Arial" panose="020B0604020202020204" pitchFamily="34" charset="0"/>
+                          <a:cs typeface="Arial" panose="020B0604020202020204" pitchFamily="34" charset="0"/>
+                        </a:rPr>
+                        <a:t>Romaine</a:t>
+                      </a:r>
+                    </a:p>
+                  </a:txBody>
+                  <a:tcPr marL="12575" marR="12575" marT="10060" marB="10060" anchor="ctr">
+                    <a:lnL w="12700" cap="flat" cmpd="sng" algn="ctr">
+                      <a:solidFill>
+                        <a:schemeClr val="tx1"/>
+                      </a:solidFill>
+                      <a:prstDash val="solid"/>
+                      <a:round/>
+                      <a:headEnd type="none" w="med" len="med"/>
+                      <a:tailEnd type="none" w="med" len="med"/>
+                    </a:lnL>
+                    <a:lnR w="12700" cap="flat" cmpd="sng" algn="ctr">
+                      <a:solidFill>
+                        <a:schemeClr val="tx1"/>
+                      </a:solidFill>
+                      <a:prstDash val="solid"/>
+                      <a:round/>
+                      <a:headEnd type="none" w="med" len="med"/>
+                      <a:tailEnd type="none" w="med" len="med"/>
+                    </a:lnR>
+                    <a:lnT w="12700" cap="flat" cmpd="sng" algn="ctr">
+                      <a:solidFill>
+                        <a:schemeClr val="tx1"/>
+                      </a:solidFill>
+                      <a:prstDash val="solid"/>
+                      <a:round/>
+                      <a:headEnd type="none" w="med" len="med"/>
+                      <a:tailEnd type="none" w="med" len="med"/>
+                    </a:lnT>
+                    <a:lnB w="12700" cap="flat" cmpd="sng" algn="ctr">
+                      <a:solidFill>
+                        <a:schemeClr val="tx1"/>
+                      </a:solidFill>
+                      <a:prstDash val="solid"/>
+                      <a:round/>
+                      <a:headEnd type="none" w="med" len="med"/>
+                      <a:tailEnd type="none" w="med" len="med"/>
+                    </a:lnB>
+                    <a:lnTlToBr w="12700" cmpd="sng">
+                      <a:noFill/>
+                      <a:prstDash val="solid"/>
+                    </a:lnTlToBr>
+                    <a:lnBlToTr w="12700" cmpd="sng">
+                      <a:noFill/>
+                      <a:prstDash val="solid"/>
+                    </a:lnBlToTr>
+                    <a:noFill/>
+                  </a:tcPr>
+                </a:tc>
+                <a:tc>
+                  <a:txBody>
+                    <a:bodyPr/>
+                    <a:lstStyle/>
+                    <a:p>
+                      <a:r>
+                        <a:rPr lang="en-US" sz="1600" dirty="0">
+                          <a:solidFill>
+                            <a:schemeClr val="tx1"/>
+                          </a:solidFill>
+                          <a:effectLst/>
+                          <a:latin typeface="Arial" panose="020B0604020202020204" pitchFamily="34" charset="0"/>
+                          <a:cs typeface="Arial" panose="020B0604020202020204" pitchFamily="34" charset="0"/>
+                        </a:rPr>
+                        <a:t>No treatment</a:t>
+                      </a:r>
+                    </a:p>
+                  </a:txBody>
+                  <a:tcPr marL="12575" marR="12575" marT="10060" marB="10060" anchor="ctr">
+                    <a:lnL w="12700" cap="flat" cmpd="sng" algn="ctr">
+                      <a:solidFill>
+                        <a:schemeClr val="tx1"/>
+                      </a:solidFill>
+                      <a:prstDash val="solid"/>
+                      <a:round/>
+                      <a:headEnd type="none" w="med" len="med"/>
+                      <a:tailEnd type="none" w="med" len="med"/>
+                    </a:lnL>
+                    <a:lnR w="12700" cap="flat" cmpd="sng" algn="ctr">
+                      <a:solidFill>
+                        <a:schemeClr val="tx1"/>
+                      </a:solidFill>
+                      <a:prstDash val="solid"/>
+                      <a:round/>
+                      <a:headEnd type="none" w="med" len="med"/>
+                      <a:tailEnd type="none" w="med" len="med"/>
+                    </a:lnR>
+                    <a:lnT w="12700" cap="flat" cmpd="sng" algn="ctr">
+                      <a:solidFill>
+                        <a:schemeClr val="tx1"/>
+                      </a:solidFill>
+                      <a:prstDash val="solid"/>
+                      <a:round/>
+                      <a:headEnd type="none" w="med" len="med"/>
+                      <a:tailEnd type="none" w="med" len="med"/>
+                    </a:lnT>
+                    <a:lnB w="12700" cap="flat" cmpd="sng" algn="ctr">
+                      <a:solidFill>
+                        <a:schemeClr val="tx1"/>
+                      </a:solidFill>
+                      <a:prstDash val="solid"/>
+                      <a:round/>
+                      <a:headEnd type="none" w="med" len="med"/>
+                      <a:tailEnd type="none" w="med" len="med"/>
+                    </a:lnB>
+                    <a:lnTlToBr w="12700" cmpd="sng">
+                      <a:noFill/>
+                      <a:prstDash val="solid"/>
+                    </a:lnTlToBr>
+                    <a:lnBlToTr w="12700" cmpd="sng">
+                      <a:noFill/>
+                      <a:prstDash val="solid"/>
+                    </a:lnBlToTr>
+                    <a:noFill/>
+                  </a:tcPr>
+                </a:tc>
+                <a:tc>
+                  <a:txBody>
+                    <a:bodyPr/>
+                    <a:lstStyle/>
+                    <a:p>
+                      <a:r>
+                        <a:rPr lang="en-US" sz="1600">
+                          <a:solidFill>
+                            <a:schemeClr val="tx1"/>
+                          </a:solidFill>
+                          <a:effectLst/>
+                          <a:latin typeface="Arial" panose="020B0604020202020204" pitchFamily="34" charset="0"/>
+                          <a:cs typeface="Arial" panose="020B0604020202020204" pitchFamily="34" charset="0"/>
+                        </a:rPr>
+                        <a:t>4</a:t>
+                      </a:r>
+                    </a:p>
+                  </a:txBody>
+                  <a:tcPr marL="12575" marR="12575" marT="10060" marB="10060" anchor="ctr">
+                    <a:lnL w="12700" cap="flat" cmpd="sng" algn="ctr">
+                      <a:solidFill>
+                        <a:schemeClr val="tx1"/>
+                      </a:solidFill>
+                      <a:prstDash val="solid"/>
+                      <a:round/>
+                      <a:headEnd type="none" w="med" len="med"/>
+                      <a:tailEnd type="none" w="med" len="med"/>
+                    </a:lnL>
+                    <a:lnR w="12700" cap="flat" cmpd="sng" algn="ctr">
+                      <a:solidFill>
+                        <a:schemeClr val="tx1"/>
+                      </a:solidFill>
+                      <a:prstDash val="solid"/>
+                      <a:round/>
+                      <a:headEnd type="none" w="med" len="med"/>
+                      <a:tailEnd type="none" w="med" len="med"/>
+                    </a:lnR>
+                    <a:lnT w="12700" cap="flat" cmpd="sng" algn="ctr">
+                      <a:solidFill>
+                        <a:schemeClr val="tx1"/>
+                      </a:solidFill>
+                      <a:prstDash val="solid"/>
+                      <a:round/>
+                      <a:headEnd type="none" w="med" len="med"/>
+                      <a:tailEnd type="none" w="med" len="med"/>
+                    </a:lnT>
+                    <a:lnB w="12700" cap="flat" cmpd="sng" algn="ctr">
+                      <a:solidFill>
+                        <a:schemeClr val="tx1"/>
+                      </a:solidFill>
+                      <a:prstDash val="solid"/>
+                      <a:round/>
+                      <a:headEnd type="none" w="med" len="med"/>
+                      <a:tailEnd type="none" w="med" len="med"/>
+                    </a:lnB>
+                    <a:lnTlToBr w="12700" cmpd="sng">
+                      <a:noFill/>
+                      <a:prstDash val="solid"/>
+                    </a:lnTlToBr>
+                    <a:lnBlToTr w="12700" cmpd="sng">
+                      <a:noFill/>
+                      <a:prstDash val="solid"/>
+                    </a:lnBlToTr>
+                    <a:noFill/>
+                  </a:tcPr>
+                </a:tc>
+                <a:tc>
+                  <a:txBody>
+                    <a:bodyPr/>
+                    <a:lstStyle/>
+                    <a:p>
+                      <a:pPr algn="r"/>
+                      <a:r>
+                        <a:rPr lang="en-US" sz="1600" dirty="0">
+                          <a:effectLst/>
+                          <a:latin typeface="Arial" panose="020B0604020202020204" pitchFamily="34" charset="0"/>
+                          <a:cs typeface="Arial" panose="020B0604020202020204" pitchFamily="34" charset="0"/>
+                        </a:rPr>
+                        <a:t>1.4908743</a:t>
+                      </a:r>
+                    </a:p>
+                  </a:txBody>
+                  <a:tcPr marL="24501" marR="24501" marT="19601" marB="19601" anchor="ctr">
+                    <a:lnL w="12700" cap="flat" cmpd="sng" algn="ctr">
+                      <a:solidFill>
+                        <a:schemeClr val="tx1"/>
+                      </a:solidFill>
+                      <a:prstDash val="solid"/>
+                      <a:round/>
+                      <a:headEnd type="none" w="med" len="med"/>
+                      <a:tailEnd type="none" w="med" len="med"/>
+                    </a:lnL>
+                    <a:lnR w="12700" cap="flat" cmpd="sng" algn="ctr">
+                      <a:solidFill>
+                        <a:schemeClr val="tx1"/>
+                      </a:solidFill>
+                      <a:prstDash val="solid"/>
+                      <a:round/>
+                      <a:headEnd type="none" w="med" len="med"/>
+                      <a:tailEnd type="none" w="med" len="med"/>
+                    </a:lnR>
+                    <a:lnT w="12700" cap="flat" cmpd="sng" algn="ctr">
+                      <a:solidFill>
+                        <a:schemeClr val="tx1"/>
+                      </a:solidFill>
+                      <a:prstDash val="solid"/>
+                      <a:round/>
+                      <a:headEnd type="none" w="med" len="med"/>
+                      <a:tailEnd type="none" w="med" len="med"/>
+                    </a:lnT>
+                    <a:lnB w="12700" cap="flat" cmpd="sng" algn="ctr">
+                      <a:solidFill>
+                        <a:schemeClr val="tx1"/>
+                      </a:solidFill>
+                      <a:prstDash val="solid"/>
+                      <a:round/>
+                      <a:headEnd type="none" w="med" len="med"/>
+                      <a:tailEnd type="none" w="med" len="med"/>
+                    </a:lnB>
+                    <a:lnTlToBr w="12700" cmpd="sng">
+                      <a:noFill/>
+                      <a:prstDash val="solid"/>
+                    </a:lnTlToBr>
+                    <a:lnBlToTr w="12700" cmpd="sng">
+                      <a:noFill/>
+                      <a:prstDash val="solid"/>
+                    </a:lnBlToTr>
+                    <a:noFill/>
+                  </a:tcPr>
+                </a:tc>
+                <a:tc>
+                  <a:txBody>
+                    <a:bodyPr/>
+                    <a:lstStyle/>
+                    <a:p>
+                      <a:pPr algn="r"/>
+                      <a:r>
+                        <a:rPr lang="en-US" sz="1600" dirty="0">
+                          <a:effectLst/>
+                          <a:latin typeface="Arial" panose="020B0604020202020204" pitchFamily="34" charset="0"/>
+                          <a:cs typeface="Arial" panose="020B0604020202020204" pitchFamily="34" charset="0"/>
+                        </a:rPr>
+                        <a:t>0.96242701</a:t>
+                      </a:r>
+                    </a:p>
+                  </a:txBody>
+                  <a:tcPr marL="24501" marR="24501" marT="19601" marB="19601" anchor="ctr">
+                    <a:lnL w="12700" cap="flat" cmpd="sng" algn="ctr">
+                      <a:solidFill>
+                        <a:schemeClr val="tx1"/>
+                      </a:solidFill>
+                      <a:prstDash val="solid"/>
+                      <a:round/>
+                      <a:headEnd type="none" w="med" len="med"/>
+                      <a:tailEnd type="none" w="med" len="med"/>
+                    </a:lnL>
+                    <a:lnR w="12700" cap="flat" cmpd="sng" algn="ctr">
+                      <a:solidFill>
+                        <a:schemeClr val="tx1"/>
+                      </a:solidFill>
+                      <a:prstDash val="solid"/>
+                      <a:round/>
+                      <a:headEnd type="none" w="med" len="med"/>
+                      <a:tailEnd type="none" w="med" len="med"/>
+                    </a:lnR>
+                    <a:lnT w="12700" cap="flat" cmpd="sng" algn="ctr">
+                      <a:solidFill>
+                        <a:schemeClr val="tx1"/>
+                      </a:solidFill>
+                      <a:prstDash val="solid"/>
+                      <a:round/>
+                      <a:headEnd type="none" w="med" len="med"/>
+                      <a:tailEnd type="none" w="med" len="med"/>
+                    </a:lnT>
+                    <a:lnB w="12700" cap="flat" cmpd="sng" algn="ctr">
+                      <a:solidFill>
+                        <a:schemeClr val="tx1"/>
+                      </a:solidFill>
+                      <a:prstDash val="solid"/>
+                      <a:round/>
+                      <a:headEnd type="none" w="med" len="med"/>
+                      <a:tailEnd type="none" w="med" len="med"/>
+                    </a:lnB>
+                    <a:lnTlToBr w="12700" cmpd="sng">
+                      <a:noFill/>
+                      <a:prstDash val="solid"/>
+                    </a:lnTlToBr>
+                    <a:lnBlToTr w="12700" cmpd="sng">
+                      <a:noFill/>
+                      <a:prstDash val="solid"/>
+                    </a:lnBlToTr>
+                    <a:noFill/>
+                  </a:tcPr>
+                </a:tc>
+                <a:extLst>
+                  <a:ext uri="{0D108BD9-81ED-4DB2-BD59-A6C34878D82A}">
+                    <a16:rowId xmlns:a16="http://schemas.microsoft.com/office/drawing/2014/main" val="2546931406"/>
+                  </a:ext>
+                </a:extLst>
+              </a:tr>
+              <a:tr h="417952">
+                <a:tc>
+                  <a:txBody>
+                    <a:bodyPr/>
+                    <a:lstStyle/>
+                    <a:p>
+                      <a:r>
+                        <a:rPr lang="en-US" sz="1600" dirty="0">
+                          <a:solidFill>
+                            <a:schemeClr val="tx1"/>
+                          </a:solidFill>
+                          <a:effectLst/>
+                          <a:latin typeface="Arial" panose="020B0604020202020204" pitchFamily="34" charset="0"/>
+                          <a:cs typeface="Arial" panose="020B0604020202020204" pitchFamily="34" charset="0"/>
+                        </a:rPr>
+                        <a:t>Romaine</a:t>
+                      </a:r>
+                    </a:p>
+                  </a:txBody>
+                  <a:tcPr marL="12575" marR="12575" marT="10060" marB="10060" anchor="ctr">
+                    <a:lnL w="12700" cap="flat" cmpd="sng" algn="ctr">
+                      <a:solidFill>
+                        <a:schemeClr val="tx1"/>
+                      </a:solidFill>
+                      <a:prstDash val="solid"/>
+                      <a:round/>
+                      <a:headEnd type="none" w="med" len="med"/>
+                      <a:tailEnd type="none" w="med" len="med"/>
+                    </a:lnL>
+                    <a:lnR w="12700" cap="flat" cmpd="sng" algn="ctr">
+                      <a:solidFill>
+                        <a:schemeClr val="tx1"/>
+                      </a:solidFill>
+                      <a:prstDash val="solid"/>
+                      <a:round/>
+                      <a:headEnd type="none" w="med" len="med"/>
+                      <a:tailEnd type="none" w="med" len="med"/>
+                    </a:lnR>
+                    <a:lnT w="12700" cap="flat" cmpd="sng" algn="ctr">
+                      <a:solidFill>
+                        <a:schemeClr val="tx1"/>
+                      </a:solidFill>
+                      <a:prstDash val="solid"/>
+                      <a:round/>
+                      <a:headEnd type="none" w="med" len="med"/>
+                      <a:tailEnd type="none" w="med" len="med"/>
+                    </a:lnT>
+                    <a:lnB w="12700" cap="flat" cmpd="sng" algn="ctr">
+                      <a:solidFill>
+                        <a:schemeClr val="tx1"/>
+                      </a:solidFill>
+                      <a:prstDash val="solid"/>
+                      <a:round/>
+                      <a:headEnd type="none" w="med" len="med"/>
+                      <a:tailEnd type="none" w="med" len="med"/>
+                    </a:lnB>
+                    <a:lnTlToBr w="12700" cmpd="sng">
+                      <a:noFill/>
+                      <a:prstDash val="solid"/>
+                    </a:lnTlToBr>
+                    <a:lnBlToTr w="12700" cmpd="sng">
+                      <a:noFill/>
+                      <a:prstDash val="solid"/>
+                    </a:lnBlToTr>
+                    <a:noFill/>
+                  </a:tcPr>
+                </a:tc>
+                <a:tc>
+                  <a:txBody>
+                    <a:bodyPr/>
+                    <a:lstStyle/>
+                    <a:p>
+                      <a:r>
+                        <a:rPr lang="en-US" sz="1600" dirty="0">
+                          <a:solidFill>
+                            <a:schemeClr val="tx1"/>
+                          </a:solidFill>
+                          <a:effectLst/>
+                          <a:latin typeface="Arial" panose="020B0604020202020204" pitchFamily="34" charset="0"/>
+                          <a:cs typeface="Arial" panose="020B0604020202020204" pitchFamily="34" charset="0"/>
+                        </a:rPr>
+                        <a:t>L-cysteine 500 ppm</a:t>
+                      </a:r>
+                    </a:p>
+                  </a:txBody>
+                  <a:tcPr marL="12575" marR="12575" marT="10060" marB="10060" anchor="ctr">
+                    <a:lnL w="12700" cap="flat" cmpd="sng" algn="ctr">
+                      <a:solidFill>
+                        <a:schemeClr val="tx1"/>
+                      </a:solidFill>
+                      <a:prstDash val="solid"/>
+                      <a:round/>
+                      <a:headEnd type="none" w="med" len="med"/>
+                      <a:tailEnd type="none" w="med" len="med"/>
+                    </a:lnL>
+                    <a:lnR w="12700" cap="flat" cmpd="sng" algn="ctr">
+                      <a:solidFill>
+                        <a:schemeClr val="tx1"/>
+                      </a:solidFill>
+                      <a:prstDash val="solid"/>
+                      <a:round/>
+                      <a:headEnd type="none" w="med" len="med"/>
+                      <a:tailEnd type="none" w="med" len="med"/>
+                    </a:lnR>
+                    <a:lnT w="12700" cap="flat" cmpd="sng" algn="ctr">
+                      <a:solidFill>
+                        <a:schemeClr val="tx1"/>
+                      </a:solidFill>
+                      <a:prstDash val="solid"/>
+                      <a:round/>
+                      <a:headEnd type="none" w="med" len="med"/>
+                      <a:tailEnd type="none" w="med" len="med"/>
+                    </a:lnT>
+                    <a:lnB w="12700" cap="flat" cmpd="sng" algn="ctr">
+                      <a:solidFill>
+                        <a:schemeClr val="tx1"/>
+                      </a:solidFill>
+                      <a:prstDash val="solid"/>
+                      <a:round/>
+                      <a:headEnd type="none" w="med" len="med"/>
+                      <a:tailEnd type="none" w="med" len="med"/>
+                    </a:lnB>
+                    <a:lnTlToBr w="12700" cmpd="sng">
+                      <a:noFill/>
+                      <a:prstDash val="solid"/>
+                    </a:lnTlToBr>
+                    <a:lnBlToTr w="12700" cmpd="sng">
+                      <a:noFill/>
+                      <a:prstDash val="solid"/>
+                    </a:lnBlToTr>
+                    <a:noFill/>
+                  </a:tcPr>
+                </a:tc>
+                <a:tc>
+                  <a:txBody>
+                    <a:bodyPr/>
+                    <a:lstStyle/>
+                    <a:p>
+                      <a:r>
+                        <a:rPr lang="en-US" sz="1600" dirty="0">
+                          <a:solidFill>
+                            <a:schemeClr val="tx1"/>
+                          </a:solidFill>
+                          <a:effectLst/>
+                          <a:latin typeface="Arial" panose="020B0604020202020204" pitchFamily="34" charset="0"/>
+                          <a:cs typeface="Arial" panose="020B0604020202020204" pitchFamily="34" charset="0"/>
+                        </a:rPr>
+                        <a:t>0</a:t>
+                      </a:r>
+                    </a:p>
+                  </a:txBody>
+                  <a:tcPr marL="12575" marR="12575" marT="10060" marB="10060" anchor="ctr">
+                    <a:lnL w="12700" cap="flat" cmpd="sng" algn="ctr">
+                      <a:solidFill>
+                        <a:schemeClr val="tx1"/>
+                      </a:solidFill>
+                      <a:prstDash val="solid"/>
+                      <a:round/>
+                      <a:headEnd type="none" w="med" len="med"/>
+                      <a:tailEnd type="none" w="med" len="med"/>
+                    </a:lnL>
+                    <a:lnR w="12700" cap="flat" cmpd="sng" algn="ctr">
+                      <a:solidFill>
+                        <a:schemeClr val="tx1"/>
+                      </a:solidFill>
+                      <a:prstDash val="solid"/>
+                      <a:round/>
+                      <a:headEnd type="none" w="med" len="med"/>
+                      <a:tailEnd type="none" w="med" len="med"/>
+                    </a:lnR>
+                    <a:lnT w="12700" cap="flat" cmpd="sng" algn="ctr">
+                      <a:solidFill>
+                        <a:schemeClr val="tx1"/>
+                      </a:solidFill>
+                      <a:prstDash val="solid"/>
+                      <a:round/>
+                      <a:headEnd type="none" w="med" len="med"/>
+                      <a:tailEnd type="none" w="med" len="med"/>
+                    </a:lnT>
+                    <a:lnB w="12700" cap="flat" cmpd="sng" algn="ctr">
+                      <a:solidFill>
+                        <a:schemeClr val="tx1"/>
+                      </a:solidFill>
+                      <a:prstDash val="solid"/>
+                      <a:round/>
+                      <a:headEnd type="none" w="med" len="med"/>
+                      <a:tailEnd type="none" w="med" len="med"/>
+                    </a:lnB>
+                    <a:lnTlToBr w="12700" cmpd="sng">
+                      <a:noFill/>
+                      <a:prstDash val="solid"/>
+                    </a:lnTlToBr>
+                    <a:lnBlToTr w="12700" cmpd="sng">
+                      <a:noFill/>
+                      <a:prstDash val="solid"/>
+                    </a:lnBlToTr>
+                    <a:noFill/>
+                  </a:tcPr>
+                </a:tc>
+                <a:tc>
+                  <a:txBody>
+                    <a:bodyPr/>
+                    <a:lstStyle/>
+                    <a:p>
+                      <a:pPr algn="r"/>
+                      <a:r>
+                        <a:rPr lang="en-US" sz="1600" dirty="0">
+                          <a:effectLst/>
+                          <a:latin typeface="Arial" panose="020B0604020202020204" pitchFamily="34" charset="0"/>
+                          <a:cs typeface="Arial" panose="020B0604020202020204" pitchFamily="34" charset="0"/>
+                        </a:rPr>
+                        <a:t>-5.2519584</a:t>
+                      </a:r>
+                    </a:p>
+                  </a:txBody>
+                  <a:tcPr marL="24501" marR="24501" marT="19601" marB="19601" anchor="ctr">
+                    <a:lnL w="12700" cap="flat" cmpd="sng" algn="ctr">
+                      <a:solidFill>
+                        <a:schemeClr val="tx1"/>
+                      </a:solidFill>
+                      <a:prstDash val="solid"/>
+                      <a:round/>
+                      <a:headEnd type="none" w="med" len="med"/>
+                      <a:tailEnd type="none" w="med" len="med"/>
+                    </a:lnL>
+                    <a:lnR w="12700" cap="flat" cmpd="sng" algn="ctr">
+                      <a:solidFill>
+                        <a:schemeClr val="tx1"/>
+                      </a:solidFill>
+                      <a:prstDash val="solid"/>
+                      <a:round/>
+                      <a:headEnd type="none" w="med" len="med"/>
+                      <a:tailEnd type="none" w="med" len="med"/>
+                    </a:lnR>
+                    <a:lnT w="12700" cap="flat" cmpd="sng" algn="ctr">
+                      <a:solidFill>
+                        <a:schemeClr val="tx1"/>
+                      </a:solidFill>
+                      <a:prstDash val="solid"/>
+                      <a:round/>
+                      <a:headEnd type="none" w="med" len="med"/>
+                      <a:tailEnd type="none" w="med" len="med"/>
+                    </a:lnT>
+                    <a:lnB w="12700" cap="flat" cmpd="sng" algn="ctr">
+                      <a:solidFill>
+                        <a:schemeClr val="tx1"/>
+                      </a:solidFill>
+                      <a:prstDash val="solid"/>
+                      <a:round/>
+                      <a:headEnd type="none" w="med" len="med"/>
+                      <a:tailEnd type="none" w="med" len="med"/>
+                    </a:lnB>
+                    <a:lnTlToBr w="12700" cmpd="sng">
+                      <a:noFill/>
+                      <a:prstDash val="solid"/>
+                    </a:lnTlToBr>
+                    <a:lnBlToTr w="12700" cmpd="sng">
+                      <a:noFill/>
+                      <a:prstDash val="solid"/>
+                    </a:lnBlToTr>
+                    <a:noFill/>
+                  </a:tcPr>
+                </a:tc>
+                <a:tc>
+                  <a:txBody>
+                    <a:bodyPr/>
+                    <a:lstStyle/>
+                    <a:p>
+                      <a:pPr algn="r"/>
+                      <a:r>
+                        <a:rPr lang="en-US" sz="1600" dirty="0">
+                          <a:effectLst/>
+                          <a:latin typeface="Arial" panose="020B0604020202020204" pitchFamily="34" charset="0"/>
+                          <a:cs typeface="Arial" panose="020B0604020202020204" pitchFamily="34" charset="0"/>
+                        </a:rPr>
+                        <a:t>0.06845061</a:t>
+                      </a:r>
+                    </a:p>
+                  </a:txBody>
+                  <a:tcPr marL="24501" marR="24501" marT="19601" marB="19601" anchor="ctr">
+                    <a:lnL w="12700" cap="flat" cmpd="sng" algn="ctr">
+                      <a:solidFill>
+                        <a:schemeClr val="tx1"/>
+                      </a:solidFill>
+                      <a:prstDash val="solid"/>
+                      <a:round/>
+                      <a:headEnd type="none" w="med" len="med"/>
+                      <a:tailEnd type="none" w="med" len="med"/>
+                    </a:lnL>
+                    <a:lnR w="12700" cap="flat" cmpd="sng" algn="ctr">
+                      <a:solidFill>
+                        <a:schemeClr val="tx1"/>
+                      </a:solidFill>
+                      <a:prstDash val="solid"/>
+                      <a:round/>
+                      <a:headEnd type="none" w="med" len="med"/>
+                      <a:tailEnd type="none" w="med" len="med"/>
+                    </a:lnR>
+                    <a:lnT w="12700" cap="flat" cmpd="sng" algn="ctr">
+                      <a:solidFill>
+                        <a:schemeClr val="tx1"/>
+                      </a:solidFill>
+                      <a:prstDash val="solid"/>
+                      <a:round/>
+                      <a:headEnd type="none" w="med" len="med"/>
+                      <a:tailEnd type="none" w="med" len="med"/>
+                    </a:lnT>
+                    <a:lnB w="12700" cap="flat" cmpd="sng" algn="ctr">
+                      <a:solidFill>
+                        <a:schemeClr val="tx1"/>
+                      </a:solidFill>
+                      <a:prstDash val="solid"/>
+                      <a:round/>
+                      <a:headEnd type="none" w="med" len="med"/>
+                      <a:tailEnd type="none" w="med" len="med"/>
+                    </a:lnB>
+                    <a:lnTlToBr w="12700" cmpd="sng">
+                      <a:noFill/>
+                      <a:prstDash val="solid"/>
+                    </a:lnTlToBr>
+                    <a:lnBlToTr w="12700" cmpd="sng">
+                      <a:noFill/>
+                      <a:prstDash val="solid"/>
+                    </a:lnBlToTr>
+                    <a:noFill/>
+                  </a:tcPr>
+                </a:tc>
+                <a:extLst>
+                  <a:ext uri="{0D108BD9-81ED-4DB2-BD59-A6C34878D82A}">
+                    <a16:rowId xmlns:a16="http://schemas.microsoft.com/office/drawing/2014/main" val="159550625"/>
+                  </a:ext>
+                </a:extLst>
+              </a:tr>
+              <a:tr h="417952">
+                <a:tc>
+                  <a:txBody>
+                    <a:bodyPr/>
+                    <a:lstStyle/>
+                    <a:p>
+                      <a:r>
+                        <a:rPr lang="en-US" sz="1600" dirty="0">
+                          <a:solidFill>
+                            <a:schemeClr val="tx1"/>
+                          </a:solidFill>
+                          <a:effectLst/>
+                          <a:latin typeface="Arial" panose="020B0604020202020204" pitchFamily="34" charset="0"/>
+                          <a:cs typeface="Arial" panose="020B0604020202020204" pitchFamily="34" charset="0"/>
+                        </a:rPr>
+                        <a:t>Romaine</a:t>
+                      </a:r>
+                    </a:p>
+                  </a:txBody>
+                  <a:tcPr marL="12575" marR="12575" marT="10060" marB="10060" anchor="ctr">
+                    <a:lnL w="12700" cap="flat" cmpd="sng" algn="ctr">
+                      <a:solidFill>
+                        <a:schemeClr val="tx1"/>
+                      </a:solidFill>
+                      <a:prstDash val="solid"/>
+                      <a:round/>
+                      <a:headEnd type="none" w="med" len="med"/>
+                      <a:tailEnd type="none" w="med" len="med"/>
+                    </a:lnL>
+                    <a:lnR w="12700" cap="flat" cmpd="sng" algn="ctr">
+                      <a:solidFill>
+                        <a:schemeClr val="tx1"/>
+                      </a:solidFill>
+                      <a:prstDash val="solid"/>
+                      <a:round/>
+                      <a:headEnd type="none" w="med" len="med"/>
+                      <a:tailEnd type="none" w="med" len="med"/>
+                    </a:lnR>
+                    <a:lnT w="12700" cap="flat" cmpd="sng" algn="ctr">
+                      <a:solidFill>
+                        <a:schemeClr val="tx1"/>
+                      </a:solidFill>
+                      <a:prstDash val="solid"/>
+                      <a:round/>
+                      <a:headEnd type="none" w="med" len="med"/>
+                      <a:tailEnd type="none" w="med" len="med"/>
+                    </a:lnT>
+                    <a:lnB w="12700" cap="flat" cmpd="sng" algn="ctr">
+                      <a:solidFill>
+                        <a:schemeClr val="tx1"/>
+                      </a:solidFill>
+                      <a:prstDash val="solid"/>
+                      <a:round/>
+                      <a:headEnd type="none" w="med" len="med"/>
+                      <a:tailEnd type="none" w="med" len="med"/>
+                    </a:lnB>
+                    <a:lnTlToBr w="12700" cmpd="sng">
+                      <a:noFill/>
+                      <a:prstDash val="solid"/>
+                    </a:lnTlToBr>
+                    <a:lnBlToTr w="12700" cmpd="sng">
+                      <a:noFill/>
+                      <a:prstDash val="solid"/>
+                    </a:lnBlToTr>
+                    <a:noFill/>
+                  </a:tcPr>
+                </a:tc>
+                <a:tc>
+                  <a:txBody>
+                    <a:bodyPr/>
+                    <a:lstStyle/>
+                    <a:p>
+                      <a:r>
+                        <a:rPr lang="en-US" sz="1600" dirty="0">
+                          <a:solidFill>
+                            <a:schemeClr val="tx1"/>
+                          </a:solidFill>
+                          <a:effectLst/>
+                          <a:latin typeface="Arial" panose="020B0604020202020204" pitchFamily="34" charset="0"/>
+                          <a:cs typeface="Arial" panose="020B0604020202020204" pitchFamily="34" charset="0"/>
+                        </a:rPr>
+                        <a:t>L-cysteine 500 ppm</a:t>
+                      </a:r>
+                    </a:p>
+                  </a:txBody>
+                  <a:tcPr marL="12575" marR="12575" marT="10060" marB="10060" anchor="ctr">
+                    <a:lnL w="12700" cap="flat" cmpd="sng" algn="ctr">
+                      <a:solidFill>
+                        <a:schemeClr val="tx1"/>
+                      </a:solidFill>
+                      <a:prstDash val="solid"/>
+                      <a:round/>
+                      <a:headEnd type="none" w="med" len="med"/>
+                      <a:tailEnd type="none" w="med" len="med"/>
+                    </a:lnL>
+                    <a:lnR w="12700" cap="flat" cmpd="sng" algn="ctr">
+                      <a:solidFill>
+                        <a:schemeClr val="tx1"/>
+                      </a:solidFill>
+                      <a:prstDash val="solid"/>
+                      <a:round/>
+                      <a:headEnd type="none" w="med" len="med"/>
+                      <a:tailEnd type="none" w="med" len="med"/>
+                    </a:lnR>
+                    <a:lnT w="12700" cap="flat" cmpd="sng" algn="ctr">
+                      <a:solidFill>
+                        <a:schemeClr val="tx1"/>
+                      </a:solidFill>
+                      <a:prstDash val="solid"/>
+                      <a:round/>
+                      <a:headEnd type="none" w="med" len="med"/>
+                      <a:tailEnd type="none" w="med" len="med"/>
+                    </a:lnT>
+                    <a:lnB w="12700" cap="flat" cmpd="sng" algn="ctr">
+                      <a:solidFill>
+                        <a:schemeClr val="tx1"/>
+                      </a:solidFill>
+                      <a:prstDash val="solid"/>
+                      <a:round/>
+                      <a:headEnd type="none" w="med" len="med"/>
+                      <a:tailEnd type="none" w="med" len="med"/>
+                    </a:lnB>
+                    <a:lnTlToBr w="12700" cmpd="sng">
+                      <a:noFill/>
+                      <a:prstDash val="solid"/>
+                    </a:lnTlToBr>
+                    <a:lnBlToTr w="12700" cmpd="sng">
+                      <a:noFill/>
+                      <a:prstDash val="solid"/>
+                    </a:lnBlToTr>
+                    <a:noFill/>
+                  </a:tcPr>
+                </a:tc>
+                <a:tc>
+                  <a:txBody>
+                    <a:bodyPr/>
+                    <a:lstStyle/>
+                    <a:p>
+                      <a:r>
+                        <a:rPr lang="en-US" sz="1600" dirty="0">
+                          <a:solidFill>
+                            <a:schemeClr val="tx1"/>
+                          </a:solidFill>
+                          <a:effectLst/>
+                          <a:latin typeface="Arial" panose="020B0604020202020204" pitchFamily="34" charset="0"/>
+                          <a:cs typeface="Arial" panose="020B0604020202020204" pitchFamily="34" charset="0"/>
+                        </a:rPr>
+                        <a:t>2</a:t>
+                      </a:r>
+                    </a:p>
+                  </a:txBody>
+                  <a:tcPr marL="12575" marR="12575" marT="10060" marB="10060" anchor="ctr">
+                    <a:lnL w="12700" cap="flat" cmpd="sng" algn="ctr">
+                      <a:solidFill>
+                        <a:schemeClr val="tx1"/>
+                      </a:solidFill>
+                      <a:prstDash val="solid"/>
+                      <a:round/>
+                      <a:headEnd type="none" w="med" len="med"/>
+                      <a:tailEnd type="none" w="med" len="med"/>
+                    </a:lnL>
+                    <a:lnR w="12700" cap="flat" cmpd="sng" algn="ctr">
+                      <a:solidFill>
+                        <a:schemeClr val="tx1"/>
+                      </a:solidFill>
+                      <a:prstDash val="solid"/>
+                      <a:round/>
+                      <a:headEnd type="none" w="med" len="med"/>
+                      <a:tailEnd type="none" w="med" len="med"/>
+                    </a:lnR>
+                    <a:lnT w="12700" cap="flat" cmpd="sng" algn="ctr">
+                      <a:solidFill>
+                        <a:schemeClr val="tx1"/>
+                      </a:solidFill>
+                      <a:prstDash val="solid"/>
+                      <a:round/>
+                      <a:headEnd type="none" w="med" len="med"/>
+                      <a:tailEnd type="none" w="med" len="med"/>
+                    </a:lnT>
+                    <a:lnB w="12700" cap="flat" cmpd="sng" algn="ctr">
+                      <a:solidFill>
+                        <a:schemeClr val="tx1"/>
+                      </a:solidFill>
+                      <a:prstDash val="solid"/>
+                      <a:round/>
+                      <a:headEnd type="none" w="med" len="med"/>
+                      <a:tailEnd type="none" w="med" len="med"/>
+                    </a:lnB>
+                    <a:lnTlToBr w="12700" cmpd="sng">
+                      <a:noFill/>
+                      <a:prstDash val="solid"/>
+                    </a:lnTlToBr>
+                    <a:lnBlToTr w="12700" cmpd="sng">
+                      <a:noFill/>
+                      <a:prstDash val="solid"/>
+                    </a:lnBlToTr>
+                    <a:noFill/>
+                  </a:tcPr>
+                </a:tc>
+                <a:tc>
+                  <a:txBody>
+                    <a:bodyPr/>
+                    <a:lstStyle/>
+                    <a:p>
+                      <a:pPr algn="r"/>
+                      <a:r>
+                        <a:rPr lang="en-US" sz="1600" dirty="0">
+                          <a:effectLst/>
+                          <a:latin typeface="Arial" panose="020B0604020202020204" pitchFamily="34" charset="0"/>
+                          <a:cs typeface="Arial" panose="020B0604020202020204" pitchFamily="34" charset="0"/>
+                        </a:rPr>
+                        <a:t>-0.9154238</a:t>
+                      </a:r>
+                    </a:p>
+                  </a:txBody>
+                  <a:tcPr marL="24501" marR="24501" marT="19601" marB="19601" anchor="ctr">
+                    <a:lnL w="12700" cap="flat" cmpd="sng" algn="ctr">
+                      <a:solidFill>
+                        <a:schemeClr val="tx1"/>
+                      </a:solidFill>
+                      <a:prstDash val="solid"/>
+                      <a:round/>
+                      <a:headEnd type="none" w="med" len="med"/>
+                      <a:tailEnd type="none" w="med" len="med"/>
+                    </a:lnL>
+                    <a:lnR w="12700" cap="flat" cmpd="sng" algn="ctr">
+                      <a:solidFill>
+                        <a:schemeClr val="tx1"/>
+                      </a:solidFill>
+                      <a:prstDash val="solid"/>
+                      <a:round/>
+                      <a:headEnd type="none" w="med" len="med"/>
+                      <a:tailEnd type="none" w="med" len="med"/>
+                    </a:lnR>
+                    <a:lnT w="12700" cap="flat" cmpd="sng" algn="ctr">
+                      <a:solidFill>
+                        <a:schemeClr val="tx1"/>
+                      </a:solidFill>
+                      <a:prstDash val="solid"/>
+                      <a:round/>
+                      <a:headEnd type="none" w="med" len="med"/>
+                      <a:tailEnd type="none" w="med" len="med"/>
+                    </a:lnT>
+                    <a:lnB w="12700" cap="flat" cmpd="sng" algn="ctr">
+                      <a:solidFill>
+                        <a:schemeClr val="tx1"/>
+                      </a:solidFill>
+                      <a:prstDash val="solid"/>
+                      <a:round/>
+                      <a:headEnd type="none" w="med" len="med"/>
+                      <a:tailEnd type="none" w="med" len="med"/>
+                    </a:lnB>
+                    <a:lnTlToBr w="12700" cmpd="sng">
+                      <a:noFill/>
+                      <a:prstDash val="solid"/>
+                    </a:lnTlToBr>
+                    <a:lnBlToTr w="12700" cmpd="sng">
+                      <a:noFill/>
+                      <a:prstDash val="solid"/>
+                    </a:lnBlToTr>
+                    <a:noFill/>
+                  </a:tcPr>
+                </a:tc>
+                <a:tc>
+                  <a:txBody>
+                    <a:bodyPr/>
+                    <a:lstStyle/>
+                    <a:p>
+                      <a:pPr algn="r"/>
+                      <a:r>
+                        <a:rPr lang="en-US" sz="1600" dirty="0">
+                          <a:effectLst/>
+                          <a:latin typeface="Arial" panose="020B0604020202020204" pitchFamily="34" charset="0"/>
+                          <a:cs typeface="Arial" panose="020B0604020202020204" pitchFamily="34" charset="0"/>
+                        </a:rPr>
+                        <a:t>1.04300430</a:t>
+                      </a:r>
+                    </a:p>
+                  </a:txBody>
+                  <a:tcPr marL="24501" marR="24501" marT="19601" marB="19601" anchor="ctr">
+                    <a:lnL w="12700" cap="flat" cmpd="sng" algn="ctr">
+                      <a:solidFill>
+                        <a:schemeClr val="tx1"/>
+                      </a:solidFill>
+                      <a:prstDash val="solid"/>
+                      <a:round/>
+                      <a:headEnd type="none" w="med" len="med"/>
+                      <a:tailEnd type="none" w="med" len="med"/>
+                    </a:lnL>
+                    <a:lnR w="12700" cap="flat" cmpd="sng" algn="ctr">
+                      <a:solidFill>
+                        <a:schemeClr val="tx1"/>
+                      </a:solidFill>
+                      <a:prstDash val="solid"/>
+                      <a:round/>
+                      <a:headEnd type="none" w="med" len="med"/>
+                      <a:tailEnd type="none" w="med" len="med"/>
+                    </a:lnR>
+                    <a:lnT w="12700" cap="flat" cmpd="sng" algn="ctr">
+                      <a:solidFill>
+                        <a:schemeClr val="tx1"/>
+                      </a:solidFill>
+                      <a:prstDash val="solid"/>
+                      <a:round/>
+                      <a:headEnd type="none" w="med" len="med"/>
+                      <a:tailEnd type="none" w="med" len="med"/>
+                    </a:lnT>
+                    <a:lnB w="12700" cap="flat" cmpd="sng" algn="ctr">
+                      <a:solidFill>
+                        <a:schemeClr val="tx1"/>
+                      </a:solidFill>
+                      <a:prstDash val="solid"/>
+                      <a:round/>
+                      <a:headEnd type="none" w="med" len="med"/>
+                      <a:tailEnd type="none" w="med" len="med"/>
+                    </a:lnB>
+                    <a:lnTlToBr w="12700" cmpd="sng">
+                      <a:noFill/>
+                      <a:prstDash val="solid"/>
+                    </a:lnTlToBr>
+                    <a:lnBlToTr w="12700" cmpd="sng">
+                      <a:noFill/>
+                      <a:prstDash val="solid"/>
+                    </a:lnBlToTr>
+                    <a:noFill/>
+                  </a:tcPr>
+                </a:tc>
+                <a:extLst>
+                  <a:ext uri="{0D108BD9-81ED-4DB2-BD59-A6C34878D82A}">
+                    <a16:rowId xmlns:a16="http://schemas.microsoft.com/office/drawing/2014/main" val="1292895209"/>
+                  </a:ext>
+                </a:extLst>
+              </a:tr>
+              <a:tr h="417952">
+                <a:tc>
+                  <a:txBody>
+                    <a:bodyPr/>
+                    <a:lstStyle/>
+                    <a:p>
+                      <a:r>
+                        <a:rPr lang="en-US" sz="1600" dirty="0">
+                          <a:solidFill>
+                            <a:schemeClr val="tx1"/>
+                          </a:solidFill>
+                          <a:effectLst/>
+                          <a:latin typeface="Arial" panose="020B0604020202020204" pitchFamily="34" charset="0"/>
+                          <a:cs typeface="Arial" panose="020B0604020202020204" pitchFamily="34" charset="0"/>
+                        </a:rPr>
+                        <a:t>Romaine</a:t>
+                      </a:r>
+                    </a:p>
+                  </a:txBody>
+                  <a:tcPr marL="12575" marR="12575" marT="10060" marB="10060" anchor="ctr">
+                    <a:lnL w="12700" cap="flat" cmpd="sng" algn="ctr">
+                      <a:solidFill>
+                        <a:schemeClr val="tx1"/>
+                      </a:solidFill>
+                      <a:prstDash val="solid"/>
+                      <a:round/>
+                      <a:headEnd type="none" w="med" len="med"/>
+                      <a:tailEnd type="none" w="med" len="med"/>
+                    </a:lnL>
+                    <a:lnR w="12700" cap="flat" cmpd="sng" algn="ctr">
+                      <a:solidFill>
+                        <a:schemeClr val="tx1"/>
+                      </a:solidFill>
+                      <a:prstDash val="solid"/>
+                      <a:round/>
+                      <a:headEnd type="none" w="med" len="med"/>
+                      <a:tailEnd type="none" w="med" len="med"/>
+                    </a:lnR>
+                    <a:lnT w="12700" cap="flat" cmpd="sng" algn="ctr">
+                      <a:solidFill>
+                        <a:schemeClr val="tx1"/>
+                      </a:solidFill>
+                      <a:prstDash val="solid"/>
+                      <a:round/>
+                      <a:headEnd type="none" w="med" len="med"/>
+                      <a:tailEnd type="none" w="med" len="med"/>
+                    </a:lnT>
+                    <a:lnB w="12700" cap="flat" cmpd="sng" algn="ctr">
+                      <a:solidFill>
+                        <a:schemeClr val="tx1"/>
+                      </a:solidFill>
+                      <a:prstDash val="solid"/>
+                      <a:round/>
+                      <a:headEnd type="none" w="med" len="med"/>
+                      <a:tailEnd type="none" w="med" len="med"/>
+                    </a:lnB>
+                    <a:lnTlToBr w="12700" cmpd="sng">
+                      <a:noFill/>
+                      <a:prstDash val="solid"/>
+                    </a:lnTlToBr>
+                    <a:lnBlToTr w="12700" cmpd="sng">
+                      <a:noFill/>
+                      <a:prstDash val="solid"/>
+                    </a:lnBlToTr>
+                    <a:noFill/>
+                  </a:tcPr>
+                </a:tc>
+                <a:tc>
+                  <a:txBody>
+                    <a:bodyPr/>
+                    <a:lstStyle/>
+                    <a:p>
+                      <a:r>
+                        <a:rPr lang="en-US" sz="1600" dirty="0">
+                          <a:solidFill>
+                            <a:schemeClr val="tx1"/>
+                          </a:solidFill>
+                          <a:effectLst/>
+                          <a:latin typeface="Arial" panose="020B0604020202020204" pitchFamily="34" charset="0"/>
+                          <a:cs typeface="Arial" panose="020B0604020202020204" pitchFamily="34" charset="0"/>
+                        </a:rPr>
+                        <a:t>L-cysteine 500 ppm</a:t>
+                      </a:r>
+                    </a:p>
+                  </a:txBody>
+                  <a:tcPr marL="12575" marR="12575" marT="10060" marB="10060" anchor="ctr">
+                    <a:lnL w="12700" cap="flat" cmpd="sng" algn="ctr">
+                      <a:solidFill>
+                        <a:schemeClr val="tx1"/>
+                      </a:solidFill>
+                      <a:prstDash val="solid"/>
+                      <a:round/>
+                      <a:headEnd type="none" w="med" len="med"/>
+                      <a:tailEnd type="none" w="med" len="med"/>
+                    </a:lnL>
+                    <a:lnR w="12700" cap="flat" cmpd="sng" algn="ctr">
+                      <a:solidFill>
+                        <a:schemeClr val="tx1"/>
+                      </a:solidFill>
+                      <a:prstDash val="solid"/>
+                      <a:round/>
+                      <a:headEnd type="none" w="med" len="med"/>
+                      <a:tailEnd type="none" w="med" len="med"/>
+                    </a:lnR>
+                    <a:lnT w="12700" cap="flat" cmpd="sng" algn="ctr">
+                      <a:solidFill>
+                        <a:schemeClr val="tx1"/>
+                      </a:solidFill>
+                      <a:prstDash val="solid"/>
+                      <a:round/>
+                      <a:headEnd type="none" w="med" len="med"/>
+                      <a:tailEnd type="none" w="med" len="med"/>
+                    </a:lnT>
+                    <a:lnB w="12700" cap="flat" cmpd="sng" algn="ctr">
+                      <a:solidFill>
+                        <a:schemeClr val="tx1"/>
+                      </a:solidFill>
+                      <a:prstDash val="solid"/>
+                      <a:round/>
+                      <a:headEnd type="none" w="med" len="med"/>
+                      <a:tailEnd type="none" w="med" len="med"/>
+                    </a:lnB>
+                    <a:lnTlToBr w="12700" cmpd="sng">
+                      <a:noFill/>
+                      <a:prstDash val="solid"/>
+                    </a:lnTlToBr>
+                    <a:lnBlToTr w="12700" cmpd="sng">
+                      <a:noFill/>
+                      <a:prstDash val="solid"/>
+                    </a:lnBlToTr>
+                    <a:noFill/>
+                  </a:tcPr>
+                </a:tc>
+                <a:tc>
+                  <a:txBody>
+                    <a:bodyPr/>
+                    <a:lstStyle/>
+                    <a:p>
+                      <a:r>
+                        <a:rPr lang="en-US" sz="1600" dirty="0">
+                          <a:solidFill>
+                            <a:schemeClr val="tx1"/>
+                          </a:solidFill>
+                          <a:effectLst/>
+                          <a:latin typeface="Arial" panose="020B0604020202020204" pitchFamily="34" charset="0"/>
+                          <a:cs typeface="Arial" panose="020B0604020202020204" pitchFamily="34" charset="0"/>
+                        </a:rPr>
+                        <a:t>4</a:t>
+                      </a:r>
+                    </a:p>
+                  </a:txBody>
+                  <a:tcPr marL="12575" marR="12575" marT="10060" marB="10060" anchor="ctr">
+                    <a:lnL w="12700" cap="flat" cmpd="sng" algn="ctr">
+                      <a:solidFill>
+                        <a:schemeClr val="tx1"/>
+                      </a:solidFill>
+                      <a:prstDash val="solid"/>
+                      <a:round/>
+                      <a:headEnd type="none" w="med" len="med"/>
+                      <a:tailEnd type="none" w="med" len="med"/>
+                    </a:lnL>
+                    <a:lnR w="12700" cap="flat" cmpd="sng" algn="ctr">
+                      <a:solidFill>
+                        <a:schemeClr val="tx1"/>
+                      </a:solidFill>
+                      <a:prstDash val="solid"/>
+                      <a:round/>
+                      <a:headEnd type="none" w="med" len="med"/>
+                      <a:tailEnd type="none" w="med" len="med"/>
+                    </a:lnR>
+                    <a:lnT w="12700" cap="flat" cmpd="sng" algn="ctr">
+                      <a:solidFill>
+                        <a:schemeClr val="tx1"/>
+                      </a:solidFill>
+                      <a:prstDash val="solid"/>
+                      <a:round/>
+                      <a:headEnd type="none" w="med" len="med"/>
+                      <a:tailEnd type="none" w="med" len="med"/>
+                    </a:lnT>
+                    <a:lnB w="12700" cap="flat" cmpd="sng" algn="ctr">
+                      <a:solidFill>
+                        <a:schemeClr val="tx1"/>
+                      </a:solidFill>
+                      <a:prstDash val="solid"/>
+                      <a:round/>
+                      <a:headEnd type="none" w="med" len="med"/>
+                      <a:tailEnd type="none" w="med" len="med"/>
+                    </a:lnB>
+                    <a:lnTlToBr w="12700" cmpd="sng">
+                      <a:noFill/>
+                      <a:prstDash val="solid"/>
+                    </a:lnTlToBr>
+                    <a:lnBlToTr w="12700" cmpd="sng">
+                      <a:noFill/>
+                      <a:prstDash val="solid"/>
+                    </a:lnBlToTr>
+                    <a:noFill/>
+                  </a:tcPr>
+                </a:tc>
+                <a:tc>
+                  <a:txBody>
+                    <a:bodyPr/>
+                    <a:lstStyle/>
+                    <a:p>
+                      <a:pPr algn="r"/>
+                      <a:r>
+                        <a:rPr lang="en-US" sz="1600" dirty="0">
+                          <a:effectLst/>
+                          <a:latin typeface="Arial" panose="020B0604020202020204" pitchFamily="34" charset="0"/>
+                          <a:cs typeface="Arial" panose="020B0604020202020204" pitchFamily="34" charset="0"/>
+                        </a:rPr>
+                        <a:t>6.7562559</a:t>
+                      </a:r>
+                    </a:p>
+                  </a:txBody>
+                  <a:tcPr marL="24501" marR="24501" marT="19601" marB="19601" anchor="ctr">
+                    <a:lnL w="12700" cap="flat" cmpd="sng" algn="ctr">
+                      <a:solidFill>
+                        <a:schemeClr val="tx1"/>
+                      </a:solidFill>
+                      <a:prstDash val="solid"/>
+                      <a:round/>
+                      <a:headEnd type="none" w="med" len="med"/>
+                      <a:tailEnd type="none" w="med" len="med"/>
+                    </a:lnL>
+                    <a:lnR w="12700" cap="flat" cmpd="sng" algn="ctr">
+                      <a:solidFill>
+                        <a:schemeClr val="tx1"/>
+                      </a:solidFill>
+                      <a:prstDash val="solid"/>
+                      <a:round/>
+                      <a:headEnd type="none" w="med" len="med"/>
+                      <a:tailEnd type="none" w="med" len="med"/>
+                    </a:lnR>
+                    <a:lnT w="12700" cap="flat" cmpd="sng" algn="ctr">
+                      <a:solidFill>
+                        <a:schemeClr val="tx1"/>
+                      </a:solidFill>
+                      <a:prstDash val="solid"/>
+                      <a:round/>
+                      <a:headEnd type="none" w="med" len="med"/>
+                      <a:tailEnd type="none" w="med" len="med"/>
+                    </a:lnT>
+                    <a:lnB w="12700" cap="flat" cmpd="sng" algn="ctr">
+                      <a:solidFill>
+                        <a:schemeClr val="tx1"/>
+                      </a:solidFill>
+                      <a:prstDash val="solid"/>
+                      <a:round/>
+                      <a:headEnd type="none" w="med" len="med"/>
+                      <a:tailEnd type="none" w="med" len="med"/>
+                    </a:lnB>
+                    <a:lnTlToBr w="12700" cmpd="sng">
+                      <a:noFill/>
+                      <a:prstDash val="solid"/>
+                    </a:lnTlToBr>
+                    <a:lnBlToTr w="12700" cmpd="sng">
+                      <a:noFill/>
+                      <a:prstDash val="solid"/>
+                    </a:lnBlToTr>
+                    <a:noFill/>
+                  </a:tcPr>
+                </a:tc>
+                <a:tc>
+                  <a:txBody>
+                    <a:bodyPr/>
+                    <a:lstStyle/>
+                    <a:p>
+                      <a:pPr algn="r"/>
+                      <a:r>
+                        <a:rPr lang="en-US" sz="1600" dirty="0">
+                          <a:effectLst/>
+                          <a:latin typeface="Arial" panose="020B0604020202020204" pitchFamily="34" charset="0"/>
+                          <a:cs typeface="Arial" panose="020B0604020202020204" pitchFamily="34" charset="0"/>
+                        </a:rPr>
+                        <a:t>1.84315056</a:t>
+                      </a:r>
+                    </a:p>
+                  </a:txBody>
+                  <a:tcPr marL="24501" marR="24501" marT="19601" marB="19601" anchor="ctr">
+                    <a:lnL w="12700" cap="flat" cmpd="sng" algn="ctr">
+                      <a:solidFill>
+                        <a:schemeClr val="tx1"/>
+                      </a:solidFill>
+                      <a:prstDash val="solid"/>
+                      <a:round/>
+                      <a:headEnd type="none" w="med" len="med"/>
+                      <a:tailEnd type="none" w="med" len="med"/>
+                    </a:lnL>
+                    <a:lnR w="12700" cap="flat" cmpd="sng" algn="ctr">
+                      <a:solidFill>
+                        <a:schemeClr val="tx1"/>
+                      </a:solidFill>
+                      <a:prstDash val="solid"/>
+                      <a:round/>
+                      <a:headEnd type="none" w="med" len="med"/>
+                      <a:tailEnd type="none" w="med" len="med"/>
+                    </a:lnR>
+                    <a:lnT w="12700" cap="flat" cmpd="sng" algn="ctr">
+                      <a:solidFill>
+                        <a:schemeClr val="tx1"/>
+                      </a:solidFill>
+                      <a:prstDash val="solid"/>
+                      <a:round/>
+                      <a:headEnd type="none" w="med" len="med"/>
+                      <a:tailEnd type="none" w="med" len="med"/>
+                    </a:lnT>
+                    <a:lnB w="12700" cap="flat" cmpd="sng" algn="ctr">
+                      <a:solidFill>
+                        <a:schemeClr val="tx1"/>
+                      </a:solidFill>
+                      <a:prstDash val="solid"/>
+                      <a:round/>
+                      <a:headEnd type="none" w="med" len="med"/>
+                      <a:tailEnd type="none" w="med" len="med"/>
+                    </a:lnB>
+                    <a:lnTlToBr w="12700" cmpd="sng">
+                      <a:noFill/>
+                      <a:prstDash val="solid"/>
+                    </a:lnTlToBr>
+                    <a:lnBlToTr w="12700" cmpd="sng">
+                      <a:noFill/>
+                      <a:prstDash val="solid"/>
+                    </a:lnBlToTr>
+                    <a:noFill/>
+                  </a:tcPr>
+                </a:tc>
+                <a:extLst>
+                  <a:ext uri="{0D108BD9-81ED-4DB2-BD59-A6C34878D82A}">
+                    <a16:rowId xmlns:a16="http://schemas.microsoft.com/office/drawing/2014/main" val="2920049879"/>
+                  </a:ext>
+                </a:extLst>
+              </a:tr>
+              <a:tr h="417952">
+                <a:tc>
+                  <a:txBody>
+                    <a:bodyPr/>
+                    <a:lstStyle/>
+                    <a:p>
+                      <a:r>
+                        <a:rPr lang="en-US" sz="1600" dirty="0">
+                          <a:solidFill>
+                            <a:schemeClr val="tx1"/>
+                          </a:solidFill>
+                          <a:effectLst/>
+                          <a:latin typeface="Arial" panose="020B0604020202020204" pitchFamily="34" charset="0"/>
+                          <a:cs typeface="Arial" panose="020B0604020202020204" pitchFamily="34" charset="0"/>
+                        </a:rPr>
+                        <a:t>Romaine</a:t>
+                      </a:r>
+                    </a:p>
+                  </a:txBody>
+                  <a:tcPr marL="12575" marR="12575" marT="10060" marB="10060" anchor="ctr">
+                    <a:lnL w="12700" cap="flat" cmpd="sng" algn="ctr">
+                      <a:solidFill>
+                        <a:schemeClr val="tx1"/>
+                      </a:solidFill>
+                      <a:prstDash val="solid"/>
+                      <a:round/>
+                      <a:headEnd type="none" w="med" len="med"/>
+                      <a:tailEnd type="none" w="med" len="med"/>
+                    </a:lnL>
+                    <a:lnR w="12700" cap="flat" cmpd="sng" algn="ctr">
+                      <a:solidFill>
+                        <a:schemeClr val="tx1"/>
+                      </a:solidFill>
+                      <a:prstDash val="solid"/>
+                      <a:round/>
+                      <a:headEnd type="none" w="med" len="med"/>
+                      <a:tailEnd type="none" w="med" len="med"/>
+                    </a:lnR>
+                    <a:lnT w="12700" cap="flat" cmpd="sng" algn="ctr">
+                      <a:solidFill>
+                        <a:schemeClr val="tx1"/>
+                      </a:solidFill>
+                      <a:prstDash val="solid"/>
+                      <a:round/>
+                      <a:headEnd type="none" w="med" len="med"/>
+                      <a:tailEnd type="none" w="med" len="med"/>
+                    </a:lnT>
+                    <a:lnB w="12700" cap="flat" cmpd="sng" algn="ctr">
+                      <a:solidFill>
+                        <a:schemeClr val="tx1"/>
+                      </a:solidFill>
+                      <a:prstDash val="solid"/>
+                      <a:round/>
+                      <a:headEnd type="none" w="med" len="med"/>
+                      <a:tailEnd type="none" w="med" len="med"/>
+                    </a:lnB>
+                    <a:lnTlToBr w="12700" cmpd="sng">
+                      <a:noFill/>
+                      <a:prstDash val="solid"/>
+                    </a:lnTlToBr>
+                    <a:lnBlToTr w="12700" cmpd="sng">
+                      <a:noFill/>
+                      <a:prstDash val="solid"/>
+                    </a:lnBlToTr>
+                    <a:noFill/>
+                  </a:tcPr>
+                </a:tc>
+                <a:tc>
+                  <a:txBody>
+                    <a:bodyPr/>
+                    <a:lstStyle/>
+                    <a:p>
+                      <a:r>
+                        <a:rPr lang="en-US" sz="1600">
+                          <a:solidFill>
+                            <a:schemeClr val="tx1"/>
+                          </a:solidFill>
+                          <a:effectLst/>
+                          <a:latin typeface="Arial" panose="020B0604020202020204" pitchFamily="34" charset="0"/>
+                          <a:cs typeface="Arial" panose="020B0604020202020204" pitchFamily="34" charset="0"/>
+                        </a:rPr>
+                        <a:t>Melatonin 1000 ppm</a:t>
+                      </a:r>
+                    </a:p>
+                  </a:txBody>
+                  <a:tcPr marL="12575" marR="12575" marT="10060" marB="10060" anchor="ctr">
+                    <a:lnL w="12700" cap="flat" cmpd="sng" algn="ctr">
+                      <a:solidFill>
+                        <a:schemeClr val="tx1"/>
+                      </a:solidFill>
+                      <a:prstDash val="solid"/>
+                      <a:round/>
+                      <a:headEnd type="none" w="med" len="med"/>
+                      <a:tailEnd type="none" w="med" len="med"/>
+                    </a:lnL>
+                    <a:lnR w="12700" cap="flat" cmpd="sng" algn="ctr">
+                      <a:solidFill>
+                        <a:schemeClr val="tx1"/>
+                      </a:solidFill>
+                      <a:prstDash val="solid"/>
+                      <a:round/>
+                      <a:headEnd type="none" w="med" len="med"/>
+                      <a:tailEnd type="none" w="med" len="med"/>
+                    </a:lnR>
+                    <a:lnT w="12700" cap="flat" cmpd="sng" algn="ctr">
+                      <a:solidFill>
+                        <a:schemeClr val="tx1"/>
+                      </a:solidFill>
+                      <a:prstDash val="solid"/>
+                      <a:round/>
+                      <a:headEnd type="none" w="med" len="med"/>
+                      <a:tailEnd type="none" w="med" len="med"/>
+                    </a:lnT>
+                    <a:lnB w="12700" cap="flat" cmpd="sng" algn="ctr">
+                      <a:solidFill>
+                        <a:schemeClr val="tx1"/>
+                      </a:solidFill>
+                      <a:prstDash val="solid"/>
+                      <a:round/>
+                      <a:headEnd type="none" w="med" len="med"/>
+                      <a:tailEnd type="none" w="med" len="med"/>
+                    </a:lnB>
+                    <a:lnTlToBr w="12700" cmpd="sng">
+                      <a:noFill/>
+                      <a:prstDash val="solid"/>
+                    </a:lnTlToBr>
+                    <a:lnBlToTr w="12700" cmpd="sng">
+                      <a:noFill/>
+                      <a:prstDash val="solid"/>
+                    </a:lnBlToTr>
+                    <a:noFill/>
+                  </a:tcPr>
+                </a:tc>
+                <a:tc>
+                  <a:txBody>
+                    <a:bodyPr/>
+                    <a:lstStyle/>
+                    <a:p>
+                      <a:r>
+                        <a:rPr lang="en-US" sz="1600" dirty="0">
+                          <a:solidFill>
+                            <a:schemeClr val="tx1"/>
+                          </a:solidFill>
+                          <a:effectLst/>
+                          <a:latin typeface="Arial" panose="020B0604020202020204" pitchFamily="34" charset="0"/>
+                          <a:cs typeface="Arial" panose="020B0604020202020204" pitchFamily="34" charset="0"/>
+                        </a:rPr>
+                        <a:t>0</a:t>
+                      </a:r>
+                    </a:p>
+                  </a:txBody>
+                  <a:tcPr marL="12575" marR="12575" marT="10060" marB="10060" anchor="ctr">
+                    <a:lnL w="12700" cap="flat" cmpd="sng" algn="ctr">
+                      <a:solidFill>
+                        <a:schemeClr val="tx1"/>
+                      </a:solidFill>
+                      <a:prstDash val="solid"/>
+                      <a:round/>
+                      <a:headEnd type="none" w="med" len="med"/>
+                      <a:tailEnd type="none" w="med" len="med"/>
+                    </a:lnL>
+                    <a:lnR w="12700" cap="flat" cmpd="sng" algn="ctr">
+                      <a:solidFill>
+                        <a:schemeClr val="tx1"/>
+                      </a:solidFill>
+                      <a:prstDash val="solid"/>
+                      <a:round/>
+                      <a:headEnd type="none" w="med" len="med"/>
+                      <a:tailEnd type="none" w="med" len="med"/>
+                    </a:lnR>
+                    <a:lnT w="12700" cap="flat" cmpd="sng" algn="ctr">
+                      <a:solidFill>
+                        <a:schemeClr val="tx1"/>
+                      </a:solidFill>
+                      <a:prstDash val="solid"/>
+                      <a:round/>
+                      <a:headEnd type="none" w="med" len="med"/>
+                      <a:tailEnd type="none" w="med" len="med"/>
+                    </a:lnT>
+                    <a:lnB w="12700" cap="flat" cmpd="sng" algn="ctr">
+                      <a:solidFill>
+                        <a:schemeClr val="tx1"/>
+                      </a:solidFill>
+                      <a:prstDash val="solid"/>
+                      <a:round/>
+                      <a:headEnd type="none" w="med" len="med"/>
+                      <a:tailEnd type="none" w="med" len="med"/>
+                    </a:lnB>
+                    <a:lnTlToBr w="12700" cmpd="sng">
+                      <a:noFill/>
+                      <a:prstDash val="solid"/>
+                    </a:lnTlToBr>
+                    <a:lnBlToTr w="12700" cmpd="sng">
+                      <a:noFill/>
+                      <a:prstDash val="solid"/>
+                    </a:lnBlToTr>
+                    <a:noFill/>
+                  </a:tcPr>
+                </a:tc>
+                <a:tc>
+                  <a:txBody>
+                    <a:bodyPr/>
+                    <a:lstStyle/>
+                    <a:p>
+                      <a:pPr algn="r"/>
+                      <a:r>
+                        <a:rPr lang="en-US" sz="1600" dirty="0">
+                          <a:effectLst/>
+                          <a:latin typeface="Arial" panose="020B0604020202020204" pitchFamily="34" charset="0"/>
+                          <a:cs typeface="Arial" panose="020B0604020202020204" pitchFamily="34" charset="0"/>
+                        </a:rPr>
+                        <a:t>-5.2044737</a:t>
+                      </a:r>
+                    </a:p>
+                  </a:txBody>
+                  <a:tcPr marL="24501" marR="24501" marT="19601" marB="19601" anchor="ctr">
+                    <a:lnL w="12700" cap="flat" cmpd="sng" algn="ctr">
+                      <a:solidFill>
+                        <a:schemeClr val="tx1"/>
+                      </a:solidFill>
+                      <a:prstDash val="solid"/>
+                      <a:round/>
+                      <a:headEnd type="none" w="med" len="med"/>
+                      <a:tailEnd type="none" w="med" len="med"/>
+                    </a:lnL>
+                    <a:lnR w="12700" cap="flat" cmpd="sng" algn="ctr">
+                      <a:solidFill>
+                        <a:schemeClr val="tx1"/>
+                      </a:solidFill>
+                      <a:prstDash val="solid"/>
+                      <a:round/>
+                      <a:headEnd type="none" w="med" len="med"/>
+                      <a:tailEnd type="none" w="med" len="med"/>
+                    </a:lnR>
+                    <a:lnT w="12700" cap="flat" cmpd="sng" algn="ctr">
+                      <a:solidFill>
+                        <a:schemeClr val="tx1"/>
+                      </a:solidFill>
+                      <a:prstDash val="solid"/>
+                      <a:round/>
+                      <a:headEnd type="none" w="med" len="med"/>
+                      <a:tailEnd type="none" w="med" len="med"/>
+                    </a:lnT>
+                    <a:lnB w="12700" cap="flat" cmpd="sng" algn="ctr">
+                      <a:solidFill>
+                        <a:schemeClr val="tx1"/>
+                      </a:solidFill>
+                      <a:prstDash val="solid"/>
+                      <a:round/>
+                      <a:headEnd type="none" w="med" len="med"/>
+                      <a:tailEnd type="none" w="med" len="med"/>
+                    </a:lnB>
+                    <a:lnTlToBr w="12700" cmpd="sng">
+                      <a:noFill/>
+                      <a:prstDash val="solid"/>
+                    </a:lnTlToBr>
+                    <a:lnBlToTr w="12700" cmpd="sng">
+                      <a:noFill/>
+                      <a:prstDash val="solid"/>
+                    </a:lnBlToTr>
+                    <a:noFill/>
+                  </a:tcPr>
+                </a:tc>
+                <a:tc>
+                  <a:txBody>
+                    <a:bodyPr/>
+                    <a:lstStyle/>
+                    <a:p>
+                      <a:pPr algn="r"/>
+                      <a:r>
+                        <a:rPr lang="en-US" sz="1600" dirty="0">
+                          <a:effectLst/>
+                          <a:latin typeface="Arial" panose="020B0604020202020204" pitchFamily="34" charset="0"/>
+                          <a:cs typeface="Arial" panose="020B0604020202020204" pitchFamily="34" charset="0"/>
+                        </a:rPr>
+                        <a:t>0.06216506</a:t>
+                      </a:r>
+                    </a:p>
+                  </a:txBody>
+                  <a:tcPr marL="24501" marR="24501" marT="19601" marB="19601" anchor="ctr">
+                    <a:lnL w="12700" cap="flat" cmpd="sng" algn="ctr">
+                      <a:solidFill>
+                        <a:schemeClr val="tx1"/>
+                      </a:solidFill>
+                      <a:prstDash val="solid"/>
+                      <a:round/>
+                      <a:headEnd type="none" w="med" len="med"/>
+                      <a:tailEnd type="none" w="med" len="med"/>
+                    </a:lnL>
+                    <a:lnR w="12700" cap="flat" cmpd="sng" algn="ctr">
+                      <a:solidFill>
+                        <a:schemeClr val="tx1"/>
+                      </a:solidFill>
+                      <a:prstDash val="solid"/>
+                      <a:round/>
+                      <a:headEnd type="none" w="med" len="med"/>
+                      <a:tailEnd type="none" w="med" len="med"/>
+                    </a:lnR>
+                    <a:lnT w="12700" cap="flat" cmpd="sng" algn="ctr">
+                      <a:solidFill>
+                        <a:schemeClr val="tx1"/>
+                      </a:solidFill>
+                      <a:prstDash val="solid"/>
+                      <a:round/>
+                      <a:headEnd type="none" w="med" len="med"/>
+                      <a:tailEnd type="none" w="med" len="med"/>
+                    </a:lnT>
+                    <a:lnB w="12700" cap="flat" cmpd="sng" algn="ctr">
+                      <a:solidFill>
+                        <a:schemeClr val="tx1"/>
+                      </a:solidFill>
+                      <a:prstDash val="solid"/>
+                      <a:round/>
+                      <a:headEnd type="none" w="med" len="med"/>
+                      <a:tailEnd type="none" w="med" len="med"/>
+                    </a:lnB>
+                    <a:lnTlToBr w="12700" cmpd="sng">
+                      <a:noFill/>
+                      <a:prstDash val="solid"/>
+                    </a:lnTlToBr>
+                    <a:lnBlToTr w="12700" cmpd="sng">
+                      <a:noFill/>
+                      <a:prstDash val="solid"/>
+                    </a:lnBlToTr>
+                    <a:noFill/>
+                  </a:tcPr>
+                </a:tc>
+                <a:extLst>
+                  <a:ext uri="{0D108BD9-81ED-4DB2-BD59-A6C34878D82A}">
+                    <a16:rowId xmlns:a16="http://schemas.microsoft.com/office/drawing/2014/main" val="3361937429"/>
+                  </a:ext>
+                </a:extLst>
+              </a:tr>
+              <a:tr h="417952">
+                <a:tc>
+                  <a:txBody>
+                    <a:bodyPr/>
+                    <a:lstStyle/>
+                    <a:p>
+                      <a:r>
+                        <a:rPr lang="en-US" sz="1600" dirty="0">
+                          <a:solidFill>
+                            <a:schemeClr val="tx1"/>
+                          </a:solidFill>
+                          <a:effectLst/>
+                          <a:latin typeface="Arial" panose="020B0604020202020204" pitchFamily="34" charset="0"/>
+                          <a:cs typeface="Arial" panose="020B0604020202020204" pitchFamily="34" charset="0"/>
+                        </a:rPr>
+                        <a:t>Romaine</a:t>
+                      </a:r>
+                    </a:p>
+                  </a:txBody>
+                  <a:tcPr marL="12575" marR="12575" marT="10060" marB="10060" anchor="ctr">
+                    <a:lnL w="12700" cap="flat" cmpd="sng" algn="ctr">
+                      <a:solidFill>
+                        <a:schemeClr val="tx1"/>
+                      </a:solidFill>
+                      <a:prstDash val="solid"/>
+                      <a:round/>
+                      <a:headEnd type="none" w="med" len="med"/>
+                      <a:tailEnd type="none" w="med" len="med"/>
+                    </a:lnL>
+                    <a:lnR w="12700" cap="flat" cmpd="sng" algn="ctr">
+                      <a:solidFill>
+                        <a:schemeClr val="tx1"/>
+                      </a:solidFill>
+                      <a:prstDash val="solid"/>
+                      <a:round/>
+                      <a:headEnd type="none" w="med" len="med"/>
+                      <a:tailEnd type="none" w="med" len="med"/>
+                    </a:lnR>
+                    <a:lnT w="12700" cap="flat" cmpd="sng" algn="ctr">
+                      <a:solidFill>
+                        <a:schemeClr val="tx1"/>
+                      </a:solidFill>
+                      <a:prstDash val="solid"/>
+                      <a:round/>
+                      <a:headEnd type="none" w="med" len="med"/>
+                      <a:tailEnd type="none" w="med" len="med"/>
+                    </a:lnT>
+                    <a:lnB w="12700" cap="flat" cmpd="sng" algn="ctr">
+                      <a:solidFill>
+                        <a:schemeClr val="tx1"/>
+                      </a:solidFill>
+                      <a:prstDash val="solid"/>
+                      <a:round/>
+                      <a:headEnd type="none" w="med" len="med"/>
+                      <a:tailEnd type="none" w="med" len="med"/>
+                    </a:lnB>
+                    <a:lnTlToBr w="12700" cmpd="sng">
+                      <a:noFill/>
+                      <a:prstDash val="solid"/>
+                    </a:lnTlToBr>
+                    <a:lnBlToTr w="12700" cmpd="sng">
+                      <a:noFill/>
+                      <a:prstDash val="solid"/>
+                    </a:lnBlToTr>
+                    <a:noFill/>
+                  </a:tcPr>
+                </a:tc>
+                <a:tc>
+                  <a:txBody>
+                    <a:bodyPr/>
+                    <a:lstStyle/>
+                    <a:p>
+                      <a:r>
+                        <a:rPr lang="en-US" sz="1600">
+                          <a:solidFill>
+                            <a:schemeClr val="tx1"/>
+                          </a:solidFill>
+                          <a:effectLst/>
+                          <a:latin typeface="Arial" panose="020B0604020202020204" pitchFamily="34" charset="0"/>
+                          <a:cs typeface="Arial" panose="020B0604020202020204" pitchFamily="34" charset="0"/>
+                        </a:rPr>
+                        <a:t>Melatonin 1000 ppm</a:t>
+                      </a:r>
+                    </a:p>
+                  </a:txBody>
+                  <a:tcPr marL="12575" marR="12575" marT="10060" marB="10060" anchor="ctr">
+                    <a:lnL w="12700" cap="flat" cmpd="sng" algn="ctr">
+                      <a:solidFill>
+                        <a:schemeClr val="tx1"/>
+                      </a:solidFill>
+                      <a:prstDash val="solid"/>
+                      <a:round/>
+                      <a:headEnd type="none" w="med" len="med"/>
+                      <a:tailEnd type="none" w="med" len="med"/>
+                    </a:lnL>
+                    <a:lnR w="12700" cap="flat" cmpd="sng" algn="ctr">
+                      <a:solidFill>
+                        <a:schemeClr val="tx1"/>
+                      </a:solidFill>
+                      <a:prstDash val="solid"/>
+                      <a:round/>
+                      <a:headEnd type="none" w="med" len="med"/>
+                      <a:tailEnd type="none" w="med" len="med"/>
+                    </a:lnR>
+                    <a:lnT w="12700" cap="flat" cmpd="sng" algn="ctr">
+                      <a:solidFill>
+                        <a:schemeClr val="tx1"/>
+                      </a:solidFill>
+                      <a:prstDash val="solid"/>
+                      <a:round/>
+                      <a:headEnd type="none" w="med" len="med"/>
+                      <a:tailEnd type="none" w="med" len="med"/>
+                    </a:lnT>
+                    <a:lnB w="12700" cap="flat" cmpd="sng" algn="ctr">
+                      <a:solidFill>
+                        <a:schemeClr val="tx1"/>
+                      </a:solidFill>
+                      <a:prstDash val="solid"/>
+                      <a:round/>
+                      <a:headEnd type="none" w="med" len="med"/>
+                      <a:tailEnd type="none" w="med" len="med"/>
+                    </a:lnB>
+                    <a:lnTlToBr w="12700" cmpd="sng">
+                      <a:noFill/>
+                      <a:prstDash val="solid"/>
+                    </a:lnTlToBr>
+                    <a:lnBlToTr w="12700" cmpd="sng">
+                      <a:noFill/>
+                      <a:prstDash val="solid"/>
+                    </a:lnBlToTr>
+                    <a:noFill/>
+                  </a:tcPr>
+                </a:tc>
+                <a:tc>
+                  <a:txBody>
+                    <a:bodyPr/>
+                    <a:lstStyle/>
+                    <a:p>
+                      <a:r>
+                        <a:rPr lang="en-US" sz="1600" dirty="0">
+                          <a:solidFill>
+                            <a:schemeClr val="tx1"/>
+                          </a:solidFill>
+                          <a:effectLst/>
+                          <a:latin typeface="Arial" panose="020B0604020202020204" pitchFamily="34" charset="0"/>
+                          <a:cs typeface="Arial" panose="020B0604020202020204" pitchFamily="34" charset="0"/>
+                        </a:rPr>
+                        <a:t>2</a:t>
+                      </a:r>
+                    </a:p>
+                  </a:txBody>
+                  <a:tcPr marL="12575" marR="12575" marT="10060" marB="10060" anchor="ctr">
+                    <a:lnL w="12700" cap="flat" cmpd="sng" algn="ctr">
+                      <a:solidFill>
+                        <a:schemeClr val="tx1"/>
+                      </a:solidFill>
+                      <a:prstDash val="solid"/>
+                      <a:round/>
+                      <a:headEnd type="none" w="med" len="med"/>
+                      <a:tailEnd type="none" w="med" len="med"/>
+                    </a:lnL>
+                    <a:lnR w="12700" cap="flat" cmpd="sng" algn="ctr">
+                      <a:solidFill>
+                        <a:schemeClr val="tx1"/>
+                      </a:solidFill>
+                      <a:prstDash val="solid"/>
+                      <a:round/>
+                      <a:headEnd type="none" w="med" len="med"/>
+                      <a:tailEnd type="none" w="med" len="med"/>
+                    </a:lnR>
+                    <a:lnT w="12700" cap="flat" cmpd="sng" algn="ctr">
+                      <a:solidFill>
+                        <a:schemeClr val="tx1"/>
+                      </a:solidFill>
+                      <a:prstDash val="solid"/>
+                      <a:round/>
+                      <a:headEnd type="none" w="med" len="med"/>
+                      <a:tailEnd type="none" w="med" len="med"/>
+                    </a:lnT>
+                    <a:lnB w="12700" cap="flat" cmpd="sng" algn="ctr">
+                      <a:solidFill>
+                        <a:schemeClr val="tx1"/>
+                      </a:solidFill>
+                      <a:prstDash val="solid"/>
+                      <a:round/>
+                      <a:headEnd type="none" w="med" len="med"/>
+                      <a:tailEnd type="none" w="med" len="med"/>
+                    </a:lnB>
+                    <a:lnTlToBr w="12700" cmpd="sng">
+                      <a:noFill/>
+                      <a:prstDash val="solid"/>
+                    </a:lnTlToBr>
+                    <a:lnBlToTr w="12700" cmpd="sng">
+                      <a:noFill/>
+                      <a:prstDash val="solid"/>
+                    </a:lnBlToTr>
+                    <a:noFill/>
+                  </a:tcPr>
+                </a:tc>
+                <a:tc>
+                  <a:txBody>
+                    <a:bodyPr/>
+                    <a:lstStyle/>
+                    <a:p>
+                      <a:pPr algn="r"/>
+                      <a:r>
+                        <a:rPr lang="en-US" sz="1600" dirty="0">
+                          <a:effectLst/>
+                          <a:latin typeface="Arial" panose="020B0604020202020204" pitchFamily="34" charset="0"/>
+                          <a:cs typeface="Arial" panose="020B0604020202020204" pitchFamily="34" charset="0"/>
+                        </a:rPr>
+                        <a:t>-4.1194570</a:t>
+                      </a:r>
+                    </a:p>
+                  </a:txBody>
+                  <a:tcPr marL="24501" marR="24501" marT="19601" marB="19601" anchor="ctr">
+                    <a:lnL w="12700" cap="flat" cmpd="sng" algn="ctr">
+                      <a:solidFill>
+                        <a:schemeClr val="tx1"/>
+                      </a:solidFill>
+                      <a:prstDash val="solid"/>
+                      <a:round/>
+                      <a:headEnd type="none" w="med" len="med"/>
+                      <a:tailEnd type="none" w="med" len="med"/>
+                    </a:lnL>
+                    <a:lnR w="12700" cap="flat" cmpd="sng" algn="ctr">
+                      <a:solidFill>
+                        <a:schemeClr val="tx1"/>
+                      </a:solidFill>
+                      <a:prstDash val="solid"/>
+                      <a:round/>
+                      <a:headEnd type="none" w="med" len="med"/>
+                      <a:tailEnd type="none" w="med" len="med"/>
+                    </a:lnR>
+                    <a:lnT w="12700" cap="flat" cmpd="sng" algn="ctr">
+                      <a:solidFill>
+                        <a:schemeClr val="tx1"/>
+                      </a:solidFill>
+                      <a:prstDash val="solid"/>
+                      <a:round/>
+                      <a:headEnd type="none" w="med" len="med"/>
+                      <a:tailEnd type="none" w="med" len="med"/>
+                    </a:lnT>
+                    <a:lnB w="12700" cap="flat" cmpd="sng" algn="ctr">
+                      <a:solidFill>
+                        <a:schemeClr val="tx1"/>
+                      </a:solidFill>
+                      <a:prstDash val="solid"/>
+                      <a:round/>
+                      <a:headEnd type="none" w="med" len="med"/>
+                      <a:tailEnd type="none" w="med" len="med"/>
+                    </a:lnB>
+                    <a:lnTlToBr w="12700" cmpd="sng">
+                      <a:noFill/>
+                      <a:prstDash val="solid"/>
+                    </a:lnTlToBr>
+                    <a:lnBlToTr w="12700" cmpd="sng">
+                      <a:noFill/>
+                      <a:prstDash val="solid"/>
+                    </a:lnBlToTr>
+                    <a:noFill/>
+                  </a:tcPr>
+                </a:tc>
+                <a:tc>
+                  <a:txBody>
+                    <a:bodyPr/>
+                    <a:lstStyle/>
+                    <a:p>
+                      <a:pPr algn="r"/>
+                      <a:r>
+                        <a:rPr lang="en-US" sz="1600" dirty="0">
+                          <a:effectLst/>
+                          <a:latin typeface="Arial" panose="020B0604020202020204" pitchFamily="34" charset="0"/>
+                          <a:cs typeface="Arial" panose="020B0604020202020204" pitchFamily="34" charset="0"/>
+                        </a:rPr>
+                        <a:t>0.16293058</a:t>
+                      </a:r>
+                    </a:p>
+                  </a:txBody>
+                  <a:tcPr marL="24501" marR="24501" marT="19601" marB="19601" anchor="ctr">
+                    <a:lnL w="12700" cap="flat" cmpd="sng" algn="ctr">
+                      <a:solidFill>
+                        <a:schemeClr val="tx1"/>
+                      </a:solidFill>
+                      <a:prstDash val="solid"/>
+                      <a:round/>
+                      <a:headEnd type="none" w="med" len="med"/>
+                      <a:tailEnd type="none" w="med" len="med"/>
+                    </a:lnL>
+                    <a:lnR w="12700" cap="flat" cmpd="sng" algn="ctr">
+                      <a:solidFill>
+                        <a:schemeClr val="tx1"/>
+                      </a:solidFill>
+                      <a:prstDash val="solid"/>
+                      <a:round/>
+                      <a:headEnd type="none" w="med" len="med"/>
+                      <a:tailEnd type="none" w="med" len="med"/>
+                    </a:lnR>
+                    <a:lnT w="12700" cap="flat" cmpd="sng" algn="ctr">
+                      <a:solidFill>
+                        <a:schemeClr val="tx1"/>
+                      </a:solidFill>
+                      <a:prstDash val="solid"/>
+                      <a:round/>
+                      <a:headEnd type="none" w="med" len="med"/>
+                      <a:tailEnd type="none" w="med" len="med"/>
+                    </a:lnT>
+                    <a:lnB w="12700" cap="flat" cmpd="sng" algn="ctr">
+                      <a:solidFill>
+                        <a:schemeClr val="tx1"/>
+                      </a:solidFill>
+                      <a:prstDash val="solid"/>
+                      <a:round/>
+                      <a:headEnd type="none" w="med" len="med"/>
+                      <a:tailEnd type="none" w="med" len="med"/>
+                    </a:lnB>
+                    <a:lnTlToBr w="12700" cmpd="sng">
+                      <a:noFill/>
+                      <a:prstDash val="solid"/>
+                    </a:lnTlToBr>
+                    <a:lnBlToTr w="12700" cmpd="sng">
+                      <a:noFill/>
+                      <a:prstDash val="solid"/>
+                    </a:lnBlToTr>
+                    <a:noFill/>
+                  </a:tcPr>
+                </a:tc>
+                <a:extLst>
+                  <a:ext uri="{0D108BD9-81ED-4DB2-BD59-A6C34878D82A}">
+                    <a16:rowId xmlns:a16="http://schemas.microsoft.com/office/drawing/2014/main" val="2369301507"/>
+                  </a:ext>
+                </a:extLst>
+              </a:tr>
+              <a:tr h="417952">
+                <a:tc>
+                  <a:txBody>
+                    <a:bodyPr/>
+                    <a:lstStyle/>
+                    <a:p>
+                      <a:r>
+                        <a:rPr lang="en-US" sz="1600" dirty="0">
+                          <a:solidFill>
+                            <a:schemeClr val="tx1"/>
+                          </a:solidFill>
+                          <a:effectLst/>
+                          <a:latin typeface="Arial" panose="020B0604020202020204" pitchFamily="34" charset="0"/>
+                          <a:cs typeface="Arial" panose="020B0604020202020204" pitchFamily="34" charset="0"/>
+                        </a:rPr>
+                        <a:t>Romaine</a:t>
+                      </a:r>
+                    </a:p>
+                  </a:txBody>
+                  <a:tcPr marL="12575" marR="12575" marT="10060" marB="10060" anchor="ctr">
+                    <a:lnL w="12700" cap="flat" cmpd="sng" algn="ctr">
+                      <a:solidFill>
+                        <a:schemeClr val="tx1"/>
+                      </a:solidFill>
+                      <a:prstDash val="solid"/>
+                      <a:round/>
+                      <a:headEnd type="none" w="med" len="med"/>
+                      <a:tailEnd type="none" w="med" len="med"/>
+                    </a:lnL>
+                    <a:lnR w="12700" cap="flat" cmpd="sng" algn="ctr">
+                      <a:solidFill>
+                        <a:schemeClr val="tx1"/>
+                      </a:solidFill>
+                      <a:prstDash val="solid"/>
+                      <a:round/>
+                      <a:headEnd type="none" w="med" len="med"/>
+                      <a:tailEnd type="none" w="med" len="med"/>
+                    </a:lnR>
+                    <a:lnT w="12700" cap="flat" cmpd="sng" algn="ctr">
+                      <a:solidFill>
+                        <a:schemeClr val="tx1"/>
+                      </a:solidFill>
+                      <a:prstDash val="solid"/>
+                      <a:round/>
+                      <a:headEnd type="none" w="med" len="med"/>
+                      <a:tailEnd type="none" w="med" len="med"/>
+                    </a:lnT>
+                    <a:lnB w="12700" cap="flat" cmpd="sng" algn="ctr">
+                      <a:solidFill>
+                        <a:schemeClr val="tx1"/>
+                      </a:solidFill>
+                      <a:prstDash val="solid"/>
+                      <a:round/>
+                      <a:headEnd type="none" w="med" len="med"/>
+                      <a:tailEnd type="none" w="med" len="med"/>
+                    </a:lnB>
+                    <a:lnTlToBr w="12700" cmpd="sng">
+                      <a:noFill/>
+                      <a:prstDash val="solid"/>
+                    </a:lnTlToBr>
+                    <a:lnBlToTr w="12700" cmpd="sng">
+                      <a:noFill/>
+                      <a:prstDash val="solid"/>
+                    </a:lnBlToTr>
+                    <a:noFill/>
+                  </a:tcPr>
+                </a:tc>
+                <a:tc>
+                  <a:txBody>
+                    <a:bodyPr/>
+                    <a:lstStyle/>
+                    <a:p>
+                      <a:r>
+                        <a:rPr lang="en-US" sz="1600">
+                          <a:solidFill>
+                            <a:schemeClr val="tx1"/>
+                          </a:solidFill>
+                          <a:effectLst/>
+                          <a:latin typeface="Arial" panose="020B0604020202020204" pitchFamily="34" charset="0"/>
+                          <a:cs typeface="Arial" panose="020B0604020202020204" pitchFamily="34" charset="0"/>
+                        </a:rPr>
+                        <a:t>Melatonin 1000 ppm</a:t>
+                      </a:r>
+                    </a:p>
+                  </a:txBody>
+                  <a:tcPr marL="12575" marR="12575" marT="10060" marB="10060" anchor="ctr">
+                    <a:lnL w="12700" cap="flat" cmpd="sng" algn="ctr">
+                      <a:solidFill>
+                        <a:schemeClr val="tx1"/>
+                      </a:solidFill>
+                      <a:prstDash val="solid"/>
+                      <a:round/>
+                      <a:headEnd type="none" w="med" len="med"/>
+                      <a:tailEnd type="none" w="med" len="med"/>
+                    </a:lnL>
+                    <a:lnR w="12700" cap="flat" cmpd="sng" algn="ctr">
+                      <a:solidFill>
+                        <a:schemeClr val="tx1"/>
+                      </a:solidFill>
+                      <a:prstDash val="solid"/>
+                      <a:round/>
+                      <a:headEnd type="none" w="med" len="med"/>
+                      <a:tailEnd type="none" w="med" len="med"/>
+                    </a:lnR>
+                    <a:lnT w="12700" cap="flat" cmpd="sng" algn="ctr">
+                      <a:solidFill>
+                        <a:schemeClr val="tx1"/>
+                      </a:solidFill>
+                      <a:prstDash val="solid"/>
+                      <a:round/>
+                      <a:headEnd type="none" w="med" len="med"/>
+                      <a:tailEnd type="none" w="med" len="med"/>
+                    </a:lnT>
+                    <a:lnB w="12700" cap="flat" cmpd="sng" algn="ctr">
+                      <a:solidFill>
+                        <a:schemeClr val="tx1"/>
+                      </a:solidFill>
+                      <a:prstDash val="solid"/>
+                      <a:round/>
+                      <a:headEnd type="none" w="med" len="med"/>
+                      <a:tailEnd type="none" w="med" len="med"/>
+                    </a:lnB>
+                    <a:lnTlToBr w="12700" cmpd="sng">
+                      <a:noFill/>
+                      <a:prstDash val="solid"/>
+                    </a:lnTlToBr>
+                    <a:lnBlToTr w="12700" cmpd="sng">
+                      <a:noFill/>
+                      <a:prstDash val="solid"/>
+                    </a:lnBlToTr>
+                    <a:noFill/>
+                  </a:tcPr>
+                </a:tc>
+                <a:tc>
+                  <a:txBody>
+                    <a:bodyPr/>
+                    <a:lstStyle/>
+                    <a:p>
+                      <a:r>
+                        <a:rPr lang="en-US" sz="1600">
+                          <a:solidFill>
+                            <a:schemeClr val="tx1"/>
+                          </a:solidFill>
+                          <a:effectLst/>
+                          <a:latin typeface="Arial" panose="020B0604020202020204" pitchFamily="34" charset="0"/>
+                          <a:cs typeface="Arial" panose="020B0604020202020204" pitchFamily="34" charset="0"/>
+                        </a:rPr>
+                        <a:t>4</a:t>
+                      </a:r>
+                    </a:p>
+                  </a:txBody>
+                  <a:tcPr marL="12575" marR="12575" marT="10060" marB="10060" anchor="ctr">
+                    <a:lnL w="12700" cap="flat" cmpd="sng" algn="ctr">
+                      <a:solidFill>
+                        <a:schemeClr val="tx1"/>
+                      </a:solidFill>
+                      <a:prstDash val="solid"/>
+                      <a:round/>
+                      <a:headEnd type="none" w="med" len="med"/>
+                      <a:tailEnd type="none" w="med" len="med"/>
+                    </a:lnL>
+                    <a:lnR w="12700" cap="flat" cmpd="sng" algn="ctr">
+                      <a:solidFill>
+                        <a:schemeClr val="tx1"/>
+                      </a:solidFill>
+                      <a:prstDash val="solid"/>
+                      <a:round/>
+                      <a:headEnd type="none" w="med" len="med"/>
+                      <a:tailEnd type="none" w="med" len="med"/>
+                    </a:lnR>
+                    <a:lnT w="12700" cap="flat" cmpd="sng" algn="ctr">
+                      <a:solidFill>
+                        <a:schemeClr val="tx1"/>
+                      </a:solidFill>
+                      <a:prstDash val="solid"/>
+                      <a:round/>
+                      <a:headEnd type="none" w="med" len="med"/>
+                      <a:tailEnd type="none" w="med" len="med"/>
+                    </a:lnT>
+                    <a:lnB w="12700" cap="flat" cmpd="sng" algn="ctr">
+                      <a:solidFill>
+                        <a:schemeClr val="tx1"/>
+                      </a:solidFill>
+                      <a:prstDash val="solid"/>
+                      <a:round/>
+                      <a:headEnd type="none" w="med" len="med"/>
+                      <a:tailEnd type="none" w="med" len="med"/>
+                    </a:lnB>
+                    <a:lnTlToBr w="12700" cmpd="sng">
+                      <a:noFill/>
+                      <a:prstDash val="solid"/>
+                    </a:lnTlToBr>
+                    <a:lnBlToTr w="12700" cmpd="sng">
+                      <a:noFill/>
+                      <a:prstDash val="solid"/>
+                    </a:lnBlToTr>
+                    <a:noFill/>
+                  </a:tcPr>
+                </a:tc>
+                <a:tc>
+                  <a:txBody>
+                    <a:bodyPr/>
+                    <a:lstStyle/>
+                    <a:p>
+                      <a:pPr algn="r"/>
+                      <a:r>
+                        <a:rPr lang="en-US" sz="1600" dirty="0">
+                          <a:effectLst/>
+                          <a:latin typeface="Arial" panose="020B0604020202020204" pitchFamily="34" charset="0"/>
+                          <a:cs typeface="Arial" panose="020B0604020202020204" pitchFamily="34" charset="0"/>
+                        </a:rPr>
+                        <a:t>-0.6669802</a:t>
+                      </a:r>
+                    </a:p>
+                  </a:txBody>
+                  <a:tcPr marL="24501" marR="24501" marT="19601" marB="19601" anchor="ctr">
+                    <a:lnL w="12700" cap="flat" cmpd="sng" algn="ctr">
+                      <a:solidFill>
+                        <a:schemeClr val="tx1"/>
+                      </a:solidFill>
+                      <a:prstDash val="solid"/>
+                      <a:round/>
+                      <a:headEnd type="none" w="med" len="med"/>
+                      <a:tailEnd type="none" w="med" len="med"/>
+                    </a:lnL>
+                    <a:lnR w="12700" cap="flat" cmpd="sng" algn="ctr">
+                      <a:solidFill>
+                        <a:schemeClr val="tx1"/>
+                      </a:solidFill>
+                      <a:prstDash val="solid"/>
+                      <a:round/>
+                      <a:headEnd type="none" w="med" len="med"/>
+                      <a:tailEnd type="none" w="med" len="med"/>
+                    </a:lnR>
+                    <a:lnT w="12700" cap="flat" cmpd="sng" algn="ctr">
+                      <a:solidFill>
+                        <a:schemeClr val="tx1"/>
+                      </a:solidFill>
+                      <a:prstDash val="solid"/>
+                      <a:round/>
+                      <a:headEnd type="none" w="med" len="med"/>
+                      <a:tailEnd type="none" w="med" len="med"/>
+                    </a:lnT>
+                    <a:lnB w="12700" cap="flat" cmpd="sng" algn="ctr">
+                      <a:solidFill>
+                        <a:schemeClr val="tx1"/>
+                      </a:solidFill>
+                      <a:prstDash val="solid"/>
+                      <a:round/>
+                      <a:headEnd type="none" w="med" len="med"/>
+                      <a:tailEnd type="none" w="med" len="med"/>
+                    </a:lnB>
+                    <a:lnTlToBr w="12700" cmpd="sng">
+                      <a:noFill/>
+                      <a:prstDash val="solid"/>
+                    </a:lnTlToBr>
+                    <a:lnBlToTr w="12700" cmpd="sng">
+                      <a:noFill/>
+                      <a:prstDash val="solid"/>
+                    </a:lnBlToTr>
+                    <a:noFill/>
+                  </a:tcPr>
+                </a:tc>
+                <a:tc>
+                  <a:txBody>
+                    <a:bodyPr/>
+                    <a:lstStyle/>
+                    <a:p>
+                      <a:pPr algn="r"/>
+                      <a:r>
+                        <a:rPr lang="en-US" sz="1600" dirty="0">
+                          <a:effectLst/>
+                          <a:latin typeface="Arial" panose="020B0604020202020204" pitchFamily="34" charset="0"/>
+                          <a:cs typeface="Arial" panose="020B0604020202020204" pitchFamily="34" charset="0"/>
+                        </a:rPr>
+                        <a:t>1.09382682</a:t>
+                      </a:r>
+                    </a:p>
+                  </a:txBody>
+                  <a:tcPr marL="24501" marR="24501" marT="19601" marB="19601" anchor="ctr">
+                    <a:lnL w="12700" cap="flat" cmpd="sng" algn="ctr">
+                      <a:solidFill>
+                        <a:schemeClr val="tx1"/>
+                      </a:solidFill>
+                      <a:prstDash val="solid"/>
+                      <a:round/>
+                      <a:headEnd type="none" w="med" len="med"/>
+                      <a:tailEnd type="none" w="med" len="med"/>
+                    </a:lnL>
+                    <a:lnR w="12700" cap="flat" cmpd="sng" algn="ctr">
+                      <a:solidFill>
+                        <a:schemeClr val="tx1"/>
+                      </a:solidFill>
+                      <a:prstDash val="solid"/>
+                      <a:round/>
+                      <a:headEnd type="none" w="med" len="med"/>
+                      <a:tailEnd type="none" w="med" len="med"/>
+                    </a:lnR>
+                    <a:lnT w="12700" cap="flat" cmpd="sng" algn="ctr">
+                      <a:solidFill>
+                        <a:schemeClr val="tx1"/>
+                      </a:solidFill>
+                      <a:prstDash val="solid"/>
+                      <a:round/>
+                      <a:headEnd type="none" w="med" len="med"/>
+                      <a:tailEnd type="none" w="med" len="med"/>
+                    </a:lnT>
+                    <a:lnB w="12700" cap="flat" cmpd="sng" algn="ctr">
+                      <a:solidFill>
+                        <a:schemeClr val="tx1"/>
+                      </a:solidFill>
+                      <a:prstDash val="solid"/>
+                      <a:round/>
+                      <a:headEnd type="none" w="med" len="med"/>
+                      <a:tailEnd type="none" w="med" len="med"/>
+                    </a:lnB>
+                    <a:lnTlToBr w="12700" cmpd="sng">
+                      <a:noFill/>
+                      <a:prstDash val="solid"/>
+                    </a:lnTlToBr>
+                    <a:lnBlToTr w="12700" cmpd="sng">
+                      <a:noFill/>
+                      <a:prstDash val="solid"/>
+                    </a:lnBlToTr>
+                    <a:noFill/>
+                  </a:tcPr>
+                </a:tc>
+                <a:extLst>
+                  <a:ext uri="{0D108BD9-81ED-4DB2-BD59-A6C34878D82A}">
+                    <a16:rowId xmlns:a16="http://schemas.microsoft.com/office/drawing/2014/main" val="3532094717"/>
+                  </a:ext>
+                </a:extLst>
+              </a:tr>
+            </a:tbl>
+          </a:graphicData>
+        </a:graphic>
+      </p:graphicFrame>
+    </p:spTree>
+    <p:extLst>
+      <p:ext uri="{BB962C8B-B14F-4D97-AF65-F5344CB8AC3E}">
+        <p14:creationId xmlns:p14="http://schemas.microsoft.com/office/powerpoint/2010/main" val="1500089615"/>
       </p:ext>
     </p:extLst>
   </p:cSld>
